--- a/onderzoek-bestanden-etc/CityMarketing/ImagoOnderzoek.pptx
+++ b/onderzoek-bestanden-etc/CityMarketing/ImagoOnderzoek.pptx
@@ -6,12 +6,12 @@
   </p:sldMasterIdLst>
   <p:sldIdLst>
     <p:sldId id="256" r:id="rId2"/>
-    <p:sldId id="257" r:id="rId3"/>
-    <p:sldId id="258" r:id="rId4"/>
-    <p:sldId id="259" r:id="rId5"/>
-    <p:sldId id="260" r:id="rId6"/>
-    <p:sldId id="261" r:id="rId7"/>
-    <p:sldId id="262" r:id="rId8"/>
+    <p:sldId id="258" r:id="rId3"/>
+    <p:sldId id="259" r:id="rId4"/>
+    <p:sldId id="260" r:id="rId5"/>
+    <p:sldId id="261" r:id="rId6"/>
+    <p:sldId id="262" r:id="rId7"/>
+    <p:sldId id="263" r:id="rId8"/>
   </p:sldIdLst>
   <p:sldSz cx="12192000" cy="6858000"/>
   <p:notesSz cx="6858000" cy="9144000"/>
@@ -110,7 +110,2448 @@
       </a:defRPr>
     </a:lvl9pPr>
   </p:defaultTextStyle>
+  <p:extLst>
+    <p:ext uri="{EFAFB233-063F-42B5-8137-9DF3F51BA10A}">
+      <p15:sldGuideLst xmlns:p15="http://schemas.microsoft.com/office/powerpoint/2012/main"/>
+    </p:ext>
+  </p:extLst>
 </p:presentation>
+</file>
+
+<file path=ppt/revisionInfo.xml><?xml version="1.0" encoding="utf-8"?>
+<p1510:revInfo xmlns:a="http://schemas.openxmlformats.org/drawingml/2006/main" xmlns:r="http://schemas.openxmlformats.org/officeDocument/2006/relationships" xmlns:p1510="http://schemas.microsoft.com/office/powerpoint/2015/10/main">
+  <p1510:revLst>
+    <p1510:client id="{14DC2899-3AE5-4FA7-BC1B-58859840FF8A}" v="1" dt="2022-09-16T11:50:46.017"/>
+    <p1510:client id="{37A1AAD5-394B-4FD5-B5AA-DB5F5DE602C1}" v="4" dt="2022-09-16T11:35:35.605"/>
+    <p1510:client id="{7CD78500-9BA2-4034-89A2-6E171FDD3E4F}" v="173" dt="2022-09-16T12:02:27.595"/>
+  </p1510:revLst>
+</p1510:revInfo>
+</file>
+
+<file path=ppt/diagrams/colors1.xml><?xml version="1.0" encoding="utf-8"?>
+<dgm:colorsDef xmlns:dgm="http://schemas.openxmlformats.org/drawingml/2006/diagram" xmlns:a="http://schemas.openxmlformats.org/drawingml/2006/main" uniqueId="urn:microsoft.com/office/officeart/2005/8/colors/colorful5">
+  <dgm:title val=""/>
+  <dgm:desc val=""/>
+  <dgm:catLst>
+    <dgm:cat type="colorful" pri="10500"/>
+  </dgm:catLst>
+  <dgm:styleLbl name="node0">
+    <dgm:fillClrLst meth="repeat">
+      <a:schemeClr val="accent4"/>
+    </dgm:fillClrLst>
+    <dgm:linClrLst meth="repeat">
+      <a:schemeClr val="lt1"/>
+    </dgm:linClrLst>
+    <dgm:effectClrLst/>
+    <dgm:txLinClrLst/>
+    <dgm:txFillClrLst/>
+    <dgm:txEffectClrLst/>
+  </dgm:styleLbl>
+  <dgm:styleLbl name="node1">
+    <dgm:fillClrLst>
+      <a:schemeClr val="accent5"/>
+      <a:schemeClr val="accent6"/>
+    </dgm:fillClrLst>
+    <dgm:linClrLst meth="repeat">
+      <a:schemeClr val="lt1"/>
+    </dgm:linClrLst>
+    <dgm:effectClrLst/>
+    <dgm:txLinClrLst/>
+    <dgm:txFillClrLst/>
+    <dgm:txEffectClrLst/>
+  </dgm:styleLbl>
+  <dgm:styleLbl name="alignNode1">
+    <dgm:fillClrLst>
+      <a:schemeClr val="accent5"/>
+      <a:schemeClr val="accent6"/>
+    </dgm:fillClrLst>
+    <dgm:linClrLst>
+      <a:schemeClr val="accent5"/>
+      <a:schemeClr val="accent6"/>
+    </dgm:linClrLst>
+    <dgm:effectClrLst/>
+    <dgm:txLinClrLst/>
+    <dgm:txFillClrLst/>
+    <dgm:txEffectClrLst/>
+  </dgm:styleLbl>
+  <dgm:styleLbl name="lnNode1">
+    <dgm:fillClrLst>
+      <a:schemeClr val="accent5"/>
+      <a:schemeClr val="accent6"/>
+    </dgm:fillClrLst>
+    <dgm:linClrLst meth="repeat">
+      <a:schemeClr val="lt1"/>
+    </dgm:linClrLst>
+    <dgm:effectClrLst/>
+    <dgm:txLinClrLst/>
+    <dgm:txFillClrLst/>
+    <dgm:txEffectClrLst/>
+  </dgm:styleLbl>
+  <dgm:styleLbl name="vennNode1">
+    <dgm:fillClrLst>
+      <a:schemeClr val="accent5">
+        <a:alpha val="50000"/>
+      </a:schemeClr>
+      <a:schemeClr val="accent6">
+        <a:alpha val="50000"/>
+      </a:schemeClr>
+    </dgm:fillClrLst>
+    <dgm:linClrLst meth="repeat">
+      <a:schemeClr val="lt1"/>
+    </dgm:linClrLst>
+    <dgm:effectClrLst/>
+    <dgm:txLinClrLst/>
+    <dgm:txFillClrLst/>
+    <dgm:txEffectClrLst/>
+  </dgm:styleLbl>
+  <dgm:styleLbl name="node2">
+    <dgm:fillClrLst>
+      <a:schemeClr val="accent6"/>
+    </dgm:fillClrLst>
+    <dgm:linClrLst meth="repeat">
+      <a:schemeClr val="lt1"/>
+    </dgm:linClrLst>
+    <dgm:effectClrLst/>
+    <dgm:txLinClrLst/>
+    <dgm:txFillClrLst/>
+    <dgm:txEffectClrLst/>
+  </dgm:styleLbl>
+  <dgm:styleLbl name="node3">
+    <dgm:fillClrLst>
+      <a:schemeClr val="accent1"/>
+    </dgm:fillClrLst>
+    <dgm:linClrLst meth="repeat">
+      <a:schemeClr val="lt1"/>
+    </dgm:linClrLst>
+    <dgm:effectClrLst/>
+    <dgm:txLinClrLst/>
+    <dgm:txFillClrLst/>
+    <dgm:txEffectClrLst/>
+  </dgm:styleLbl>
+  <dgm:styleLbl name="node4">
+    <dgm:fillClrLst>
+      <a:schemeClr val="accent2"/>
+    </dgm:fillClrLst>
+    <dgm:linClrLst meth="repeat">
+      <a:schemeClr val="lt1"/>
+    </dgm:linClrLst>
+    <dgm:effectClrLst/>
+    <dgm:txLinClrLst/>
+    <dgm:txFillClrLst/>
+    <dgm:txEffectClrLst/>
+  </dgm:styleLbl>
+  <dgm:styleLbl name="fgImgPlace1">
+    <dgm:fillClrLst>
+      <a:schemeClr val="accent5">
+        <a:tint val="50000"/>
+      </a:schemeClr>
+      <a:schemeClr val="accent6">
+        <a:tint val="50000"/>
+      </a:schemeClr>
+    </dgm:fillClrLst>
+    <dgm:linClrLst meth="repeat">
+      <a:schemeClr val="lt1"/>
+    </dgm:linClrLst>
+    <dgm:effectClrLst/>
+    <dgm:txLinClrLst/>
+    <dgm:txFillClrLst meth="repeat">
+      <a:schemeClr val="lt1"/>
+    </dgm:txFillClrLst>
+    <dgm:txEffectClrLst/>
+  </dgm:styleLbl>
+  <dgm:styleLbl name="alignImgPlace1">
+    <dgm:fillClrLst>
+      <a:schemeClr val="accent5">
+        <a:tint val="50000"/>
+      </a:schemeClr>
+      <a:schemeClr val="accent6">
+        <a:tint val="20000"/>
+      </a:schemeClr>
+    </dgm:fillClrLst>
+    <dgm:linClrLst meth="repeat">
+      <a:schemeClr val="lt1"/>
+    </dgm:linClrLst>
+    <dgm:effectClrLst/>
+    <dgm:txLinClrLst/>
+    <dgm:txFillClrLst meth="repeat">
+      <a:schemeClr val="lt1"/>
+    </dgm:txFillClrLst>
+    <dgm:txEffectClrLst/>
+  </dgm:styleLbl>
+  <dgm:styleLbl name="bgImgPlace1">
+    <dgm:fillClrLst>
+      <a:schemeClr val="accent5">
+        <a:tint val="50000"/>
+      </a:schemeClr>
+      <a:schemeClr val="accent6">
+        <a:tint val="20000"/>
+      </a:schemeClr>
+    </dgm:fillClrLst>
+    <dgm:linClrLst meth="repeat">
+      <a:schemeClr val="lt1"/>
+    </dgm:linClrLst>
+    <dgm:effectClrLst/>
+    <dgm:txLinClrLst/>
+    <dgm:txFillClrLst meth="repeat">
+      <a:schemeClr val="lt1"/>
+    </dgm:txFillClrLst>
+    <dgm:txEffectClrLst/>
+  </dgm:styleLbl>
+  <dgm:styleLbl name="sibTrans2D1">
+    <dgm:fillClrLst>
+      <a:schemeClr val="accent5"/>
+      <a:schemeClr val="accent6"/>
+    </dgm:fillClrLst>
+    <dgm:linClrLst meth="repeat">
+      <a:schemeClr val="lt1"/>
+    </dgm:linClrLst>
+    <dgm:effectClrLst/>
+    <dgm:txLinClrLst/>
+    <dgm:txFillClrLst/>
+    <dgm:txEffectClrLst/>
+  </dgm:styleLbl>
+  <dgm:styleLbl name="fgSibTrans2D1">
+    <dgm:fillClrLst>
+      <a:schemeClr val="accent5"/>
+      <a:schemeClr val="accent6"/>
+    </dgm:fillClrLst>
+    <dgm:linClrLst meth="repeat">
+      <a:schemeClr val="lt1"/>
+    </dgm:linClrLst>
+    <dgm:effectClrLst/>
+    <dgm:txLinClrLst/>
+    <dgm:txFillClrLst meth="repeat">
+      <a:schemeClr val="lt1"/>
+    </dgm:txFillClrLst>
+    <dgm:txEffectClrLst/>
+  </dgm:styleLbl>
+  <dgm:styleLbl name="bgSibTrans2D1">
+    <dgm:fillClrLst>
+      <a:schemeClr val="accent5"/>
+      <a:schemeClr val="accent6"/>
+    </dgm:fillClrLst>
+    <dgm:linClrLst meth="repeat">
+      <a:schemeClr val="lt1"/>
+    </dgm:linClrLst>
+    <dgm:effectClrLst/>
+    <dgm:txLinClrLst/>
+    <dgm:txFillClrLst meth="repeat">
+      <a:schemeClr val="lt1"/>
+    </dgm:txFillClrLst>
+    <dgm:txEffectClrLst/>
+  </dgm:styleLbl>
+  <dgm:styleLbl name="sibTrans1D1">
+    <dgm:fillClrLst/>
+    <dgm:linClrLst>
+      <a:schemeClr val="accent5"/>
+      <a:schemeClr val="accent6"/>
+    </dgm:linClrLst>
+    <dgm:effectClrLst/>
+    <dgm:txLinClrLst/>
+    <dgm:txFillClrLst meth="repeat">
+      <a:schemeClr val="tx1"/>
+    </dgm:txFillClrLst>
+    <dgm:txEffectClrLst/>
+  </dgm:styleLbl>
+  <dgm:styleLbl name="callout">
+    <dgm:fillClrLst meth="repeat">
+      <a:schemeClr val="accent5"/>
+    </dgm:fillClrLst>
+    <dgm:linClrLst meth="repeat">
+      <a:schemeClr val="accent5">
+        <a:tint val="50000"/>
+      </a:schemeClr>
+    </dgm:linClrLst>
+    <dgm:effectClrLst/>
+    <dgm:txLinClrLst/>
+    <dgm:txFillClrLst meth="repeat">
+      <a:schemeClr val="tx1"/>
+    </dgm:txFillClrLst>
+    <dgm:txEffectClrLst/>
+  </dgm:styleLbl>
+  <dgm:styleLbl name="asst0">
+    <dgm:fillClrLst meth="repeat">
+      <a:schemeClr val="accent5"/>
+    </dgm:fillClrLst>
+    <dgm:linClrLst meth="repeat">
+      <a:schemeClr val="lt1">
+        <a:shade val="80000"/>
+      </a:schemeClr>
+    </dgm:linClrLst>
+    <dgm:effectClrLst/>
+    <dgm:txLinClrLst/>
+    <dgm:txFillClrLst/>
+    <dgm:txEffectClrLst/>
+  </dgm:styleLbl>
+  <dgm:styleLbl name="asst1">
+    <dgm:fillClrLst meth="repeat">
+      <a:schemeClr val="accent6"/>
+    </dgm:fillClrLst>
+    <dgm:linClrLst meth="repeat">
+      <a:schemeClr val="lt1">
+        <a:shade val="80000"/>
+      </a:schemeClr>
+    </dgm:linClrLst>
+    <dgm:effectClrLst/>
+    <dgm:txLinClrLst/>
+    <dgm:txFillClrLst/>
+    <dgm:txEffectClrLst/>
+  </dgm:styleLbl>
+  <dgm:styleLbl name="asst2">
+    <dgm:fillClrLst>
+      <a:schemeClr val="accent1"/>
+    </dgm:fillClrLst>
+    <dgm:linClrLst meth="repeat">
+      <a:schemeClr val="lt1"/>
+    </dgm:linClrLst>
+    <dgm:effectClrLst/>
+    <dgm:txLinClrLst/>
+    <dgm:txFillClrLst/>
+    <dgm:txEffectClrLst/>
+  </dgm:styleLbl>
+  <dgm:styleLbl name="asst3">
+    <dgm:fillClrLst>
+      <a:schemeClr val="accent2"/>
+    </dgm:fillClrLst>
+    <dgm:linClrLst meth="repeat">
+      <a:schemeClr val="lt1"/>
+    </dgm:linClrLst>
+    <dgm:effectClrLst/>
+    <dgm:txLinClrLst/>
+    <dgm:txFillClrLst/>
+    <dgm:txEffectClrLst/>
+  </dgm:styleLbl>
+  <dgm:styleLbl name="asst4">
+    <dgm:fillClrLst>
+      <a:schemeClr val="accent3"/>
+    </dgm:fillClrLst>
+    <dgm:linClrLst meth="repeat">
+      <a:schemeClr val="lt1"/>
+    </dgm:linClrLst>
+    <dgm:effectClrLst/>
+    <dgm:txLinClrLst/>
+    <dgm:txFillClrLst/>
+    <dgm:txEffectClrLst/>
+  </dgm:styleLbl>
+  <dgm:styleLbl name="parChTrans2D1">
+    <dgm:fillClrLst meth="repeat">
+      <a:schemeClr val="accent5"/>
+    </dgm:fillClrLst>
+    <dgm:linClrLst meth="repeat">
+      <a:schemeClr val="lt1"/>
+    </dgm:linClrLst>
+    <dgm:effectClrLst/>
+    <dgm:txLinClrLst/>
+    <dgm:txFillClrLst meth="repeat">
+      <a:schemeClr val="lt1"/>
+    </dgm:txFillClrLst>
+    <dgm:txEffectClrLst/>
+  </dgm:styleLbl>
+  <dgm:styleLbl name="parChTrans2D2">
+    <dgm:fillClrLst meth="repeat">
+      <a:schemeClr val="accent6"/>
+    </dgm:fillClrLst>
+    <dgm:linClrLst meth="repeat">
+      <a:schemeClr val="lt1"/>
+    </dgm:linClrLst>
+    <dgm:effectClrLst/>
+    <dgm:txLinClrLst/>
+    <dgm:txFillClrLst/>
+    <dgm:txEffectClrLst/>
+  </dgm:styleLbl>
+  <dgm:styleLbl name="parChTrans2D3">
+    <dgm:fillClrLst meth="repeat">
+      <a:schemeClr val="accent6"/>
+    </dgm:fillClrLst>
+    <dgm:linClrLst meth="repeat">
+      <a:schemeClr val="lt1"/>
+    </dgm:linClrLst>
+    <dgm:effectClrLst/>
+    <dgm:txLinClrLst/>
+    <dgm:txFillClrLst/>
+    <dgm:txEffectClrLst/>
+  </dgm:styleLbl>
+  <dgm:styleLbl name="parChTrans2D4">
+    <dgm:fillClrLst meth="repeat">
+      <a:schemeClr val="accent1"/>
+    </dgm:fillClrLst>
+    <dgm:linClrLst meth="repeat">
+      <a:schemeClr val="lt1"/>
+    </dgm:linClrLst>
+    <dgm:effectClrLst/>
+    <dgm:txLinClrLst/>
+    <dgm:txFillClrLst meth="repeat">
+      <a:schemeClr val="lt1"/>
+    </dgm:txFillClrLst>
+    <dgm:txEffectClrLst/>
+  </dgm:styleLbl>
+  <dgm:styleLbl name="parChTrans1D1">
+    <dgm:fillClrLst meth="repeat">
+      <a:schemeClr val="accent5"/>
+    </dgm:fillClrLst>
+    <dgm:linClrLst meth="repeat">
+      <a:schemeClr val="accent5"/>
+    </dgm:linClrLst>
+    <dgm:effectClrLst/>
+    <dgm:txLinClrLst/>
+    <dgm:txFillClrLst meth="repeat">
+      <a:schemeClr val="tx1"/>
+    </dgm:txFillClrLst>
+    <dgm:txEffectClrLst/>
+  </dgm:styleLbl>
+  <dgm:styleLbl name="parChTrans1D2">
+    <dgm:fillClrLst meth="repeat">
+      <a:schemeClr val="accent6">
+        <a:tint val="90000"/>
+      </a:schemeClr>
+    </dgm:fillClrLst>
+    <dgm:linClrLst meth="repeat">
+      <a:schemeClr val="accent6"/>
+    </dgm:linClrLst>
+    <dgm:effectClrLst/>
+    <dgm:txLinClrLst/>
+    <dgm:txFillClrLst meth="repeat">
+      <a:schemeClr val="tx1"/>
+    </dgm:txFillClrLst>
+    <dgm:txEffectClrLst/>
+  </dgm:styleLbl>
+  <dgm:styleLbl name="parChTrans1D3">
+    <dgm:fillClrLst meth="repeat">
+      <a:schemeClr val="accent6">
+        <a:tint val="70000"/>
+      </a:schemeClr>
+    </dgm:fillClrLst>
+    <dgm:linClrLst meth="repeat">
+      <a:schemeClr val="accent1"/>
+    </dgm:linClrLst>
+    <dgm:effectClrLst/>
+    <dgm:txLinClrLst/>
+    <dgm:txFillClrLst meth="repeat">
+      <a:schemeClr val="tx1"/>
+    </dgm:txFillClrLst>
+    <dgm:txEffectClrLst/>
+  </dgm:styleLbl>
+  <dgm:styleLbl name="parChTrans1D4">
+    <dgm:fillClrLst meth="repeat">
+      <a:schemeClr val="accent6">
+        <a:tint val="50000"/>
+      </a:schemeClr>
+    </dgm:fillClrLst>
+    <dgm:linClrLst meth="repeat">
+      <a:schemeClr val="accent2"/>
+    </dgm:linClrLst>
+    <dgm:effectClrLst/>
+    <dgm:txLinClrLst/>
+    <dgm:txFillClrLst meth="repeat">
+      <a:schemeClr val="tx1"/>
+    </dgm:txFillClrLst>
+    <dgm:txEffectClrLst/>
+  </dgm:styleLbl>
+  <dgm:styleLbl name="fgAcc1">
+    <dgm:fillClrLst meth="repeat">
+      <a:schemeClr val="lt1">
+        <a:alpha val="90000"/>
+      </a:schemeClr>
+    </dgm:fillClrLst>
+    <dgm:linClrLst>
+      <a:schemeClr val="accent5"/>
+      <a:schemeClr val="accent6"/>
+    </dgm:linClrLst>
+    <dgm:effectClrLst/>
+    <dgm:txLinClrLst/>
+    <dgm:txFillClrLst meth="repeat">
+      <a:schemeClr val="dk1"/>
+    </dgm:txFillClrLst>
+    <dgm:txEffectClrLst/>
+  </dgm:styleLbl>
+  <dgm:styleLbl name="conFgAcc1">
+    <dgm:fillClrLst meth="repeat">
+      <a:schemeClr val="lt1">
+        <a:alpha val="90000"/>
+      </a:schemeClr>
+    </dgm:fillClrLst>
+    <dgm:linClrLst>
+      <a:schemeClr val="accent5"/>
+      <a:schemeClr val="accent6"/>
+    </dgm:linClrLst>
+    <dgm:effectClrLst/>
+    <dgm:txLinClrLst/>
+    <dgm:txFillClrLst meth="repeat">
+      <a:schemeClr val="dk1"/>
+    </dgm:txFillClrLst>
+    <dgm:txEffectClrLst/>
+  </dgm:styleLbl>
+  <dgm:styleLbl name="alignAcc1">
+    <dgm:fillClrLst meth="repeat">
+      <a:schemeClr val="lt1">
+        <a:alpha val="90000"/>
+      </a:schemeClr>
+    </dgm:fillClrLst>
+    <dgm:linClrLst>
+      <a:schemeClr val="accent5"/>
+      <a:schemeClr val="accent6"/>
+    </dgm:linClrLst>
+    <dgm:effectClrLst/>
+    <dgm:txLinClrLst/>
+    <dgm:txFillClrLst meth="repeat">
+      <a:schemeClr val="dk1"/>
+    </dgm:txFillClrLst>
+    <dgm:txEffectClrLst/>
+  </dgm:styleLbl>
+  <dgm:styleLbl name="trAlignAcc1">
+    <dgm:fillClrLst meth="repeat">
+      <a:schemeClr val="lt1">
+        <a:alpha val="40000"/>
+      </a:schemeClr>
+    </dgm:fillClrLst>
+    <dgm:linClrLst meth="repeat">
+      <a:schemeClr val="accent5"/>
+    </dgm:linClrLst>
+    <dgm:effectClrLst/>
+    <dgm:txLinClrLst/>
+    <dgm:txFillClrLst meth="repeat">
+      <a:schemeClr val="dk1"/>
+    </dgm:txFillClrLst>
+    <dgm:txEffectClrLst/>
+  </dgm:styleLbl>
+  <dgm:styleLbl name="bgAcc1">
+    <dgm:fillClrLst meth="repeat">
+      <a:schemeClr val="lt1">
+        <a:alpha val="90000"/>
+      </a:schemeClr>
+    </dgm:fillClrLst>
+    <dgm:linClrLst>
+      <a:schemeClr val="accent5"/>
+      <a:schemeClr val="accent6"/>
+    </dgm:linClrLst>
+    <dgm:effectClrLst/>
+    <dgm:txLinClrLst/>
+    <dgm:txFillClrLst meth="repeat">
+      <a:schemeClr val="dk1"/>
+    </dgm:txFillClrLst>
+    <dgm:txEffectClrLst/>
+  </dgm:styleLbl>
+  <dgm:styleLbl name="solidFgAcc1">
+    <dgm:fillClrLst meth="repeat">
+      <a:schemeClr val="lt1"/>
+    </dgm:fillClrLst>
+    <dgm:linClrLst>
+      <a:schemeClr val="accent5"/>
+      <a:schemeClr val="accent6"/>
+    </dgm:linClrLst>
+    <dgm:effectClrLst/>
+    <dgm:txLinClrLst/>
+    <dgm:txFillClrLst meth="repeat">
+      <a:schemeClr val="dk1"/>
+    </dgm:txFillClrLst>
+    <dgm:txEffectClrLst/>
+  </dgm:styleLbl>
+  <dgm:styleLbl name="solidAlignAcc1">
+    <dgm:fillClrLst meth="repeat">
+      <a:schemeClr val="lt1"/>
+    </dgm:fillClrLst>
+    <dgm:linClrLst>
+      <a:schemeClr val="accent5"/>
+      <a:schemeClr val="accent6"/>
+    </dgm:linClrLst>
+    <dgm:effectClrLst/>
+    <dgm:txLinClrLst/>
+    <dgm:txFillClrLst meth="repeat">
+      <a:schemeClr val="dk1"/>
+    </dgm:txFillClrLst>
+    <dgm:txEffectClrLst/>
+  </dgm:styleLbl>
+  <dgm:styleLbl name="solidBgAcc1">
+    <dgm:fillClrLst meth="repeat">
+      <a:schemeClr val="lt1"/>
+    </dgm:fillClrLst>
+    <dgm:linClrLst>
+      <a:schemeClr val="accent5"/>
+      <a:schemeClr val="accent6"/>
+    </dgm:linClrLst>
+    <dgm:effectClrLst/>
+    <dgm:txLinClrLst/>
+    <dgm:txFillClrLst meth="repeat">
+      <a:schemeClr val="dk1"/>
+    </dgm:txFillClrLst>
+    <dgm:txEffectClrLst/>
+  </dgm:styleLbl>
+  <dgm:styleLbl name="fgAccFollowNode1">
+    <dgm:fillClrLst>
+      <a:schemeClr val="accent5">
+        <a:tint val="40000"/>
+        <a:alpha val="90000"/>
+      </a:schemeClr>
+      <a:schemeClr val="accent6">
+        <a:tint val="40000"/>
+        <a:alpha val="90000"/>
+      </a:schemeClr>
+    </dgm:fillClrLst>
+    <dgm:linClrLst>
+      <a:schemeClr val="accent5">
+        <a:tint val="40000"/>
+        <a:alpha val="90000"/>
+      </a:schemeClr>
+      <a:schemeClr val="accent5">
+        <a:tint val="40000"/>
+        <a:alpha val="90000"/>
+      </a:schemeClr>
+    </dgm:linClrLst>
+    <dgm:effectClrLst/>
+    <dgm:txLinClrLst/>
+    <dgm:txFillClrLst meth="repeat">
+      <a:schemeClr val="dk1"/>
+    </dgm:txFillClrLst>
+    <dgm:txEffectClrLst/>
+  </dgm:styleLbl>
+  <dgm:styleLbl name="alignAccFollowNode1">
+    <dgm:fillClrLst>
+      <a:schemeClr val="accent5">
+        <a:tint val="40000"/>
+        <a:alpha val="90000"/>
+      </a:schemeClr>
+      <a:schemeClr val="accent6">
+        <a:tint val="40000"/>
+        <a:alpha val="90000"/>
+      </a:schemeClr>
+    </dgm:fillClrLst>
+    <dgm:linClrLst>
+      <a:schemeClr val="accent5">
+        <a:tint val="40000"/>
+        <a:alpha val="90000"/>
+      </a:schemeClr>
+      <a:schemeClr val="accent6">
+        <a:tint val="40000"/>
+        <a:alpha val="90000"/>
+      </a:schemeClr>
+    </dgm:linClrLst>
+    <dgm:effectClrLst/>
+    <dgm:txLinClrLst/>
+    <dgm:txFillClrLst meth="repeat">
+      <a:schemeClr val="dk1"/>
+    </dgm:txFillClrLst>
+    <dgm:txEffectClrLst/>
+  </dgm:styleLbl>
+  <dgm:styleLbl name="bgAccFollowNode1">
+    <dgm:fillClrLst>
+      <a:schemeClr val="accent5">
+        <a:tint val="40000"/>
+        <a:alpha val="90000"/>
+      </a:schemeClr>
+      <a:schemeClr val="accent6">
+        <a:tint val="40000"/>
+        <a:alpha val="90000"/>
+      </a:schemeClr>
+    </dgm:fillClrLst>
+    <dgm:linClrLst>
+      <a:schemeClr val="accent5">
+        <a:tint val="40000"/>
+        <a:alpha val="90000"/>
+      </a:schemeClr>
+      <a:schemeClr val="accent6">
+        <a:tint val="40000"/>
+        <a:alpha val="90000"/>
+      </a:schemeClr>
+    </dgm:linClrLst>
+    <dgm:effectClrLst/>
+    <dgm:txLinClrLst/>
+    <dgm:txFillClrLst meth="repeat">
+      <a:schemeClr val="dk1"/>
+    </dgm:txFillClrLst>
+    <dgm:txEffectClrLst/>
+  </dgm:styleLbl>
+  <dgm:styleLbl name="fgAcc0">
+    <dgm:fillClrLst meth="repeat">
+      <a:schemeClr val="lt1">
+        <a:alpha val="90000"/>
+      </a:schemeClr>
+    </dgm:fillClrLst>
+    <dgm:linClrLst>
+      <a:schemeClr val="accent4"/>
+    </dgm:linClrLst>
+    <dgm:effectClrLst/>
+    <dgm:txLinClrLst/>
+    <dgm:txFillClrLst meth="repeat">
+      <a:schemeClr val="dk1"/>
+    </dgm:txFillClrLst>
+    <dgm:txEffectClrLst/>
+  </dgm:styleLbl>
+  <dgm:styleLbl name="fgAcc2">
+    <dgm:fillClrLst meth="repeat">
+      <a:schemeClr val="lt1">
+        <a:alpha val="90000"/>
+      </a:schemeClr>
+    </dgm:fillClrLst>
+    <dgm:linClrLst>
+      <a:schemeClr val="accent6"/>
+    </dgm:linClrLst>
+    <dgm:effectClrLst/>
+    <dgm:txLinClrLst/>
+    <dgm:txFillClrLst meth="repeat">
+      <a:schemeClr val="dk1"/>
+    </dgm:txFillClrLst>
+    <dgm:txEffectClrLst/>
+  </dgm:styleLbl>
+  <dgm:styleLbl name="fgAcc3">
+    <dgm:fillClrLst meth="repeat">
+      <a:schemeClr val="lt1">
+        <a:alpha val="90000"/>
+      </a:schemeClr>
+    </dgm:fillClrLst>
+    <dgm:linClrLst>
+      <a:schemeClr val="accent1"/>
+    </dgm:linClrLst>
+    <dgm:effectClrLst/>
+    <dgm:txLinClrLst/>
+    <dgm:txFillClrLst meth="repeat">
+      <a:schemeClr val="dk1"/>
+    </dgm:txFillClrLst>
+    <dgm:txEffectClrLst/>
+  </dgm:styleLbl>
+  <dgm:styleLbl name="fgAcc4">
+    <dgm:fillClrLst meth="repeat">
+      <a:schemeClr val="lt1">
+        <a:alpha val="90000"/>
+      </a:schemeClr>
+    </dgm:fillClrLst>
+    <dgm:linClrLst>
+      <a:schemeClr val="accent2"/>
+    </dgm:linClrLst>
+    <dgm:effectClrLst/>
+    <dgm:txLinClrLst/>
+    <dgm:txFillClrLst meth="repeat">
+      <a:schemeClr val="dk1"/>
+    </dgm:txFillClrLst>
+    <dgm:txEffectClrLst/>
+  </dgm:styleLbl>
+  <dgm:styleLbl name="bgShp">
+    <dgm:fillClrLst meth="repeat">
+      <a:schemeClr val="accent5">
+        <a:tint val="40000"/>
+      </a:schemeClr>
+    </dgm:fillClrLst>
+    <dgm:linClrLst meth="repeat">
+      <a:schemeClr val="dk1"/>
+    </dgm:linClrLst>
+    <dgm:effectClrLst/>
+    <dgm:txLinClrLst/>
+    <dgm:txFillClrLst meth="repeat">
+      <a:schemeClr val="dk1"/>
+    </dgm:txFillClrLst>
+    <dgm:txEffectClrLst/>
+  </dgm:styleLbl>
+  <dgm:styleLbl name="dkBgShp">
+    <dgm:fillClrLst meth="repeat">
+      <a:schemeClr val="accent5">
+        <a:shade val="90000"/>
+      </a:schemeClr>
+    </dgm:fillClrLst>
+    <dgm:linClrLst meth="repeat">
+      <a:schemeClr val="dk1"/>
+    </dgm:linClrLst>
+    <dgm:effectClrLst/>
+    <dgm:txLinClrLst/>
+    <dgm:txFillClrLst meth="repeat">
+      <a:schemeClr val="lt1"/>
+    </dgm:txFillClrLst>
+    <dgm:txEffectClrLst/>
+  </dgm:styleLbl>
+  <dgm:styleLbl name="trBgShp">
+    <dgm:fillClrLst meth="repeat">
+      <a:schemeClr val="accent5">
+        <a:tint val="50000"/>
+        <a:alpha val="40000"/>
+      </a:schemeClr>
+    </dgm:fillClrLst>
+    <dgm:linClrLst meth="repeat">
+      <a:schemeClr val="accent5"/>
+    </dgm:linClrLst>
+    <dgm:effectClrLst/>
+    <dgm:txLinClrLst/>
+    <dgm:txFillClrLst meth="repeat">
+      <a:schemeClr val="lt1"/>
+    </dgm:txFillClrLst>
+    <dgm:txEffectClrLst/>
+  </dgm:styleLbl>
+  <dgm:styleLbl name="fgShp">
+    <dgm:fillClrLst meth="repeat">
+      <a:schemeClr val="accent5">
+        <a:tint val="40000"/>
+      </a:schemeClr>
+    </dgm:fillClrLst>
+    <dgm:linClrLst meth="repeat">
+      <a:schemeClr val="lt1"/>
+    </dgm:linClrLst>
+    <dgm:effectClrLst/>
+    <dgm:txLinClrLst/>
+    <dgm:txFillClrLst meth="repeat">
+      <a:schemeClr val="dk1"/>
+    </dgm:txFillClrLst>
+    <dgm:txEffectClrLst/>
+  </dgm:styleLbl>
+  <dgm:styleLbl name="revTx">
+    <dgm:fillClrLst meth="repeat">
+      <a:schemeClr val="lt1">
+        <a:alpha val="0"/>
+      </a:schemeClr>
+    </dgm:fillClrLst>
+    <dgm:linClrLst meth="repeat">
+      <a:schemeClr val="dk1">
+        <a:alpha val="0"/>
+      </a:schemeClr>
+    </dgm:linClrLst>
+    <dgm:effectClrLst/>
+    <dgm:txLinClrLst/>
+    <dgm:txFillClrLst meth="repeat">
+      <a:schemeClr val="tx1"/>
+    </dgm:txFillClrLst>
+    <dgm:txEffectClrLst/>
+  </dgm:styleLbl>
+</dgm:colorsDef>
+</file>
+
+<file path=ppt/diagrams/data1.xml><?xml version="1.0" encoding="utf-8"?>
+<dgm:dataModel xmlns:dgm="http://schemas.openxmlformats.org/drawingml/2006/diagram" xmlns:a="http://schemas.openxmlformats.org/drawingml/2006/main">
+  <dgm:ptLst>
+    <dgm:pt modelId="{0F3544B7-7756-420F-88FC-D32224D4D5E4}" type="doc">
+      <dgm:prSet loTypeId="urn:microsoft.com/office/officeart/2005/8/layout/vList2" loCatId="list" qsTypeId="urn:microsoft.com/office/officeart/2005/8/quickstyle/simple1" qsCatId="simple" csTypeId="urn:microsoft.com/office/officeart/2005/8/colors/colorful5" csCatId="colorful"/>
+      <dgm:spPr/>
+      <dgm:t>
+        <a:bodyPr/>
+        <a:lstStyle/>
+        <a:p>
+          <a:endParaRPr lang="en-US"/>
+        </a:p>
+      </dgm:t>
+    </dgm:pt>
+    <dgm:pt modelId="{7B425353-A93E-465E-91E2-8DBE09875D1F}">
+      <dgm:prSet/>
+      <dgm:spPr/>
+      <dgm:t>
+        <a:bodyPr/>
+        <a:lstStyle/>
+        <a:p>
+          <a:r>
+            <a:rPr lang="en-GB"/>
+            <a:t>Review websites</a:t>
+          </a:r>
+          <a:endParaRPr lang="en-US"/>
+        </a:p>
+      </dgm:t>
+    </dgm:pt>
+    <dgm:pt modelId="{19D5F850-7F88-4D23-925C-0FBC43B4F54A}" type="parTrans" cxnId="{745E1A0F-EF91-450C-8D18-D26E961E52DA}">
+      <dgm:prSet/>
+      <dgm:spPr/>
+      <dgm:t>
+        <a:bodyPr/>
+        <a:lstStyle/>
+        <a:p>
+          <a:endParaRPr lang="en-US"/>
+        </a:p>
+      </dgm:t>
+    </dgm:pt>
+    <dgm:pt modelId="{F43C0AA5-94C4-4033-ABB2-3D86FCA29441}" type="sibTrans" cxnId="{745E1A0F-EF91-450C-8D18-D26E961E52DA}">
+      <dgm:prSet/>
+      <dgm:spPr/>
+      <dgm:t>
+        <a:bodyPr/>
+        <a:lstStyle/>
+        <a:p>
+          <a:endParaRPr lang="en-US"/>
+        </a:p>
+      </dgm:t>
+    </dgm:pt>
+    <dgm:pt modelId="{43DBDFA0-CC3B-4701-89E9-B2E56846D873}">
+      <dgm:prSet/>
+      <dgm:spPr/>
+      <dgm:t>
+        <a:bodyPr/>
+        <a:lstStyle/>
+        <a:p>
+          <a:r>
+            <a:rPr lang="en-GB"/>
+            <a:t>Blogs</a:t>
+          </a:r>
+          <a:endParaRPr lang="en-US"/>
+        </a:p>
+      </dgm:t>
+    </dgm:pt>
+    <dgm:pt modelId="{3936B01F-88A2-4EB6-B43F-CFA9972A9EF9}" type="parTrans" cxnId="{871692B5-851E-43F4-9329-7DC665EE7887}">
+      <dgm:prSet/>
+      <dgm:spPr/>
+      <dgm:t>
+        <a:bodyPr/>
+        <a:lstStyle/>
+        <a:p>
+          <a:endParaRPr lang="en-US"/>
+        </a:p>
+      </dgm:t>
+    </dgm:pt>
+    <dgm:pt modelId="{493C5A27-BFC6-4B78-A10D-60D285BF0BB0}" type="sibTrans" cxnId="{871692B5-851E-43F4-9329-7DC665EE7887}">
+      <dgm:prSet/>
+      <dgm:spPr/>
+      <dgm:t>
+        <a:bodyPr/>
+        <a:lstStyle/>
+        <a:p>
+          <a:endParaRPr lang="en-US"/>
+        </a:p>
+      </dgm:t>
+    </dgm:pt>
+    <dgm:pt modelId="{502FB115-7230-4EB1-BDD9-795914E1ABAD}">
+      <dgm:prSet/>
+      <dgm:spPr/>
+      <dgm:t>
+        <a:bodyPr/>
+        <a:lstStyle/>
+        <a:p>
+          <a:r>
+            <a:rPr lang="en-GB"/>
+            <a:t>Economische artikelen</a:t>
+          </a:r>
+          <a:endParaRPr lang="en-US"/>
+        </a:p>
+      </dgm:t>
+    </dgm:pt>
+    <dgm:pt modelId="{CEDA1EBF-4091-4274-9F43-1D9CAF2F2FC9}" type="parTrans" cxnId="{5EA72375-927C-44B3-A7C6-1AAAF0518966}">
+      <dgm:prSet/>
+      <dgm:spPr/>
+      <dgm:t>
+        <a:bodyPr/>
+        <a:lstStyle/>
+        <a:p>
+          <a:endParaRPr lang="en-US"/>
+        </a:p>
+      </dgm:t>
+    </dgm:pt>
+    <dgm:pt modelId="{7362CAE4-44DE-4361-8657-4465A3E8A246}" type="sibTrans" cxnId="{5EA72375-927C-44B3-A7C6-1AAAF0518966}">
+      <dgm:prSet/>
+      <dgm:spPr/>
+      <dgm:t>
+        <a:bodyPr/>
+        <a:lstStyle/>
+        <a:p>
+          <a:endParaRPr lang="en-US"/>
+        </a:p>
+      </dgm:t>
+    </dgm:pt>
+    <dgm:pt modelId="{2614231B-04D5-4240-8EB5-30255001F968}" type="pres">
+      <dgm:prSet presAssocID="{0F3544B7-7756-420F-88FC-D32224D4D5E4}" presName="linear" presStyleCnt="0">
+        <dgm:presLayoutVars>
+          <dgm:animLvl val="lvl"/>
+          <dgm:resizeHandles val="exact"/>
+        </dgm:presLayoutVars>
+      </dgm:prSet>
+      <dgm:spPr/>
+    </dgm:pt>
+    <dgm:pt modelId="{F4580790-0E1A-4127-B2DC-D636D784734B}" type="pres">
+      <dgm:prSet presAssocID="{7B425353-A93E-465E-91E2-8DBE09875D1F}" presName="parentText" presStyleLbl="node1" presStyleIdx="0" presStyleCnt="3">
+        <dgm:presLayoutVars>
+          <dgm:chMax val="0"/>
+          <dgm:bulletEnabled val="1"/>
+        </dgm:presLayoutVars>
+      </dgm:prSet>
+      <dgm:spPr/>
+    </dgm:pt>
+    <dgm:pt modelId="{85913FA1-7D72-46E8-83F2-00F4D50B4511}" type="pres">
+      <dgm:prSet presAssocID="{F43C0AA5-94C4-4033-ABB2-3D86FCA29441}" presName="spacer" presStyleCnt="0"/>
+      <dgm:spPr/>
+    </dgm:pt>
+    <dgm:pt modelId="{2A91D89B-EB5E-4BB4-A126-33121D056ACC}" type="pres">
+      <dgm:prSet presAssocID="{43DBDFA0-CC3B-4701-89E9-B2E56846D873}" presName="parentText" presStyleLbl="node1" presStyleIdx="1" presStyleCnt="3">
+        <dgm:presLayoutVars>
+          <dgm:chMax val="0"/>
+          <dgm:bulletEnabled val="1"/>
+        </dgm:presLayoutVars>
+      </dgm:prSet>
+      <dgm:spPr/>
+    </dgm:pt>
+    <dgm:pt modelId="{45889ED5-0760-4B21-86BD-0B4BE350EA09}" type="pres">
+      <dgm:prSet presAssocID="{493C5A27-BFC6-4B78-A10D-60D285BF0BB0}" presName="spacer" presStyleCnt="0"/>
+      <dgm:spPr/>
+    </dgm:pt>
+    <dgm:pt modelId="{3F9BAADA-16CC-4FD8-8E44-2592A3825DFF}" type="pres">
+      <dgm:prSet presAssocID="{502FB115-7230-4EB1-BDD9-795914E1ABAD}" presName="parentText" presStyleLbl="node1" presStyleIdx="2" presStyleCnt="3">
+        <dgm:presLayoutVars>
+          <dgm:chMax val="0"/>
+          <dgm:bulletEnabled val="1"/>
+        </dgm:presLayoutVars>
+      </dgm:prSet>
+      <dgm:spPr/>
+    </dgm:pt>
+  </dgm:ptLst>
+  <dgm:cxnLst>
+    <dgm:cxn modelId="{745E1A0F-EF91-450C-8D18-D26E961E52DA}" srcId="{0F3544B7-7756-420F-88FC-D32224D4D5E4}" destId="{7B425353-A93E-465E-91E2-8DBE09875D1F}" srcOrd="0" destOrd="0" parTransId="{19D5F850-7F88-4D23-925C-0FBC43B4F54A}" sibTransId="{F43C0AA5-94C4-4033-ABB2-3D86FCA29441}"/>
+    <dgm:cxn modelId="{2317230F-4850-4FA8-97BE-AF72BD6D5818}" type="presOf" srcId="{43DBDFA0-CC3B-4701-89E9-B2E56846D873}" destId="{2A91D89B-EB5E-4BB4-A126-33121D056ACC}" srcOrd="0" destOrd="0" presId="urn:microsoft.com/office/officeart/2005/8/layout/vList2"/>
+    <dgm:cxn modelId="{5EA72375-927C-44B3-A7C6-1AAAF0518966}" srcId="{0F3544B7-7756-420F-88FC-D32224D4D5E4}" destId="{502FB115-7230-4EB1-BDD9-795914E1ABAD}" srcOrd="2" destOrd="0" parTransId="{CEDA1EBF-4091-4274-9F43-1D9CAF2F2FC9}" sibTransId="{7362CAE4-44DE-4361-8657-4465A3E8A246}"/>
+    <dgm:cxn modelId="{5007098D-C2E6-4640-8B45-3A22A631AEEB}" type="presOf" srcId="{502FB115-7230-4EB1-BDD9-795914E1ABAD}" destId="{3F9BAADA-16CC-4FD8-8E44-2592A3825DFF}" srcOrd="0" destOrd="0" presId="urn:microsoft.com/office/officeart/2005/8/layout/vList2"/>
+    <dgm:cxn modelId="{93B66993-146C-4AEB-9FEE-C5ACEA1F77BB}" type="presOf" srcId="{0F3544B7-7756-420F-88FC-D32224D4D5E4}" destId="{2614231B-04D5-4240-8EB5-30255001F968}" srcOrd="0" destOrd="0" presId="urn:microsoft.com/office/officeart/2005/8/layout/vList2"/>
+    <dgm:cxn modelId="{871692B5-851E-43F4-9329-7DC665EE7887}" srcId="{0F3544B7-7756-420F-88FC-D32224D4D5E4}" destId="{43DBDFA0-CC3B-4701-89E9-B2E56846D873}" srcOrd="1" destOrd="0" parTransId="{3936B01F-88A2-4EB6-B43F-CFA9972A9EF9}" sibTransId="{493C5A27-BFC6-4B78-A10D-60D285BF0BB0}"/>
+    <dgm:cxn modelId="{AEC8EDEC-5252-4B7A-B26E-58A390E8D00C}" type="presOf" srcId="{7B425353-A93E-465E-91E2-8DBE09875D1F}" destId="{F4580790-0E1A-4127-B2DC-D636D784734B}" srcOrd="0" destOrd="0" presId="urn:microsoft.com/office/officeart/2005/8/layout/vList2"/>
+    <dgm:cxn modelId="{5EEEB71F-0C0E-4EE9-897D-D3226D5E8F55}" type="presParOf" srcId="{2614231B-04D5-4240-8EB5-30255001F968}" destId="{F4580790-0E1A-4127-B2DC-D636D784734B}" srcOrd="0" destOrd="0" presId="urn:microsoft.com/office/officeart/2005/8/layout/vList2"/>
+    <dgm:cxn modelId="{8C1821D8-4280-4A56-B651-08342A47E9EF}" type="presParOf" srcId="{2614231B-04D5-4240-8EB5-30255001F968}" destId="{85913FA1-7D72-46E8-83F2-00F4D50B4511}" srcOrd="1" destOrd="0" presId="urn:microsoft.com/office/officeart/2005/8/layout/vList2"/>
+    <dgm:cxn modelId="{FBC4400A-EA5F-41DC-8EED-054F349157F7}" type="presParOf" srcId="{2614231B-04D5-4240-8EB5-30255001F968}" destId="{2A91D89B-EB5E-4BB4-A126-33121D056ACC}" srcOrd="2" destOrd="0" presId="urn:microsoft.com/office/officeart/2005/8/layout/vList2"/>
+    <dgm:cxn modelId="{9629224E-3704-4902-B19A-E65A8D7BA6A6}" type="presParOf" srcId="{2614231B-04D5-4240-8EB5-30255001F968}" destId="{45889ED5-0760-4B21-86BD-0B4BE350EA09}" srcOrd="3" destOrd="0" presId="urn:microsoft.com/office/officeart/2005/8/layout/vList2"/>
+    <dgm:cxn modelId="{5E962B18-9DAF-4DE9-BF13-3A88C0292048}" type="presParOf" srcId="{2614231B-04D5-4240-8EB5-30255001F968}" destId="{3F9BAADA-16CC-4FD8-8E44-2592A3825DFF}" srcOrd="4" destOrd="0" presId="urn:microsoft.com/office/officeart/2005/8/layout/vList2"/>
+  </dgm:cxnLst>
+  <dgm:bg/>
+  <dgm:whole/>
+  <dgm:extLst>
+    <a:ext uri="http://schemas.microsoft.com/office/drawing/2008/diagram">
+      <dsp:dataModelExt xmlns:dsp="http://schemas.microsoft.com/office/drawing/2008/diagram" relId="rId6" minVer="http://schemas.openxmlformats.org/drawingml/2006/diagram"/>
+    </a:ext>
+  </dgm:extLst>
+</dgm:dataModel>
+</file>
+
+<file path=ppt/diagrams/drawing1.xml><?xml version="1.0" encoding="utf-8"?>
+<dsp:drawing xmlns:dgm="http://schemas.openxmlformats.org/drawingml/2006/diagram" xmlns:dsp="http://schemas.microsoft.com/office/drawing/2008/diagram" xmlns:a="http://schemas.openxmlformats.org/drawingml/2006/main">
+  <dsp:spTree>
+    <dsp:nvGrpSpPr>
+      <dsp:cNvPr id="0" name=""/>
+      <dsp:cNvGrpSpPr/>
+    </dsp:nvGrpSpPr>
+    <dsp:grpSpPr/>
+    <dsp:sp modelId="{F4580790-0E1A-4127-B2DC-D636D784734B}">
+      <dsp:nvSpPr>
+        <dsp:cNvPr id="0" name=""/>
+        <dsp:cNvSpPr/>
+      </dsp:nvSpPr>
+      <dsp:spPr>
+        <a:xfrm>
+          <a:off x="0" y="848326"/>
+          <a:ext cx="6263640" cy="1175264"/>
+        </a:xfrm>
+        <a:prstGeom prst="roundRect">
+          <a:avLst/>
+        </a:prstGeom>
+        <a:solidFill>
+          <a:schemeClr val="accent5">
+            <a:hueOff val="0"/>
+            <a:satOff val="0"/>
+            <a:lumOff val="0"/>
+            <a:alphaOff val="0"/>
+          </a:schemeClr>
+        </a:solidFill>
+        <a:ln w="12700" cap="flat" cmpd="sng" algn="ctr">
+          <a:solidFill>
+            <a:schemeClr val="lt1">
+              <a:hueOff val="0"/>
+              <a:satOff val="0"/>
+              <a:lumOff val="0"/>
+              <a:alphaOff val="0"/>
+            </a:schemeClr>
+          </a:solidFill>
+          <a:prstDash val="solid"/>
+          <a:miter lim="800000"/>
+        </a:ln>
+        <a:effectLst/>
+      </dsp:spPr>
+      <dsp:style>
+        <a:lnRef idx="2">
+          <a:scrgbClr r="0" g="0" b="0"/>
+        </a:lnRef>
+        <a:fillRef idx="1">
+          <a:scrgbClr r="0" g="0" b="0"/>
+        </a:fillRef>
+        <a:effectRef idx="0">
+          <a:scrgbClr r="0" g="0" b="0"/>
+        </a:effectRef>
+        <a:fontRef idx="minor">
+          <a:schemeClr val="lt1"/>
+        </a:fontRef>
+      </dsp:style>
+      <dsp:txBody>
+        <a:bodyPr spcFirstLastPara="0" vert="horz" wrap="square" lIns="186690" tIns="186690" rIns="186690" bIns="186690" numCol="1" spcCol="1270" anchor="ctr" anchorCtr="0">
+          <a:noAutofit/>
+        </a:bodyPr>
+        <a:lstStyle/>
+        <a:p>
+          <a:pPr marL="0" lvl="0" indent="0" algn="l" defTabSz="2178050">
+            <a:lnSpc>
+              <a:spcPct val="90000"/>
+            </a:lnSpc>
+            <a:spcBef>
+              <a:spcPct val="0"/>
+            </a:spcBef>
+            <a:spcAft>
+              <a:spcPct val="35000"/>
+            </a:spcAft>
+            <a:buNone/>
+          </a:pPr>
+          <a:r>
+            <a:rPr lang="en-GB" sz="4900" kern="1200"/>
+            <a:t>Review websites</a:t>
+          </a:r>
+          <a:endParaRPr lang="en-US" sz="4900" kern="1200"/>
+        </a:p>
+      </dsp:txBody>
+      <dsp:txXfrm>
+        <a:off x="57372" y="905698"/>
+        <a:ext cx="6148896" cy="1060520"/>
+      </dsp:txXfrm>
+    </dsp:sp>
+    <dsp:sp modelId="{2A91D89B-EB5E-4BB4-A126-33121D056ACC}">
+      <dsp:nvSpPr>
+        <dsp:cNvPr id="0" name=""/>
+        <dsp:cNvSpPr/>
+      </dsp:nvSpPr>
+      <dsp:spPr>
+        <a:xfrm>
+          <a:off x="0" y="2164711"/>
+          <a:ext cx="6263640" cy="1175264"/>
+        </a:xfrm>
+        <a:prstGeom prst="roundRect">
+          <a:avLst/>
+        </a:prstGeom>
+        <a:solidFill>
+          <a:schemeClr val="accent5">
+            <a:hueOff val="-3379271"/>
+            <a:satOff val="-8710"/>
+            <a:lumOff val="-5883"/>
+            <a:alphaOff val="0"/>
+          </a:schemeClr>
+        </a:solidFill>
+        <a:ln w="12700" cap="flat" cmpd="sng" algn="ctr">
+          <a:solidFill>
+            <a:schemeClr val="lt1">
+              <a:hueOff val="0"/>
+              <a:satOff val="0"/>
+              <a:lumOff val="0"/>
+              <a:alphaOff val="0"/>
+            </a:schemeClr>
+          </a:solidFill>
+          <a:prstDash val="solid"/>
+          <a:miter lim="800000"/>
+        </a:ln>
+        <a:effectLst/>
+      </dsp:spPr>
+      <dsp:style>
+        <a:lnRef idx="2">
+          <a:scrgbClr r="0" g="0" b="0"/>
+        </a:lnRef>
+        <a:fillRef idx="1">
+          <a:scrgbClr r="0" g="0" b="0"/>
+        </a:fillRef>
+        <a:effectRef idx="0">
+          <a:scrgbClr r="0" g="0" b="0"/>
+        </a:effectRef>
+        <a:fontRef idx="minor">
+          <a:schemeClr val="lt1"/>
+        </a:fontRef>
+      </dsp:style>
+      <dsp:txBody>
+        <a:bodyPr spcFirstLastPara="0" vert="horz" wrap="square" lIns="186690" tIns="186690" rIns="186690" bIns="186690" numCol="1" spcCol="1270" anchor="ctr" anchorCtr="0">
+          <a:noAutofit/>
+        </a:bodyPr>
+        <a:lstStyle/>
+        <a:p>
+          <a:pPr marL="0" lvl="0" indent="0" algn="l" defTabSz="2178050">
+            <a:lnSpc>
+              <a:spcPct val="90000"/>
+            </a:lnSpc>
+            <a:spcBef>
+              <a:spcPct val="0"/>
+            </a:spcBef>
+            <a:spcAft>
+              <a:spcPct val="35000"/>
+            </a:spcAft>
+            <a:buNone/>
+          </a:pPr>
+          <a:r>
+            <a:rPr lang="en-GB" sz="4900" kern="1200"/>
+            <a:t>Blogs</a:t>
+          </a:r>
+          <a:endParaRPr lang="en-US" sz="4900" kern="1200"/>
+        </a:p>
+      </dsp:txBody>
+      <dsp:txXfrm>
+        <a:off x="57372" y="2222083"/>
+        <a:ext cx="6148896" cy="1060520"/>
+      </dsp:txXfrm>
+    </dsp:sp>
+    <dsp:sp modelId="{3F9BAADA-16CC-4FD8-8E44-2592A3825DFF}">
+      <dsp:nvSpPr>
+        <dsp:cNvPr id="0" name=""/>
+        <dsp:cNvSpPr/>
+      </dsp:nvSpPr>
+      <dsp:spPr>
+        <a:xfrm>
+          <a:off x="0" y="3481096"/>
+          <a:ext cx="6263640" cy="1175264"/>
+        </a:xfrm>
+        <a:prstGeom prst="roundRect">
+          <a:avLst/>
+        </a:prstGeom>
+        <a:solidFill>
+          <a:schemeClr val="accent5">
+            <a:hueOff val="-6758543"/>
+            <a:satOff val="-17419"/>
+            <a:lumOff val="-11765"/>
+            <a:alphaOff val="0"/>
+          </a:schemeClr>
+        </a:solidFill>
+        <a:ln w="12700" cap="flat" cmpd="sng" algn="ctr">
+          <a:solidFill>
+            <a:schemeClr val="lt1">
+              <a:hueOff val="0"/>
+              <a:satOff val="0"/>
+              <a:lumOff val="0"/>
+              <a:alphaOff val="0"/>
+            </a:schemeClr>
+          </a:solidFill>
+          <a:prstDash val="solid"/>
+          <a:miter lim="800000"/>
+        </a:ln>
+        <a:effectLst/>
+      </dsp:spPr>
+      <dsp:style>
+        <a:lnRef idx="2">
+          <a:scrgbClr r="0" g="0" b="0"/>
+        </a:lnRef>
+        <a:fillRef idx="1">
+          <a:scrgbClr r="0" g="0" b="0"/>
+        </a:fillRef>
+        <a:effectRef idx="0">
+          <a:scrgbClr r="0" g="0" b="0"/>
+        </a:effectRef>
+        <a:fontRef idx="minor">
+          <a:schemeClr val="lt1"/>
+        </a:fontRef>
+      </dsp:style>
+      <dsp:txBody>
+        <a:bodyPr spcFirstLastPara="0" vert="horz" wrap="square" lIns="186690" tIns="186690" rIns="186690" bIns="186690" numCol="1" spcCol="1270" anchor="ctr" anchorCtr="0">
+          <a:noAutofit/>
+        </a:bodyPr>
+        <a:lstStyle/>
+        <a:p>
+          <a:pPr marL="0" lvl="0" indent="0" algn="l" defTabSz="2178050">
+            <a:lnSpc>
+              <a:spcPct val="90000"/>
+            </a:lnSpc>
+            <a:spcBef>
+              <a:spcPct val="0"/>
+            </a:spcBef>
+            <a:spcAft>
+              <a:spcPct val="35000"/>
+            </a:spcAft>
+            <a:buNone/>
+          </a:pPr>
+          <a:r>
+            <a:rPr lang="en-GB" sz="4900" kern="1200"/>
+            <a:t>Economische artikelen</a:t>
+          </a:r>
+          <a:endParaRPr lang="en-US" sz="4900" kern="1200"/>
+        </a:p>
+      </dsp:txBody>
+      <dsp:txXfrm>
+        <a:off x="57372" y="3538468"/>
+        <a:ext cx="6148896" cy="1060520"/>
+      </dsp:txXfrm>
+    </dsp:sp>
+  </dsp:spTree>
+</dsp:drawing>
+</file>
+
+<file path=ppt/diagrams/layout1.xml><?xml version="1.0" encoding="utf-8"?>
+<dgm:layoutDef xmlns:dgm="http://schemas.openxmlformats.org/drawingml/2006/diagram" xmlns:a="http://schemas.openxmlformats.org/drawingml/2006/main" uniqueId="urn:microsoft.com/office/officeart/2005/8/layout/vList2">
+  <dgm:title val=""/>
+  <dgm:desc val=""/>
+  <dgm:catLst>
+    <dgm:cat type="list" pri="3000"/>
+    <dgm:cat type="convert" pri="1000"/>
+  </dgm:catLst>
+  <dgm:sampData>
+    <dgm:dataModel>
+      <dgm:ptLst>
+        <dgm:pt modelId="0" type="doc"/>
+        <dgm:pt modelId="1">
+          <dgm:prSet phldr="1"/>
+        </dgm:pt>
+        <dgm:pt modelId="11">
+          <dgm:prSet phldr="1"/>
+        </dgm:pt>
+        <dgm:pt modelId="2">
+          <dgm:prSet phldr="1"/>
+        </dgm:pt>
+        <dgm:pt modelId="21">
+          <dgm:prSet phldr="1"/>
+        </dgm:pt>
+      </dgm:ptLst>
+      <dgm:cxnLst>
+        <dgm:cxn modelId="4" srcId="0" destId="1" srcOrd="0" destOrd="0"/>
+        <dgm:cxn modelId="5" srcId="0" destId="2" srcOrd="1" destOrd="0"/>
+        <dgm:cxn modelId="12" srcId="1" destId="11" srcOrd="0" destOrd="0"/>
+        <dgm:cxn modelId="23" srcId="2" destId="21" srcOrd="0" destOrd="0"/>
+      </dgm:cxnLst>
+      <dgm:bg/>
+      <dgm:whole/>
+    </dgm:dataModel>
+  </dgm:sampData>
+  <dgm:styleData>
+    <dgm:dataModel>
+      <dgm:ptLst>
+        <dgm:pt modelId="0" type="doc"/>
+        <dgm:pt modelId="1"/>
+        <dgm:pt modelId="2"/>
+      </dgm:ptLst>
+      <dgm:cxnLst>
+        <dgm:cxn modelId="3" srcId="0" destId="1" srcOrd="0" destOrd="0"/>
+        <dgm:cxn modelId="4" srcId="0" destId="2" srcOrd="1" destOrd="0"/>
+      </dgm:cxnLst>
+      <dgm:bg/>
+      <dgm:whole/>
+    </dgm:dataModel>
+  </dgm:styleData>
+  <dgm:clrData>
+    <dgm:dataModel>
+      <dgm:ptLst>
+        <dgm:pt modelId="0" type="doc"/>
+        <dgm:pt modelId="1"/>
+        <dgm:pt modelId="2"/>
+        <dgm:pt modelId="3"/>
+        <dgm:pt modelId="4"/>
+      </dgm:ptLst>
+      <dgm:cxnLst>
+        <dgm:cxn modelId="5" srcId="0" destId="1" srcOrd="0" destOrd="0"/>
+        <dgm:cxn modelId="6" srcId="0" destId="2" srcOrd="1" destOrd="0"/>
+        <dgm:cxn modelId="7" srcId="0" destId="3" srcOrd="2" destOrd="0"/>
+        <dgm:cxn modelId="8" srcId="0" destId="4" srcOrd="3" destOrd="0"/>
+      </dgm:cxnLst>
+      <dgm:bg/>
+      <dgm:whole/>
+    </dgm:dataModel>
+  </dgm:clrData>
+  <dgm:layoutNode name="linear">
+    <dgm:varLst>
+      <dgm:animLvl val="lvl"/>
+      <dgm:resizeHandles val="exact"/>
+    </dgm:varLst>
+    <dgm:alg type="lin">
+      <dgm:param type="linDir" val="fromT"/>
+      <dgm:param type="vertAlign" val="mid"/>
+    </dgm:alg>
+    <dgm:shape xmlns:r="http://schemas.openxmlformats.org/officeDocument/2006/relationships" r:blip="">
+      <dgm:adjLst/>
+    </dgm:shape>
+    <dgm:presOf/>
+    <dgm:constrLst>
+      <dgm:constr type="w" for="ch" forName="parentText" refType="w"/>
+      <dgm:constr type="h" for="ch" forName="parentText" refType="primFontSz" refFor="ch" refForName="parentText" fact="0.52"/>
+      <dgm:constr type="w" for="ch" forName="childText" refType="w"/>
+      <dgm:constr type="h" for="ch" forName="childText" refType="primFontSz" refFor="ch" refForName="parentText" fact="0.46"/>
+      <dgm:constr type="h" for="ch" forName="parentText" op="equ"/>
+      <dgm:constr type="primFontSz" for="ch" forName="parentText" op="equ" val="65"/>
+      <dgm:constr type="primFontSz" for="ch" forName="childText" refType="primFontSz" refFor="ch" refForName="parentText" op="equ"/>
+      <dgm:constr type="h" for="ch" forName="spacer" refType="primFontSz" refFor="ch" refForName="parentText" fact="0.08"/>
+    </dgm:constrLst>
+    <dgm:ruleLst>
+      <dgm:rule type="primFontSz" for="ch" forName="parentText" val="5" fact="NaN" max="NaN"/>
+    </dgm:ruleLst>
+    <dgm:forEach name="Name0" axis="ch" ptType="node">
+      <dgm:layoutNode name="parentText" styleLbl="node1">
+        <dgm:varLst>
+          <dgm:chMax val="0"/>
+          <dgm:bulletEnabled val="1"/>
+        </dgm:varLst>
+        <dgm:alg type="tx">
+          <dgm:param type="parTxLTRAlign" val="l"/>
+          <dgm:param type="parTxRTLAlign" val="r"/>
+        </dgm:alg>
+        <dgm:shape xmlns:r="http://schemas.openxmlformats.org/officeDocument/2006/relationships" type="roundRect" r:blip="">
+          <dgm:adjLst/>
+        </dgm:shape>
+        <dgm:presOf axis="self"/>
+        <dgm:constrLst>
+          <dgm:constr type="tMarg" refType="primFontSz" fact="0.3"/>
+          <dgm:constr type="bMarg" refType="primFontSz" fact="0.3"/>
+          <dgm:constr type="lMarg" refType="primFontSz" fact="0.3"/>
+          <dgm:constr type="rMarg" refType="primFontSz" fact="0.3"/>
+        </dgm:constrLst>
+        <dgm:ruleLst>
+          <dgm:rule type="h" val="INF" fact="NaN" max="NaN"/>
+        </dgm:ruleLst>
+      </dgm:layoutNode>
+      <dgm:choose name="Name1">
+        <dgm:if name="Name2" axis="ch" ptType="node" func="cnt" op="gte" val="1">
+          <dgm:layoutNode name="childText" styleLbl="revTx">
+            <dgm:varLst>
+              <dgm:bulletEnabled val="1"/>
+            </dgm:varLst>
+            <dgm:alg type="tx">
+              <dgm:param type="stBulletLvl" val="1"/>
+              <dgm:param type="lnSpAfChP" val="20"/>
+            </dgm:alg>
+            <dgm:shape xmlns:r="http://schemas.openxmlformats.org/officeDocument/2006/relationships" type="rect" r:blip="">
+              <dgm:adjLst/>
+            </dgm:shape>
+            <dgm:presOf axis="des" ptType="node"/>
+            <dgm:constrLst>
+              <dgm:constr type="tMarg" refType="primFontSz" fact="0.1"/>
+              <dgm:constr type="bMarg" refType="primFontSz" fact="0.1"/>
+              <dgm:constr type="lMarg" refType="w" fact="0.09"/>
+            </dgm:constrLst>
+            <dgm:ruleLst>
+              <dgm:rule type="h" val="INF" fact="NaN" max="NaN"/>
+            </dgm:ruleLst>
+          </dgm:layoutNode>
+        </dgm:if>
+        <dgm:else name="Name3">
+          <dgm:choose name="Name4">
+            <dgm:if name="Name5" axis="par ch" ptType="doc node" func="cnt" op="gte" val="2">
+              <dgm:forEach name="Name6" axis="followSib" ptType="sibTrans" cnt="1">
+                <dgm:layoutNode name="spacer">
+                  <dgm:alg type="sp"/>
+                  <dgm:shape xmlns:r="http://schemas.openxmlformats.org/officeDocument/2006/relationships" r:blip="">
+                    <dgm:adjLst/>
+                  </dgm:shape>
+                  <dgm:presOf/>
+                  <dgm:constrLst/>
+                  <dgm:ruleLst/>
+                </dgm:layoutNode>
+              </dgm:forEach>
+            </dgm:if>
+            <dgm:else name="Name7"/>
+          </dgm:choose>
+        </dgm:else>
+      </dgm:choose>
+    </dgm:forEach>
+  </dgm:layoutNode>
+</dgm:layoutDef>
+</file>
+
+<file path=ppt/diagrams/quickStyle1.xml><?xml version="1.0" encoding="utf-8"?>
+<dgm:styleDef xmlns:dgm="http://schemas.openxmlformats.org/drawingml/2006/diagram" xmlns:a="http://schemas.openxmlformats.org/drawingml/2006/main" uniqueId="urn:microsoft.com/office/officeart/2005/8/quickstyle/simple1">
+  <dgm:title val=""/>
+  <dgm:desc val=""/>
+  <dgm:catLst>
+    <dgm:cat type="simple" pri="10100"/>
+  </dgm:catLst>
+  <dgm:scene3d>
+    <a:camera prst="orthographicFront"/>
+    <a:lightRig rig="threePt" dir="t"/>
+  </dgm:scene3d>
+  <dgm:styleLbl name="node0">
+    <dgm:scene3d>
+      <a:camera prst="orthographicFront"/>
+      <a:lightRig rig="threePt" dir="t"/>
+    </dgm:scene3d>
+    <dgm:sp3d/>
+    <dgm:txPr/>
+    <dgm:style>
+      <a:lnRef idx="2">
+        <a:scrgbClr r="0" g="0" b="0"/>
+      </a:lnRef>
+      <a:fillRef idx="1">
+        <a:scrgbClr r="0" g="0" b="0"/>
+      </a:fillRef>
+      <a:effectRef idx="0">
+        <a:scrgbClr r="0" g="0" b="0"/>
+      </a:effectRef>
+      <a:fontRef idx="minor">
+        <a:schemeClr val="lt1"/>
+      </a:fontRef>
+    </dgm:style>
+  </dgm:styleLbl>
+  <dgm:styleLbl name="lnNode1">
+    <dgm:scene3d>
+      <a:camera prst="orthographicFront"/>
+      <a:lightRig rig="threePt" dir="t"/>
+    </dgm:scene3d>
+    <dgm:sp3d/>
+    <dgm:txPr/>
+    <dgm:style>
+      <a:lnRef idx="2">
+        <a:scrgbClr r="0" g="0" b="0"/>
+      </a:lnRef>
+      <a:fillRef idx="1">
+        <a:scrgbClr r="0" g="0" b="0"/>
+      </a:fillRef>
+      <a:effectRef idx="0">
+        <a:scrgbClr r="0" g="0" b="0"/>
+      </a:effectRef>
+      <a:fontRef idx="minor">
+        <a:schemeClr val="lt1"/>
+      </a:fontRef>
+    </dgm:style>
+  </dgm:styleLbl>
+  <dgm:styleLbl name="vennNode1">
+    <dgm:scene3d>
+      <a:camera prst="orthographicFront"/>
+      <a:lightRig rig="threePt" dir="t"/>
+    </dgm:scene3d>
+    <dgm:sp3d/>
+    <dgm:txPr/>
+    <dgm:style>
+      <a:lnRef idx="2">
+        <a:scrgbClr r="0" g="0" b="0"/>
+      </a:lnRef>
+      <a:fillRef idx="1">
+        <a:scrgbClr r="0" g="0" b="0"/>
+      </a:fillRef>
+      <a:effectRef idx="0">
+        <a:scrgbClr r="0" g="0" b="0"/>
+      </a:effectRef>
+      <a:fontRef idx="minor">
+        <a:schemeClr val="tx1"/>
+      </a:fontRef>
+    </dgm:style>
+  </dgm:styleLbl>
+  <dgm:styleLbl name="alignNode1">
+    <dgm:scene3d>
+      <a:camera prst="orthographicFront"/>
+      <a:lightRig rig="threePt" dir="t"/>
+    </dgm:scene3d>
+    <dgm:sp3d/>
+    <dgm:txPr/>
+    <dgm:style>
+      <a:lnRef idx="2">
+        <a:scrgbClr r="0" g="0" b="0"/>
+      </a:lnRef>
+      <a:fillRef idx="1">
+        <a:scrgbClr r="0" g="0" b="0"/>
+      </a:fillRef>
+      <a:effectRef idx="0">
+        <a:scrgbClr r="0" g="0" b="0"/>
+      </a:effectRef>
+      <a:fontRef idx="minor">
+        <a:schemeClr val="lt1"/>
+      </a:fontRef>
+    </dgm:style>
+  </dgm:styleLbl>
+  <dgm:styleLbl name="node1">
+    <dgm:scene3d>
+      <a:camera prst="orthographicFront"/>
+      <a:lightRig rig="threePt" dir="t"/>
+    </dgm:scene3d>
+    <dgm:sp3d/>
+    <dgm:txPr/>
+    <dgm:style>
+      <a:lnRef idx="2">
+        <a:scrgbClr r="0" g="0" b="0"/>
+      </a:lnRef>
+      <a:fillRef idx="1">
+        <a:scrgbClr r="0" g="0" b="0"/>
+      </a:fillRef>
+      <a:effectRef idx="0">
+        <a:scrgbClr r="0" g="0" b="0"/>
+      </a:effectRef>
+      <a:fontRef idx="minor">
+        <a:schemeClr val="lt1"/>
+      </a:fontRef>
+    </dgm:style>
+  </dgm:styleLbl>
+  <dgm:styleLbl name="node2">
+    <dgm:scene3d>
+      <a:camera prst="orthographicFront"/>
+      <a:lightRig rig="threePt" dir="t"/>
+    </dgm:scene3d>
+    <dgm:sp3d/>
+    <dgm:txPr/>
+    <dgm:style>
+      <a:lnRef idx="2">
+        <a:scrgbClr r="0" g="0" b="0"/>
+      </a:lnRef>
+      <a:fillRef idx="1">
+        <a:scrgbClr r="0" g="0" b="0"/>
+      </a:fillRef>
+      <a:effectRef idx="0">
+        <a:scrgbClr r="0" g="0" b="0"/>
+      </a:effectRef>
+      <a:fontRef idx="minor">
+        <a:schemeClr val="lt1"/>
+      </a:fontRef>
+    </dgm:style>
+  </dgm:styleLbl>
+  <dgm:styleLbl name="node3">
+    <dgm:scene3d>
+      <a:camera prst="orthographicFront"/>
+      <a:lightRig rig="threePt" dir="t"/>
+    </dgm:scene3d>
+    <dgm:sp3d/>
+    <dgm:txPr/>
+    <dgm:style>
+      <a:lnRef idx="2">
+        <a:scrgbClr r="0" g="0" b="0"/>
+      </a:lnRef>
+      <a:fillRef idx="1">
+        <a:scrgbClr r="0" g="0" b="0"/>
+      </a:fillRef>
+      <a:effectRef idx="0">
+        <a:scrgbClr r="0" g="0" b="0"/>
+      </a:effectRef>
+      <a:fontRef idx="minor">
+        <a:schemeClr val="lt1"/>
+      </a:fontRef>
+    </dgm:style>
+  </dgm:styleLbl>
+  <dgm:styleLbl name="node4">
+    <dgm:scene3d>
+      <a:camera prst="orthographicFront"/>
+      <a:lightRig rig="threePt" dir="t"/>
+    </dgm:scene3d>
+    <dgm:sp3d/>
+    <dgm:txPr/>
+    <dgm:style>
+      <a:lnRef idx="2">
+        <a:scrgbClr r="0" g="0" b="0"/>
+      </a:lnRef>
+      <a:fillRef idx="1">
+        <a:scrgbClr r="0" g="0" b="0"/>
+      </a:fillRef>
+      <a:effectRef idx="0">
+        <a:scrgbClr r="0" g="0" b="0"/>
+      </a:effectRef>
+      <a:fontRef idx="minor">
+        <a:schemeClr val="lt1"/>
+      </a:fontRef>
+    </dgm:style>
+  </dgm:styleLbl>
+  <dgm:styleLbl name="fgImgPlace1">
+    <dgm:scene3d>
+      <a:camera prst="orthographicFront"/>
+      <a:lightRig rig="threePt" dir="t"/>
+    </dgm:scene3d>
+    <dgm:sp3d/>
+    <dgm:txPr/>
+    <dgm:style>
+      <a:lnRef idx="2">
+        <a:scrgbClr r="0" g="0" b="0"/>
+      </a:lnRef>
+      <a:fillRef idx="1">
+        <a:scrgbClr r="0" g="0" b="0"/>
+      </a:fillRef>
+      <a:effectRef idx="0">
+        <a:scrgbClr r="0" g="0" b="0"/>
+      </a:effectRef>
+      <a:fontRef idx="minor"/>
+    </dgm:style>
+  </dgm:styleLbl>
+  <dgm:styleLbl name="alignImgPlace1">
+    <dgm:scene3d>
+      <a:camera prst="orthographicFront"/>
+      <a:lightRig rig="threePt" dir="t"/>
+    </dgm:scene3d>
+    <dgm:sp3d/>
+    <dgm:txPr/>
+    <dgm:style>
+      <a:lnRef idx="2">
+        <a:scrgbClr r="0" g="0" b="0"/>
+      </a:lnRef>
+      <a:fillRef idx="1">
+        <a:scrgbClr r="0" g="0" b="0"/>
+      </a:fillRef>
+      <a:effectRef idx="0">
+        <a:scrgbClr r="0" g="0" b="0"/>
+      </a:effectRef>
+      <a:fontRef idx="minor"/>
+    </dgm:style>
+  </dgm:styleLbl>
+  <dgm:styleLbl name="bgImgPlace1">
+    <dgm:scene3d>
+      <a:camera prst="orthographicFront"/>
+      <a:lightRig rig="threePt" dir="t"/>
+    </dgm:scene3d>
+    <dgm:sp3d/>
+    <dgm:txPr/>
+    <dgm:style>
+      <a:lnRef idx="2">
+        <a:scrgbClr r="0" g="0" b="0"/>
+      </a:lnRef>
+      <a:fillRef idx="1">
+        <a:scrgbClr r="0" g="0" b="0"/>
+      </a:fillRef>
+      <a:effectRef idx="0">
+        <a:scrgbClr r="0" g="0" b="0"/>
+      </a:effectRef>
+      <a:fontRef idx="minor"/>
+    </dgm:style>
+  </dgm:styleLbl>
+  <dgm:styleLbl name="sibTrans2D1">
+    <dgm:scene3d>
+      <a:camera prst="orthographicFront"/>
+      <a:lightRig rig="threePt" dir="t"/>
+    </dgm:scene3d>
+    <dgm:sp3d/>
+    <dgm:txPr/>
+    <dgm:style>
+      <a:lnRef idx="0">
+        <a:scrgbClr r="0" g="0" b="0"/>
+      </a:lnRef>
+      <a:fillRef idx="1">
+        <a:scrgbClr r="0" g="0" b="0"/>
+      </a:fillRef>
+      <a:effectRef idx="0">
+        <a:scrgbClr r="0" g="0" b="0"/>
+      </a:effectRef>
+      <a:fontRef idx="minor">
+        <a:schemeClr val="lt1"/>
+      </a:fontRef>
+    </dgm:style>
+  </dgm:styleLbl>
+  <dgm:styleLbl name="fgSibTrans2D1">
+    <dgm:scene3d>
+      <a:camera prst="orthographicFront"/>
+      <a:lightRig rig="threePt" dir="t"/>
+    </dgm:scene3d>
+    <dgm:sp3d/>
+    <dgm:txPr/>
+    <dgm:style>
+      <a:lnRef idx="0">
+        <a:scrgbClr r="0" g="0" b="0"/>
+      </a:lnRef>
+      <a:fillRef idx="1">
+        <a:scrgbClr r="0" g="0" b="0"/>
+      </a:fillRef>
+      <a:effectRef idx="0">
+        <a:scrgbClr r="0" g="0" b="0"/>
+      </a:effectRef>
+      <a:fontRef idx="minor">
+        <a:schemeClr val="lt1"/>
+      </a:fontRef>
+    </dgm:style>
+  </dgm:styleLbl>
+  <dgm:styleLbl name="bgSibTrans2D1">
+    <dgm:scene3d>
+      <a:camera prst="orthographicFront"/>
+      <a:lightRig rig="threePt" dir="t"/>
+    </dgm:scene3d>
+    <dgm:sp3d/>
+    <dgm:txPr/>
+    <dgm:style>
+      <a:lnRef idx="0">
+        <a:scrgbClr r="0" g="0" b="0"/>
+      </a:lnRef>
+      <a:fillRef idx="1">
+        <a:scrgbClr r="0" g="0" b="0"/>
+      </a:fillRef>
+      <a:effectRef idx="0">
+        <a:scrgbClr r="0" g="0" b="0"/>
+      </a:effectRef>
+      <a:fontRef idx="minor">
+        <a:schemeClr val="lt1"/>
+      </a:fontRef>
+    </dgm:style>
+  </dgm:styleLbl>
+  <dgm:styleLbl name="sibTrans1D1">
+    <dgm:scene3d>
+      <a:camera prst="orthographicFront"/>
+      <a:lightRig rig="threePt" dir="t"/>
+    </dgm:scene3d>
+    <dgm:sp3d/>
+    <dgm:txPr/>
+    <dgm:style>
+      <a:lnRef idx="1">
+        <a:scrgbClr r="0" g="0" b="0"/>
+      </a:lnRef>
+      <a:fillRef idx="0">
+        <a:scrgbClr r="0" g="0" b="0"/>
+      </a:fillRef>
+      <a:effectRef idx="0">
+        <a:scrgbClr r="0" g="0" b="0"/>
+      </a:effectRef>
+      <a:fontRef idx="minor"/>
+    </dgm:style>
+  </dgm:styleLbl>
+  <dgm:styleLbl name="callout">
+    <dgm:scene3d>
+      <a:camera prst="orthographicFront"/>
+      <a:lightRig rig="threePt" dir="t"/>
+    </dgm:scene3d>
+    <dgm:sp3d/>
+    <dgm:txPr/>
+    <dgm:style>
+      <a:lnRef idx="2">
+        <a:scrgbClr r="0" g="0" b="0"/>
+      </a:lnRef>
+      <a:fillRef idx="1">
+        <a:scrgbClr r="0" g="0" b="0"/>
+      </a:fillRef>
+      <a:effectRef idx="0">
+        <a:scrgbClr r="0" g="0" b="0"/>
+      </a:effectRef>
+      <a:fontRef idx="minor"/>
+    </dgm:style>
+  </dgm:styleLbl>
+  <dgm:styleLbl name="asst0">
+    <dgm:scene3d>
+      <a:camera prst="orthographicFront"/>
+      <a:lightRig rig="threePt" dir="t"/>
+    </dgm:scene3d>
+    <dgm:sp3d/>
+    <dgm:txPr/>
+    <dgm:style>
+      <a:lnRef idx="2">
+        <a:scrgbClr r="0" g="0" b="0"/>
+      </a:lnRef>
+      <a:fillRef idx="1">
+        <a:scrgbClr r="0" g="0" b="0"/>
+      </a:fillRef>
+      <a:effectRef idx="0">
+        <a:scrgbClr r="0" g="0" b="0"/>
+      </a:effectRef>
+      <a:fontRef idx="minor">
+        <a:schemeClr val="lt1"/>
+      </a:fontRef>
+    </dgm:style>
+  </dgm:styleLbl>
+  <dgm:styleLbl name="asst1">
+    <dgm:scene3d>
+      <a:camera prst="orthographicFront"/>
+      <a:lightRig rig="threePt" dir="t"/>
+    </dgm:scene3d>
+    <dgm:sp3d/>
+    <dgm:txPr/>
+    <dgm:style>
+      <a:lnRef idx="2">
+        <a:scrgbClr r="0" g="0" b="0"/>
+      </a:lnRef>
+      <a:fillRef idx="1">
+        <a:scrgbClr r="0" g="0" b="0"/>
+      </a:fillRef>
+      <a:effectRef idx="0">
+        <a:scrgbClr r="0" g="0" b="0"/>
+      </a:effectRef>
+      <a:fontRef idx="minor">
+        <a:schemeClr val="lt1"/>
+      </a:fontRef>
+    </dgm:style>
+  </dgm:styleLbl>
+  <dgm:styleLbl name="asst2">
+    <dgm:scene3d>
+      <a:camera prst="orthographicFront"/>
+      <a:lightRig rig="threePt" dir="t"/>
+    </dgm:scene3d>
+    <dgm:sp3d/>
+    <dgm:txPr/>
+    <dgm:style>
+      <a:lnRef idx="2">
+        <a:scrgbClr r="0" g="0" b="0"/>
+      </a:lnRef>
+      <a:fillRef idx="1">
+        <a:scrgbClr r="0" g="0" b="0"/>
+      </a:fillRef>
+      <a:effectRef idx="0">
+        <a:scrgbClr r="0" g="0" b="0"/>
+      </a:effectRef>
+      <a:fontRef idx="minor">
+        <a:schemeClr val="lt1"/>
+      </a:fontRef>
+    </dgm:style>
+  </dgm:styleLbl>
+  <dgm:styleLbl name="asst3">
+    <dgm:scene3d>
+      <a:camera prst="orthographicFront"/>
+      <a:lightRig rig="threePt" dir="t"/>
+    </dgm:scene3d>
+    <dgm:sp3d/>
+    <dgm:txPr/>
+    <dgm:style>
+      <a:lnRef idx="2">
+        <a:scrgbClr r="0" g="0" b="0"/>
+      </a:lnRef>
+      <a:fillRef idx="1">
+        <a:scrgbClr r="0" g="0" b="0"/>
+      </a:fillRef>
+      <a:effectRef idx="0">
+        <a:scrgbClr r="0" g="0" b="0"/>
+      </a:effectRef>
+      <a:fontRef idx="minor">
+        <a:schemeClr val="lt1"/>
+      </a:fontRef>
+    </dgm:style>
+  </dgm:styleLbl>
+  <dgm:styleLbl name="asst4">
+    <dgm:scene3d>
+      <a:camera prst="orthographicFront"/>
+      <a:lightRig rig="threePt" dir="t"/>
+    </dgm:scene3d>
+    <dgm:sp3d/>
+    <dgm:txPr/>
+    <dgm:style>
+      <a:lnRef idx="2">
+        <a:scrgbClr r="0" g="0" b="0"/>
+      </a:lnRef>
+      <a:fillRef idx="1">
+        <a:scrgbClr r="0" g="0" b="0"/>
+      </a:fillRef>
+      <a:effectRef idx="0">
+        <a:scrgbClr r="0" g="0" b="0"/>
+      </a:effectRef>
+      <a:fontRef idx="minor">
+        <a:schemeClr val="lt1"/>
+      </a:fontRef>
+    </dgm:style>
+  </dgm:styleLbl>
+  <dgm:styleLbl name="parChTrans2D1">
+    <dgm:scene3d>
+      <a:camera prst="orthographicFront"/>
+      <a:lightRig rig="threePt" dir="t"/>
+    </dgm:scene3d>
+    <dgm:sp3d/>
+    <dgm:txPr/>
+    <dgm:style>
+      <a:lnRef idx="2">
+        <a:scrgbClr r="0" g="0" b="0"/>
+      </a:lnRef>
+      <a:fillRef idx="1">
+        <a:scrgbClr r="0" g="0" b="0"/>
+      </a:fillRef>
+      <a:effectRef idx="0">
+        <a:scrgbClr r="0" g="0" b="0"/>
+      </a:effectRef>
+      <a:fontRef idx="minor">
+        <a:schemeClr val="lt1"/>
+      </a:fontRef>
+    </dgm:style>
+  </dgm:styleLbl>
+  <dgm:styleLbl name="parChTrans2D2">
+    <dgm:scene3d>
+      <a:camera prst="orthographicFront"/>
+      <a:lightRig rig="threePt" dir="t"/>
+    </dgm:scene3d>
+    <dgm:sp3d/>
+    <dgm:txPr/>
+    <dgm:style>
+      <a:lnRef idx="2">
+        <a:scrgbClr r="0" g="0" b="0"/>
+      </a:lnRef>
+      <a:fillRef idx="1">
+        <a:scrgbClr r="0" g="0" b="0"/>
+      </a:fillRef>
+      <a:effectRef idx="0">
+        <a:scrgbClr r="0" g="0" b="0"/>
+      </a:effectRef>
+      <a:fontRef idx="minor">
+        <a:schemeClr val="lt1"/>
+      </a:fontRef>
+    </dgm:style>
+  </dgm:styleLbl>
+  <dgm:styleLbl name="parChTrans2D3">
+    <dgm:scene3d>
+      <a:camera prst="orthographicFront"/>
+      <a:lightRig rig="threePt" dir="t"/>
+    </dgm:scene3d>
+    <dgm:sp3d/>
+    <dgm:txPr/>
+    <dgm:style>
+      <a:lnRef idx="2">
+        <a:scrgbClr r="0" g="0" b="0"/>
+      </a:lnRef>
+      <a:fillRef idx="1">
+        <a:scrgbClr r="0" g="0" b="0"/>
+      </a:fillRef>
+      <a:effectRef idx="0">
+        <a:scrgbClr r="0" g="0" b="0"/>
+      </a:effectRef>
+      <a:fontRef idx="minor">
+        <a:schemeClr val="lt1"/>
+      </a:fontRef>
+    </dgm:style>
+  </dgm:styleLbl>
+  <dgm:styleLbl name="parChTrans2D4">
+    <dgm:scene3d>
+      <a:camera prst="orthographicFront"/>
+      <a:lightRig rig="threePt" dir="t"/>
+    </dgm:scene3d>
+    <dgm:sp3d/>
+    <dgm:txPr/>
+    <dgm:style>
+      <a:lnRef idx="2">
+        <a:scrgbClr r="0" g="0" b="0"/>
+      </a:lnRef>
+      <a:fillRef idx="1">
+        <a:scrgbClr r="0" g="0" b="0"/>
+      </a:fillRef>
+      <a:effectRef idx="0">
+        <a:scrgbClr r="0" g="0" b="0"/>
+      </a:effectRef>
+      <a:fontRef idx="minor">
+        <a:schemeClr val="lt1"/>
+      </a:fontRef>
+    </dgm:style>
+  </dgm:styleLbl>
+  <dgm:styleLbl name="parChTrans1D1">
+    <dgm:scene3d>
+      <a:camera prst="orthographicFront"/>
+      <a:lightRig rig="threePt" dir="t"/>
+    </dgm:scene3d>
+    <dgm:sp3d/>
+    <dgm:txPr/>
+    <dgm:style>
+      <a:lnRef idx="2">
+        <a:scrgbClr r="0" g="0" b="0"/>
+      </a:lnRef>
+      <a:fillRef idx="0">
+        <a:scrgbClr r="0" g="0" b="0"/>
+      </a:fillRef>
+      <a:effectRef idx="0">
+        <a:scrgbClr r="0" g="0" b="0"/>
+      </a:effectRef>
+      <a:fontRef idx="minor"/>
+    </dgm:style>
+  </dgm:styleLbl>
+  <dgm:styleLbl name="parChTrans1D2">
+    <dgm:scene3d>
+      <a:camera prst="orthographicFront"/>
+      <a:lightRig rig="threePt" dir="t"/>
+    </dgm:scene3d>
+    <dgm:sp3d/>
+    <dgm:txPr/>
+    <dgm:style>
+      <a:lnRef idx="2">
+        <a:scrgbClr r="0" g="0" b="0"/>
+      </a:lnRef>
+      <a:fillRef idx="0">
+        <a:scrgbClr r="0" g="0" b="0"/>
+      </a:fillRef>
+      <a:effectRef idx="0">
+        <a:scrgbClr r="0" g="0" b="0"/>
+      </a:effectRef>
+      <a:fontRef idx="minor"/>
+    </dgm:style>
+  </dgm:styleLbl>
+  <dgm:styleLbl name="parChTrans1D3">
+    <dgm:scene3d>
+      <a:camera prst="orthographicFront"/>
+      <a:lightRig rig="threePt" dir="t"/>
+    </dgm:scene3d>
+    <dgm:sp3d/>
+    <dgm:txPr/>
+    <dgm:style>
+      <a:lnRef idx="2">
+        <a:scrgbClr r="0" g="0" b="0"/>
+      </a:lnRef>
+      <a:fillRef idx="0">
+        <a:scrgbClr r="0" g="0" b="0"/>
+      </a:fillRef>
+      <a:effectRef idx="0">
+        <a:scrgbClr r="0" g="0" b="0"/>
+      </a:effectRef>
+      <a:fontRef idx="minor"/>
+    </dgm:style>
+  </dgm:styleLbl>
+  <dgm:styleLbl name="parChTrans1D4">
+    <dgm:scene3d>
+      <a:camera prst="orthographicFront"/>
+      <a:lightRig rig="threePt" dir="t"/>
+    </dgm:scene3d>
+    <dgm:sp3d/>
+    <dgm:txPr/>
+    <dgm:style>
+      <a:lnRef idx="2">
+        <a:scrgbClr r="0" g="0" b="0"/>
+      </a:lnRef>
+      <a:fillRef idx="0">
+        <a:scrgbClr r="0" g="0" b="0"/>
+      </a:fillRef>
+      <a:effectRef idx="0">
+        <a:scrgbClr r="0" g="0" b="0"/>
+      </a:effectRef>
+      <a:fontRef idx="minor"/>
+    </dgm:style>
+  </dgm:styleLbl>
+  <dgm:styleLbl name="fgAcc1">
+    <dgm:scene3d>
+      <a:camera prst="orthographicFront"/>
+      <a:lightRig rig="threePt" dir="t"/>
+    </dgm:scene3d>
+    <dgm:sp3d/>
+    <dgm:txPr/>
+    <dgm:style>
+      <a:lnRef idx="2">
+        <a:scrgbClr r="0" g="0" b="0"/>
+      </a:lnRef>
+      <a:fillRef idx="1">
+        <a:scrgbClr r="0" g="0" b="0"/>
+      </a:fillRef>
+      <a:effectRef idx="0">
+        <a:scrgbClr r="0" g="0" b="0"/>
+      </a:effectRef>
+      <a:fontRef idx="minor"/>
+    </dgm:style>
+  </dgm:styleLbl>
+  <dgm:styleLbl name="conFgAcc1">
+    <dgm:scene3d>
+      <a:camera prst="orthographicFront"/>
+      <a:lightRig rig="threePt" dir="t"/>
+    </dgm:scene3d>
+    <dgm:sp3d/>
+    <dgm:txPr/>
+    <dgm:style>
+      <a:lnRef idx="2">
+        <a:scrgbClr r="0" g="0" b="0"/>
+      </a:lnRef>
+      <a:fillRef idx="1">
+        <a:scrgbClr r="0" g="0" b="0"/>
+      </a:fillRef>
+      <a:effectRef idx="0">
+        <a:scrgbClr r="0" g="0" b="0"/>
+      </a:effectRef>
+      <a:fontRef idx="minor"/>
+    </dgm:style>
+  </dgm:styleLbl>
+  <dgm:styleLbl name="alignAcc1">
+    <dgm:scene3d>
+      <a:camera prst="orthographicFront"/>
+      <a:lightRig rig="threePt" dir="t"/>
+    </dgm:scene3d>
+    <dgm:sp3d/>
+    <dgm:txPr/>
+    <dgm:style>
+      <a:lnRef idx="2">
+        <a:scrgbClr r="0" g="0" b="0"/>
+      </a:lnRef>
+      <a:fillRef idx="1">
+        <a:scrgbClr r="0" g="0" b="0"/>
+      </a:fillRef>
+      <a:effectRef idx="0">
+        <a:scrgbClr r="0" g="0" b="0"/>
+      </a:effectRef>
+      <a:fontRef idx="minor"/>
+    </dgm:style>
+  </dgm:styleLbl>
+  <dgm:styleLbl name="trAlignAcc1">
+    <dgm:scene3d>
+      <a:camera prst="orthographicFront"/>
+      <a:lightRig rig="threePt" dir="t"/>
+    </dgm:scene3d>
+    <dgm:sp3d/>
+    <dgm:txPr/>
+    <dgm:style>
+      <a:lnRef idx="1">
+        <a:scrgbClr r="0" g="0" b="0"/>
+      </a:lnRef>
+      <a:fillRef idx="1">
+        <a:scrgbClr r="0" g="0" b="0"/>
+      </a:fillRef>
+      <a:effectRef idx="0">
+        <a:scrgbClr r="0" g="0" b="0"/>
+      </a:effectRef>
+      <a:fontRef idx="minor"/>
+    </dgm:style>
+  </dgm:styleLbl>
+  <dgm:styleLbl name="bgAcc1">
+    <dgm:scene3d>
+      <a:camera prst="orthographicFront"/>
+      <a:lightRig rig="threePt" dir="t"/>
+    </dgm:scene3d>
+    <dgm:sp3d/>
+    <dgm:txPr/>
+    <dgm:style>
+      <a:lnRef idx="2">
+        <a:scrgbClr r="0" g="0" b="0"/>
+      </a:lnRef>
+      <a:fillRef idx="1">
+        <a:scrgbClr r="0" g="0" b="0"/>
+      </a:fillRef>
+      <a:effectRef idx="0">
+        <a:scrgbClr r="0" g="0" b="0"/>
+      </a:effectRef>
+      <a:fontRef idx="minor"/>
+    </dgm:style>
+  </dgm:styleLbl>
+  <dgm:styleLbl name="solidFgAcc1">
+    <dgm:scene3d>
+      <a:camera prst="orthographicFront"/>
+      <a:lightRig rig="threePt" dir="t"/>
+    </dgm:scene3d>
+    <dgm:sp3d/>
+    <dgm:txPr/>
+    <dgm:style>
+      <a:lnRef idx="2">
+        <a:scrgbClr r="0" g="0" b="0"/>
+      </a:lnRef>
+      <a:fillRef idx="1">
+        <a:scrgbClr r="0" g="0" b="0"/>
+      </a:fillRef>
+      <a:effectRef idx="0">
+        <a:scrgbClr r="0" g="0" b="0"/>
+      </a:effectRef>
+      <a:fontRef idx="minor"/>
+    </dgm:style>
+  </dgm:styleLbl>
+  <dgm:styleLbl name="solidAlignAcc1">
+    <dgm:scene3d>
+      <a:camera prst="orthographicFront"/>
+      <a:lightRig rig="threePt" dir="t"/>
+    </dgm:scene3d>
+    <dgm:sp3d/>
+    <dgm:txPr/>
+    <dgm:style>
+      <a:lnRef idx="2">
+        <a:scrgbClr r="0" g="0" b="0"/>
+      </a:lnRef>
+      <a:fillRef idx="1">
+        <a:scrgbClr r="0" g="0" b="0"/>
+      </a:fillRef>
+      <a:effectRef idx="0">
+        <a:scrgbClr r="0" g="0" b="0"/>
+      </a:effectRef>
+      <a:fontRef idx="minor"/>
+    </dgm:style>
+  </dgm:styleLbl>
+  <dgm:styleLbl name="solidBgAcc1">
+    <dgm:scene3d>
+      <a:camera prst="orthographicFront"/>
+      <a:lightRig rig="threePt" dir="t"/>
+    </dgm:scene3d>
+    <dgm:sp3d/>
+    <dgm:txPr/>
+    <dgm:style>
+      <a:lnRef idx="2">
+        <a:scrgbClr r="0" g="0" b="0"/>
+      </a:lnRef>
+      <a:fillRef idx="1">
+        <a:scrgbClr r="0" g="0" b="0"/>
+      </a:fillRef>
+      <a:effectRef idx="0">
+        <a:scrgbClr r="0" g="0" b="0"/>
+      </a:effectRef>
+      <a:fontRef idx="minor"/>
+    </dgm:style>
+  </dgm:styleLbl>
+  <dgm:styleLbl name="fgAccFollowNode1">
+    <dgm:scene3d>
+      <a:camera prst="orthographicFront"/>
+      <a:lightRig rig="threePt" dir="t"/>
+    </dgm:scene3d>
+    <dgm:sp3d/>
+    <dgm:txPr/>
+    <dgm:style>
+      <a:lnRef idx="2">
+        <a:scrgbClr r="0" g="0" b="0"/>
+      </a:lnRef>
+      <a:fillRef idx="1">
+        <a:scrgbClr r="0" g="0" b="0"/>
+      </a:fillRef>
+      <a:effectRef idx="0">
+        <a:scrgbClr r="0" g="0" b="0"/>
+      </a:effectRef>
+      <a:fontRef idx="minor"/>
+    </dgm:style>
+  </dgm:styleLbl>
+  <dgm:styleLbl name="alignAccFollowNode1">
+    <dgm:scene3d>
+      <a:camera prst="orthographicFront"/>
+      <a:lightRig rig="threePt" dir="t"/>
+    </dgm:scene3d>
+    <dgm:sp3d/>
+    <dgm:txPr/>
+    <dgm:style>
+      <a:lnRef idx="2">
+        <a:scrgbClr r="0" g="0" b="0"/>
+      </a:lnRef>
+      <a:fillRef idx="1">
+        <a:scrgbClr r="0" g="0" b="0"/>
+      </a:fillRef>
+      <a:effectRef idx="0">
+        <a:scrgbClr r="0" g="0" b="0"/>
+      </a:effectRef>
+      <a:fontRef idx="minor"/>
+    </dgm:style>
+  </dgm:styleLbl>
+  <dgm:styleLbl name="bgAccFollowNode1">
+    <dgm:scene3d>
+      <a:camera prst="orthographicFront"/>
+      <a:lightRig rig="threePt" dir="t"/>
+    </dgm:scene3d>
+    <dgm:sp3d/>
+    <dgm:txPr/>
+    <dgm:style>
+      <a:lnRef idx="2">
+        <a:scrgbClr r="0" g="0" b="0"/>
+      </a:lnRef>
+      <a:fillRef idx="1">
+        <a:scrgbClr r="0" g="0" b="0"/>
+      </a:fillRef>
+      <a:effectRef idx="0">
+        <a:scrgbClr r="0" g="0" b="0"/>
+      </a:effectRef>
+      <a:fontRef idx="minor"/>
+    </dgm:style>
+  </dgm:styleLbl>
+  <dgm:styleLbl name="fgAcc0">
+    <dgm:scene3d>
+      <a:camera prst="orthographicFront"/>
+      <a:lightRig rig="threePt" dir="t"/>
+    </dgm:scene3d>
+    <dgm:sp3d/>
+    <dgm:txPr/>
+    <dgm:style>
+      <a:lnRef idx="2">
+        <a:scrgbClr r="0" g="0" b="0"/>
+      </a:lnRef>
+      <a:fillRef idx="1">
+        <a:scrgbClr r="0" g="0" b="0"/>
+      </a:fillRef>
+      <a:effectRef idx="0">
+        <a:scrgbClr r="0" g="0" b="0"/>
+      </a:effectRef>
+      <a:fontRef idx="minor"/>
+    </dgm:style>
+  </dgm:styleLbl>
+  <dgm:styleLbl name="fgAcc2">
+    <dgm:scene3d>
+      <a:camera prst="orthographicFront"/>
+      <a:lightRig rig="threePt" dir="t"/>
+    </dgm:scene3d>
+    <dgm:sp3d/>
+    <dgm:txPr/>
+    <dgm:style>
+      <a:lnRef idx="2">
+        <a:scrgbClr r="0" g="0" b="0"/>
+      </a:lnRef>
+      <a:fillRef idx="1">
+        <a:scrgbClr r="0" g="0" b="0"/>
+      </a:fillRef>
+      <a:effectRef idx="0">
+        <a:scrgbClr r="0" g="0" b="0"/>
+      </a:effectRef>
+      <a:fontRef idx="minor"/>
+    </dgm:style>
+  </dgm:styleLbl>
+  <dgm:styleLbl name="fgAcc3">
+    <dgm:scene3d>
+      <a:camera prst="orthographicFront"/>
+      <a:lightRig rig="threePt" dir="t"/>
+    </dgm:scene3d>
+    <dgm:sp3d/>
+    <dgm:txPr/>
+    <dgm:style>
+      <a:lnRef idx="2">
+        <a:scrgbClr r="0" g="0" b="0"/>
+      </a:lnRef>
+      <a:fillRef idx="1">
+        <a:scrgbClr r="0" g="0" b="0"/>
+      </a:fillRef>
+      <a:effectRef idx="0">
+        <a:scrgbClr r="0" g="0" b="0"/>
+      </a:effectRef>
+      <a:fontRef idx="minor"/>
+    </dgm:style>
+  </dgm:styleLbl>
+  <dgm:styleLbl name="fgAcc4">
+    <dgm:scene3d>
+      <a:camera prst="orthographicFront"/>
+      <a:lightRig rig="threePt" dir="t"/>
+    </dgm:scene3d>
+    <dgm:sp3d/>
+    <dgm:txPr/>
+    <dgm:style>
+      <a:lnRef idx="2">
+        <a:scrgbClr r="0" g="0" b="0"/>
+      </a:lnRef>
+      <a:fillRef idx="1">
+        <a:scrgbClr r="0" g="0" b="0"/>
+      </a:fillRef>
+      <a:effectRef idx="0">
+        <a:scrgbClr r="0" g="0" b="0"/>
+      </a:effectRef>
+      <a:fontRef idx="minor"/>
+    </dgm:style>
+  </dgm:styleLbl>
+  <dgm:styleLbl name="bgShp">
+    <dgm:scene3d>
+      <a:camera prst="orthographicFront"/>
+      <a:lightRig rig="threePt" dir="t"/>
+    </dgm:scene3d>
+    <dgm:sp3d/>
+    <dgm:txPr/>
+    <dgm:style>
+      <a:lnRef idx="0">
+        <a:scrgbClr r="0" g="0" b="0"/>
+      </a:lnRef>
+      <a:fillRef idx="1">
+        <a:scrgbClr r="0" g="0" b="0"/>
+      </a:fillRef>
+      <a:effectRef idx="0">
+        <a:scrgbClr r="0" g="0" b="0"/>
+      </a:effectRef>
+      <a:fontRef idx="minor"/>
+    </dgm:style>
+  </dgm:styleLbl>
+  <dgm:styleLbl name="dkBgShp">
+    <dgm:scene3d>
+      <a:camera prst="orthographicFront"/>
+      <a:lightRig rig="threePt" dir="t"/>
+    </dgm:scene3d>
+    <dgm:sp3d/>
+    <dgm:txPr/>
+    <dgm:style>
+      <a:lnRef idx="0">
+        <a:scrgbClr r="0" g="0" b="0"/>
+      </a:lnRef>
+      <a:fillRef idx="1">
+        <a:scrgbClr r="0" g="0" b="0"/>
+      </a:fillRef>
+      <a:effectRef idx="0">
+        <a:scrgbClr r="0" g="0" b="0"/>
+      </a:effectRef>
+      <a:fontRef idx="minor"/>
+    </dgm:style>
+  </dgm:styleLbl>
+  <dgm:styleLbl name="trBgShp">
+    <dgm:scene3d>
+      <a:camera prst="orthographicFront"/>
+      <a:lightRig rig="threePt" dir="t"/>
+    </dgm:scene3d>
+    <dgm:sp3d/>
+    <dgm:txPr/>
+    <dgm:style>
+      <a:lnRef idx="0">
+        <a:scrgbClr r="0" g="0" b="0"/>
+      </a:lnRef>
+      <a:fillRef idx="1">
+        <a:scrgbClr r="0" g="0" b="0"/>
+      </a:fillRef>
+      <a:effectRef idx="0">
+        <a:scrgbClr r="0" g="0" b="0"/>
+      </a:effectRef>
+      <a:fontRef idx="minor"/>
+    </dgm:style>
+  </dgm:styleLbl>
+  <dgm:styleLbl name="fgShp">
+    <dgm:scene3d>
+      <a:camera prst="orthographicFront"/>
+      <a:lightRig rig="threePt" dir="t"/>
+    </dgm:scene3d>
+    <dgm:sp3d/>
+    <dgm:txPr/>
+    <dgm:style>
+      <a:lnRef idx="2">
+        <a:scrgbClr r="0" g="0" b="0"/>
+      </a:lnRef>
+      <a:fillRef idx="1">
+        <a:scrgbClr r="0" g="0" b="0"/>
+      </a:fillRef>
+      <a:effectRef idx="0">
+        <a:scrgbClr r="0" g="0" b="0"/>
+      </a:effectRef>
+      <a:fontRef idx="minor"/>
+    </dgm:style>
+  </dgm:styleLbl>
+  <dgm:styleLbl name="revTx">
+    <dgm:scene3d>
+      <a:camera prst="orthographicFront"/>
+      <a:lightRig rig="threePt" dir="t"/>
+    </dgm:scene3d>
+    <dgm:sp3d/>
+    <dgm:txPr/>
+    <dgm:style>
+      <a:lnRef idx="0">
+        <a:scrgbClr r="0" g="0" b="0"/>
+      </a:lnRef>
+      <a:fillRef idx="0">
+        <a:scrgbClr r="0" g="0" b="0"/>
+      </a:fillRef>
+      <a:effectRef idx="0">
+        <a:scrgbClr r="0" g="0" b="0"/>
+      </a:effectRef>
+      <a:fontRef idx="minor"/>
+    </dgm:style>
+  </dgm:styleLbl>
+</dgm:styleDef>
 </file>
 
 <file path=ppt/slideLayouts/slideLayout1.xml><?xml version="1.0" encoding="utf-8"?>
@@ -262,7 +2703,7 @@
           <a:p>
             <a:fld id="{C043F594-CE1D-4BA1-85B3-AE74D6C73E67}" type="datetimeFigureOut">
               <a:rPr lang="en-GB" smtClean="0"/>
-              <a:t>16/09/2022</a:t>
+              <a:t>08/11/2022</a:t>
             </a:fld>
             <a:endParaRPr lang="en-GB"/>
           </a:p>
@@ -462,7 +2903,7 @@
           <a:p>
             <a:fld id="{C043F594-CE1D-4BA1-85B3-AE74D6C73E67}" type="datetimeFigureOut">
               <a:rPr lang="en-GB" smtClean="0"/>
-              <a:t>16/09/2022</a:t>
+              <a:t>08/11/2022</a:t>
             </a:fld>
             <a:endParaRPr lang="en-GB"/>
           </a:p>
@@ -672,7 +3113,7 @@
           <a:p>
             <a:fld id="{C043F594-CE1D-4BA1-85B3-AE74D6C73E67}" type="datetimeFigureOut">
               <a:rPr lang="en-GB" smtClean="0"/>
-              <a:t>16/09/2022</a:t>
+              <a:t>08/11/2022</a:t>
             </a:fld>
             <a:endParaRPr lang="en-GB"/>
           </a:p>
@@ -872,7 +3313,7 @@
           <a:p>
             <a:fld id="{C043F594-CE1D-4BA1-85B3-AE74D6C73E67}" type="datetimeFigureOut">
               <a:rPr lang="en-GB" smtClean="0"/>
-              <a:t>16/09/2022</a:t>
+              <a:t>08/11/2022</a:t>
             </a:fld>
             <a:endParaRPr lang="en-GB"/>
           </a:p>
@@ -1148,7 +3589,7 @@
           <a:p>
             <a:fld id="{C043F594-CE1D-4BA1-85B3-AE74D6C73E67}" type="datetimeFigureOut">
               <a:rPr lang="en-GB" smtClean="0"/>
-              <a:t>16/09/2022</a:t>
+              <a:t>08/11/2022</a:t>
             </a:fld>
             <a:endParaRPr lang="en-GB"/>
           </a:p>
@@ -1416,7 +3857,7 @@
           <a:p>
             <a:fld id="{C043F594-CE1D-4BA1-85B3-AE74D6C73E67}" type="datetimeFigureOut">
               <a:rPr lang="en-GB" smtClean="0"/>
-              <a:t>16/09/2022</a:t>
+              <a:t>08/11/2022</a:t>
             </a:fld>
             <a:endParaRPr lang="en-GB"/>
           </a:p>
@@ -1831,7 +4272,7 @@
           <a:p>
             <a:fld id="{C043F594-CE1D-4BA1-85B3-AE74D6C73E67}" type="datetimeFigureOut">
               <a:rPr lang="en-GB" smtClean="0"/>
-              <a:t>16/09/2022</a:t>
+              <a:t>08/11/2022</a:t>
             </a:fld>
             <a:endParaRPr lang="en-GB"/>
           </a:p>
@@ -1973,7 +4414,7 @@
           <a:p>
             <a:fld id="{C043F594-CE1D-4BA1-85B3-AE74D6C73E67}" type="datetimeFigureOut">
               <a:rPr lang="en-GB" smtClean="0"/>
-              <a:t>16/09/2022</a:t>
+              <a:t>08/11/2022</a:t>
             </a:fld>
             <a:endParaRPr lang="en-GB"/>
           </a:p>
@@ -2086,7 +4527,7 @@
           <a:p>
             <a:fld id="{C043F594-CE1D-4BA1-85B3-AE74D6C73E67}" type="datetimeFigureOut">
               <a:rPr lang="en-GB" smtClean="0"/>
-              <a:t>16/09/2022</a:t>
+              <a:t>08/11/2022</a:t>
             </a:fld>
             <a:endParaRPr lang="en-GB"/>
           </a:p>
@@ -2399,7 +4840,7 @@
           <a:p>
             <a:fld id="{C043F594-CE1D-4BA1-85B3-AE74D6C73E67}" type="datetimeFigureOut">
               <a:rPr lang="en-GB" smtClean="0"/>
-              <a:t>16/09/2022</a:t>
+              <a:t>08/11/2022</a:t>
             </a:fld>
             <a:endParaRPr lang="en-GB"/>
           </a:p>
@@ -2688,7 +5129,7 @@
           <a:p>
             <a:fld id="{C043F594-CE1D-4BA1-85B3-AE74D6C73E67}" type="datetimeFigureOut">
               <a:rPr lang="en-GB" smtClean="0"/>
-              <a:t>16/09/2022</a:t>
+              <a:t>08/11/2022</a:t>
             </a:fld>
             <a:endParaRPr lang="en-GB"/>
           </a:p>
@@ -2931,7 +5372,7 @@
           <a:p>
             <a:fld id="{C043F594-CE1D-4BA1-85B3-AE74D6C73E67}" type="datetimeFigureOut">
               <a:rPr lang="en-GB" smtClean="0"/>
-              <a:t>16/09/2022</a:t>
+              <a:t>08/11/2022</a:t>
             </a:fld>
             <a:endParaRPr lang="en-GB"/>
           </a:p>
@@ -3334,6 +5775,349 @@
 <file path=ppt/slides/slide1.xml><?xml version="1.0" encoding="utf-8"?>
 <p:sld xmlns:a="http://schemas.openxmlformats.org/drawingml/2006/main" xmlns:r="http://schemas.openxmlformats.org/officeDocument/2006/relationships" xmlns:p="http://schemas.openxmlformats.org/presentationml/2006/main">
   <p:cSld>
+    <p:bg>
+      <p:bgPr>
+        <a:solidFill>
+          <a:schemeClr val="bg1"/>
+        </a:solidFill>
+        <a:effectLst/>
+      </p:bgPr>
+    </p:bg>
+    <p:spTree>
+      <p:nvGrpSpPr>
+        <p:cNvPr id="1" name=""/>
+        <p:cNvGrpSpPr/>
+        <p:nvPr/>
+      </p:nvGrpSpPr>
+      <p:grpSpPr>
+        <a:xfrm>
+          <a:off x="0" y="0"/>
+          <a:ext cx="0" cy="0"/>
+          <a:chOff x="0" y="0"/>
+          <a:chExt cx="0" cy="0"/>
+        </a:xfrm>
+      </p:grpSpPr>
+      <p:pic>
+        <p:nvPicPr>
+          <p:cNvPr id="3" name="Picture 3">
+            <a:extLst>
+              <a:ext uri="{FF2B5EF4-FFF2-40B4-BE49-F238E27FC236}">
+                <a16:creationId xmlns:a16="http://schemas.microsoft.com/office/drawing/2014/main" id="{34B96B50-32F6-7CEA-1A5C-D45A6CA05F7B}"/>
+              </a:ext>
+            </a:extLst>
+          </p:cNvPr>
+          <p:cNvPicPr>
+            <a:picLocks noChangeAspect="1"/>
+          </p:cNvPicPr>
+          <p:nvPr/>
+        </p:nvPicPr>
+        <p:blipFill rotWithShape="1">
+          <a:blip r:embed="rId2"/>
+          <a:srcRect t="15730"/>
+          <a:stretch/>
+        </p:blipFill>
+        <p:spPr>
+          <a:xfrm>
+            <a:off x="20" y="10"/>
+            <a:ext cx="12191980" cy="6857990"/>
+          </a:xfrm>
+          <a:prstGeom prst="rect">
+            <a:avLst/>
+          </a:prstGeom>
+        </p:spPr>
+      </p:pic>
+      <p:sp>
+        <p:nvSpPr>
+          <p:cNvPr id="14" name="Freeform 5">
+            <a:extLst>
+              <a:ext uri="{FF2B5EF4-FFF2-40B4-BE49-F238E27FC236}">
+                <a16:creationId xmlns:a16="http://schemas.microsoft.com/office/drawing/2014/main" id="{87CC2527-562A-4F69-B487-4371E5B243E7}"/>
+              </a:ext>
+              <a:ext uri="{C183D7F6-B498-43B3-948B-1728B52AA6E4}">
+                <adec:decorative xmlns:adec="http://schemas.microsoft.com/office/drawing/2017/decorative" val="1"/>
+              </a:ext>
+            </a:extLst>
+          </p:cNvPr>
+          <p:cNvSpPr>
+            <a:spLocks noGrp="1" noRot="1" noChangeAspect="1" noMove="1" noResize="1" noEditPoints="1" noAdjustHandles="1" noChangeArrowheads="1" noChangeShapeType="1" noTextEdit="1"/>
+          </p:cNvSpPr>
+          <p:nvPr>
+            <p:extLst>
+              <p:ext uri="{386F3935-93C4-4BCD-93E2-E3B085C9AB24}">
+                <p16:designElem xmlns:p16="http://schemas.microsoft.com/office/powerpoint/2015/main" val="1"/>
+              </p:ext>
+            </p:extLst>
+          </p:nvPr>
+        </p:nvSpPr>
+        <p:spPr bwMode="grayWhite">
+          <a:xfrm>
+            <a:off x="7488621" y="2277613"/>
+            <a:ext cx="4703379" cy="4580387"/>
+          </a:xfrm>
+          <a:custGeom>
+            <a:avLst/>
+            <a:gdLst>
+              <a:gd name="T0" fmla="*/ 1333 w 1333"/>
+              <a:gd name="T1" fmla="*/ 1031 h 1298"/>
+              <a:gd name="T2" fmla="*/ 1333 w 1333"/>
+              <a:gd name="T3" fmla="*/ 380 h 1298"/>
+              <a:gd name="T4" fmla="*/ 706 w 1333"/>
+              <a:gd name="T5" fmla="*/ 0 h 1298"/>
+              <a:gd name="T6" fmla="*/ 0 w 1333"/>
+              <a:gd name="T7" fmla="*/ 706 h 1298"/>
+              <a:gd name="T8" fmla="*/ 323 w 1333"/>
+              <a:gd name="T9" fmla="*/ 1298 h 1298"/>
+              <a:gd name="T10" fmla="*/ 1090 w 1333"/>
+              <a:gd name="T11" fmla="*/ 1298 h 1298"/>
+              <a:gd name="T12" fmla="*/ 1333 w 1333"/>
+              <a:gd name="T13" fmla="*/ 1031 h 1298"/>
+            </a:gdLst>
+            <a:ahLst/>
+            <a:cxnLst>
+              <a:cxn ang="0">
+                <a:pos x="T0" y="T1"/>
+              </a:cxn>
+              <a:cxn ang="0">
+                <a:pos x="T2" y="T3"/>
+              </a:cxn>
+              <a:cxn ang="0">
+                <a:pos x="T4" y="T5"/>
+              </a:cxn>
+              <a:cxn ang="0">
+                <a:pos x="T6" y="T7"/>
+              </a:cxn>
+              <a:cxn ang="0">
+                <a:pos x="T8" y="T9"/>
+              </a:cxn>
+              <a:cxn ang="0">
+                <a:pos x="T10" y="T11"/>
+              </a:cxn>
+              <a:cxn ang="0">
+                <a:pos x="T12" y="T13"/>
+              </a:cxn>
+            </a:cxnLst>
+            <a:rect l="0" t="0" r="r" b="b"/>
+            <a:pathLst>
+              <a:path w="1333" h="1298">
+                <a:moveTo>
+                  <a:pt x="1333" y="1031"/>
+                </a:moveTo>
+                <a:cubicBezTo>
+                  <a:pt x="1333" y="380"/>
+                  <a:pt x="1333" y="380"/>
+                  <a:pt x="1333" y="380"/>
+                </a:cubicBezTo>
+                <a:cubicBezTo>
+                  <a:pt x="1215" y="154"/>
+                  <a:pt x="979" y="0"/>
+                  <a:pt x="706" y="0"/>
+                </a:cubicBezTo>
+                <a:cubicBezTo>
+                  <a:pt x="317" y="0"/>
+                  <a:pt x="0" y="316"/>
+                  <a:pt x="0" y="706"/>
+                </a:cubicBezTo>
+                <a:cubicBezTo>
+                  <a:pt x="0" y="954"/>
+                  <a:pt x="129" y="1172"/>
+                  <a:pt x="323" y="1298"/>
+                </a:cubicBezTo>
+                <a:cubicBezTo>
+                  <a:pt x="1090" y="1298"/>
+                  <a:pt x="1090" y="1298"/>
+                  <a:pt x="1090" y="1298"/>
+                </a:cubicBezTo>
+                <a:cubicBezTo>
+                  <a:pt x="1193" y="1232"/>
+                  <a:pt x="1276" y="1140"/>
+                  <a:pt x="1333" y="1031"/>
+                </a:cubicBezTo>
+                <a:close/>
+              </a:path>
+            </a:pathLst>
+          </a:custGeom>
+          <a:solidFill>
+            <a:schemeClr val="bg1">
+              <a:alpha val="70000"/>
+            </a:schemeClr>
+          </a:solidFill>
+          <a:ln w="50800" cap="sq" cmpd="dbl">
+            <a:noFill/>
+            <a:miter lim="800000"/>
+          </a:ln>
+          <a:effectLst/>
+        </p:spPr>
+        <p:txBody>
+          <a:bodyPr vert="horz" lIns="91440" tIns="45720" rIns="91440" bIns="45720" rtlCol="0" anchor="t">
+            <a:normAutofit/>
+          </a:bodyPr>
+          <a:lstStyle/>
+          <a:p>
+            <a:pPr algn="ctr">
+              <a:spcAft>
+                <a:spcPts val="1000"/>
+              </a:spcAft>
+              <a:buClr>
+                <a:schemeClr val="tx1"/>
+              </a:buClr>
+              <a:buSzPct val="100000"/>
+              <a:buFont typeface="Arial"/>
+              <a:buNone/>
+            </a:pPr>
+            <a:endParaRPr lang="en-US" sz="1600" cap="all"/>
+          </a:p>
+        </p:txBody>
+      </p:sp>
+      <p:sp>
+        <p:nvSpPr>
+          <p:cNvPr id="2" name="Title 1">
+            <a:extLst>
+              <a:ext uri="{FF2B5EF4-FFF2-40B4-BE49-F238E27FC236}">
+                <a16:creationId xmlns:a16="http://schemas.microsoft.com/office/drawing/2014/main" id="{B69A6EEB-E8AC-08D8-9988-1071F2817A31}"/>
+              </a:ext>
+            </a:extLst>
+          </p:cNvPr>
+          <p:cNvSpPr>
+            <a:spLocks noGrp="1"/>
+          </p:cNvSpPr>
+          <p:nvPr>
+            <p:ph type="ctrTitle"/>
+          </p:nvPr>
+        </p:nvSpPr>
+        <p:spPr>
+          <a:xfrm>
+            <a:off x="8022021" y="3231931"/>
+            <a:ext cx="3852041" cy="1834056"/>
+          </a:xfrm>
+        </p:spPr>
+        <p:txBody>
+          <a:bodyPr>
+            <a:normAutofit/>
+          </a:bodyPr>
+          <a:lstStyle/>
+          <a:p>
+            <a:r>
+              <a:rPr lang="en-GB" sz="4000"/>
+              <a:t>Imago Onderzoek</a:t>
+            </a:r>
+          </a:p>
+        </p:txBody>
+      </p:sp>
+      <p:sp>
+        <p:nvSpPr>
+          <p:cNvPr id="5" name="Subtitle 4">
+            <a:extLst>
+              <a:ext uri="{FF2B5EF4-FFF2-40B4-BE49-F238E27FC236}">
+                <a16:creationId xmlns:a16="http://schemas.microsoft.com/office/drawing/2014/main" id="{BB5D3B35-6A03-5FBD-56DD-0BAB082DABF2}"/>
+              </a:ext>
+            </a:extLst>
+          </p:cNvPr>
+          <p:cNvSpPr>
+            <a:spLocks noGrp="1"/>
+          </p:cNvSpPr>
+          <p:nvPr>
+            <p:ph type="subTitle" idx="1"/>
+          </p:nvPr>
+        </p:nvSpPr>
+        <p:spPr>
+          <a:xfrm>
+            <a:off x="7782910" y="5242675"/>
+            <a:ext cx="4330262" cy="683284"/>
+          </a:xfrm>
+        </p:spPr>
+        <p:txBody>
+          <a:bodyPr vert="horz" lIns="91440" tIns="45720" rIns="91440" bIns="45720" rtlCol="0">
+            <a:normAutofit/>
+          </a:bodyPr>
+          <a:lstStyle/>
+          <a:p>
+            <a:r>
+              <a:rPr lang="en-GB" sz="2000"/>
+              <a:t>Tokyo</a:t>
+            </a:r>
+          </a:p>
+        </p:txBody>
+      </p:sp>
+      <p:cxnSp>
+        <p:nvCxnSpPr>
+          <p:cNvPr id="15" name="Straight Connector 11">
+            <a:extLst>
+              <a:ext uri="{FF2B5EF4-FFF2-40B4-BE49-F238E27FC236}">
+                <a16:creationId xmlns:a16="http://schemas.microsoft.com/office/drawing/2014/main" id="{BCDAEC91-5BCE-4B55-9CC0-43EF94CB734B}"/>
+              </a:ext>
+              <a:ext uri="{C183D7F6-B498-43B3-948B-1728B52AA6E4}">
+                <adec:decorative xmlns:adec="http://schemas.microsoft.com/office/drawing/2017/decorative" val="1"/>
+              </a:ext>
+            </a:extLst>
+          </p:cNvPr>
+          <p:cNvCxnSpPr>
+            <a:cxnSpLocks noGrp="1" noRot="1" noChangeAspect="1" noMove="1" noResize="1" noEditPoints="1" noAdjustHandles="1" noChangeArrowheads="1" noChangeShapeType="1"/>
+          </p:cNvCxnSpPr>
+          <p:nvPr>
+            <p:extLst>
+              <p:ext uri="{386F3935-93C4-4BCD-93E2-E3B085C9AB24}">
+                <p16:designElem xmlns:p16="http://schemas.microsoft.com/office/powerpoint/2015/main" val="1"/>
+              </p:ext>
+            </p:extLst>
+          </p:nvPr>
+        </p:nvCxnSpPr>
+        <p:spPr>
+          <a:xfrm>
+            <a:off x="9480331" y="5123793"/>
+            <a:ext cx="935420" cy="0"/>
+          </a:xfrm>
+          <a:prstGeom prst="line">
+            <a:avLst/>
+          </a:prstGeom>
+          <a:ln w="25400" cap="sq">
+            <a:solidFill>
+              <a:schemeClr val="tx1">
+                <a:lumMod val="85000"/>
+                <a:lumOff val="15000"/>
+              </a:schemeClr>
+            </a:solidFill>
+            <a:bevel/>
+          </a:ln>
+        </p:spPr>
+        <p:style>
+          <a:lnRef idx="1">
+            <a:schemeClr val="accent1"/>
+          </a:lnRef>
+          <a:fillRef idx="0">
+            <a:schemeClr val="accent1"/>
+          </a:fillRef>
+          <a:effectRef idx="0">
+            <a:schemeClr val="accent1"/>
+          </a:effectRef>
+          <a:fontRef idx="minor">
+            <a:schemeClr val="tx1"/>
+          </a:fontRef>
+        </p:style>
+      </p:cxnSp>
+    </p:spTree>
+    <p:extLst>
+      <p:ext uri="{BB962C8B-B14F-4D97-AF65-F5344CB8AC3E}">
+        <p14:creationId xmlns:p14="http://schemas.microsoft.com/office/powerpoint/2010/main" val="1066599072"/>
+      </p:ext>
+    </p:extLst>
+  </p:cSld>
+  <p:clrMapOvr>
+    <a:masterClrMapping/>
+  </p:clrMapOvr>
+</p:sld>
+</file>
+
+<file path=ppt/slides/slide2.xml><?xml version="1.0" encoding="utf-8"?>
+<p:sld xmlns:a="http://schemas.openxmlformats.org/drawingml/2006/main" xmlns:r="http://schemas.openxmlformats.org/officeDocument/2006/relationships" xmlns:p="http://schemas.openxmlformats.org/presentationml/2006/main">
+  <p:cSld>
+    <p:bg>
+      <p:bgPr>
+        <a:solidFill>
+          <a:schemeClr val="bg1"/>
+        </a:solidFill>
+        <a:effectLst/>
+      </p:bgPr>
+    </p:bg>
     <p:spTree>
       <p:nvGrpSpPr>
         <p:cNvPr id="1" name=""/>
@@ -3350,43 +6134,73 @@
       </p:grpSpPr>
       <p:sp>
         <p:nvSpPr>
-          <p:cNvPr id="2" name="Title 1">
-            <a:extLst>
-              <a:ext uri="{FF2B5EF4-FFF2-40B4-BE49-F238E27FC236}">
-                <a16:creationId xmlns:a16="http://schemas.microsoft.com/office/drawing/2014/main" id="{B69A6EEB-E8AC-08D8-9988-1071F2817A31}"/>
+          <p:cNvPr id="9" name="Rectangle 8">
+            <a:extLst>
+              <a:ext uri="{FF2B5EF4-FFF2-40B4-BE49-F238E27FC236}">
+                <a16:creationId xmlns:a16="http://schemas.microsoft.com/office/drawing/2014/main" id="{B819A166-7571-4003-A6B8-B62034C3ED30}"/>
+              </a:ext>
+              <a:ext uri="{C183D7F6-B498-43B3-948B-1728B52AA6E4}">
+                <adec:decorative xmlns:adec="http://schemas.microsoft.com/office/drawing/2017/decorative" val="1"/>
               </a:ext>
             </a:extLst>
           </p:cNvPr>
           <p:cNvSpPr>
-            <a:spLocks noGrp="1"/>
+            <a:spLocks noGrp="1" noRot="1" noChangeAspect="1" noMove="1" noResize="1" noEditPoints="1" noAdjustHandles="1" noChangeArrowheads="1" noChangeShapeType="1" noTextEdit="1"/>
           </p:cNvSpPr>
           <p:nvPr>
-            <p:ph type="ctrTitle"/>
+            <p:extLst>
+              <p:ext uri="{386F3935-93C4-4BCD-93E2-E3B085C9AB24}">
+                <p16:designElem xmlns:p16="http://schemas.microsoft.com/office/powerpoint/2015/main" val="1"/>
+              </p:ext>
+            </p:extLst>
           </p:nvPr>
         </p:nvSpPr>
-        <p:spPr/>
+        <p:spPr>
+          <a:xfrm>
+            <a:off x="-1" y="0"/>
+            <a:ext cx="5093209" cy="6858000"/>
+          </a:xfrm>
+          <a:prstGeom prst="rect">
+            <a:avLst/>
+          </a:prstGeom>
+          <a:solidFill>
+            <a:schemeClr val="accent1"/>
+          </a:solidFill>
+          <a:ln>
+            <a:noFill/>
+          </a:ln>
+        </p:spPr>
+        <p:style>
+          <a:lnRef idx="2">
+            <a:schemeClr val="accent1">
+              <a:shade val="50000"/>
+            </a:schemeClr>
+          </a:lnRef>
+          <a:fillRef idx="1">
+            <a:schemeClr val="accent1"/>
+          </a:fillRef>
+          <a:effectRef idx="0">
+            <a:schemeClr val="accent1"/>
+          </a:effectRef>
+          <a:fontRef idx="minor">
+            <a:schemeClr val="lt1"/>
+          </a:fontRef>
+        </p:style>
         <p:txBody>
-          <a:bodyPr/>
+          <a:bodyPr rtlCol="0" anchor="ctr"/>
           <a:lstStyle/>
           <a:p>
-            <a:r>
-              <a:rPr lang="en-GB" dirty="0"/>
-              <a:t>Imago </a:t>
-            </a:r>
-            <a:r>
-              <a:rPr lang="en-GB" dirty="0" err="1"/>
-              <a:t>Onderzoek</a:t>
-            </a:r>
-            <a:endParaRPr lang="en-GB" dirty="0"/>
+            <a:pPr algn="ctr"/>
+            <a:endParaRPr lang="en-US"/>
           </a:p>
         </p:txBody>
       </p:sp>
       <p:sp>
         <p:nvSpPr>
-          <p:cNvPr id="5" name="Subtitle 4">
-            <a:extLst>
-              <a:ext uri="{FF2B5EF4-FFF2-40B4-BE49-F238E27FC236}">
-                <a16:creationId xmlns:a16="http://schemas.microsoft.com/office/drawing/2014/main" id="{BB5D3B35-6A03-5FBD-56DD-0BAB082DABF2}"/>
+          <p:cNvPr id="2" name="Title 1">
+            <a:extLst>
+              <a:ext uri="{FF2B5EF4-FFF2-40B4-BE49-F238E27FC236}">
+                <a16:creationId xmlns:a16="http://schemas.microsoft.com/office/drawing/2014/main" id="{C61E00D3-3CA4-3434-7DB0-0811E009B00A}"/>
               </a:ext>
             </a:extLst>
           </p:cNvPr>
@@ -3394,26 +6208,67 @@
             <a:spLocks noGrp="1"/>
           </p:cNvSpPr>
           <p:nvPr>
-            <p:ph type="subTitle" idx="1"/>
+            <p:ph type="title"/>
           </p:nvPr>
         </p:nvSpPr>
-        <p:spPr/>
+        <p:spPr>
+          <a:xfrm>
+            <a:off x="524741" y="620392"/>
+            <a:ext cx="3808268" cy="5504688"/>
+          </a:xfrm>
+        </p:spPr>
         <p:txBody>
-          <a:bodyPr/>
+          <a:bodyPr>
+            <a:normAutofit/>
+          </a:bodyPr>
           <a:lstStyle/>
           <a:p>
             <a:r>
-              <a:rPr lang="en-GB" dirty="0" err="1"/>
-              <a:t>Tokio</a:t>
-            </a:r>
-            <a:endParaRPr lang="en-GB" dirty="0"/>
+              <a:rPr lang="en-GB" sz="6000">
+                <a:solidFill>
+                  <a:schemeClr val="bg1"/>
+                </a:solidFill>
+              </a:rPr>
+              <a:t>Imago Onderzoek</a:t>
+            </a:r>
           </a:p>
         </p:txBody>
       </p:sp>
+      <p:graphicFrame>
+        <p:nvGraphicFramePr>
+          <p:cNvPr id="5" name="Content Placeholder 2">
+            <a:extLst>
+              <a:ext uri="{FF2B5EF4-FFF2-40B4-BE49-F238E27FC236}">
+                <a16:creationId xmlns:a16="http://schemas.microsoft.com/office/drawing/2014/main" id="{59D676A9-73B3-2E1E-A6E8-CD795DE65B1A}"/>
+              </a:ext>
+            </a:extLst>
+          </p:cNvPr>
+          <p:cNvGraphicFramePr>
+            <a:graphicFrameLocks noGrp="1"/>
+          </p:cNvGraphicFramePr>
+          <p:nvPr>
+            <p:ph idx="1"/>
+            <p:extLst>
+              <p:ext uri="{D42A27DB-BD31-4B8C-83A1-F6EECF244321}">
+                <p14:modId xmlns:p14="http://schemas.microsoft.com/office/powerpoint/2010/main" val="3838229031"/>
+              </p:ext>
+            </p:extLst>
+          </p:nvPr>
+        </p:nvGraphicFramePr>
+        <p:xfrm>
+          <a:off x="5468389" y="620392"/>
+          <a:ext cx="6263640" cy="5504688"/>
+        </p:xfrm>
+        <a:graphic>
+          <a:graphicData uri="http://schemas.openxmlformats.org/drawingml/2006/diagram">
+            <dgm:relIds xmlns:dgm="http://schemas.openxmlformats.org/drawingml/2006/diagram" xmlns:r="http://schemas.openxmlformats.org/officeDocument/2006/relationships" r:dm="rId2" r:lo="rId3" r:qs="rId4" r:cs="rId5"/>
+          </a:graphicData>
+        </a:graphic>
+      </p:graphicFrame>
     </p:spTree>
     <p:extLst>
       <p:ext uri="{BB962C8B-B14F-4D97-AF65-F5344CB8AC3E}">
-        <p14:creationId xmlns:p14="http://schemas.microsoft.com/office/powerpoint/2010/main" val="1066599072"/>
+        <p14:creationId xmlns:p14="http://schemas.microsoft.com/office/powerpoint/2010/main" val="433251689"/>
       </p:ext>
     </p:extLst>
   </p:cSld>
@@ -3423,9 +6278,17 @@
 </p:sld>
 </file>
 
-<file path=ppt/slides/slide2.xml><?xml version="1.0" encoding="utf-8"?>
+<file path=ppt/slides/slide3.xml><?xml version="1.0" encoding="utf-8"?>
 <p:sld xmlns:a="http://schemas.openxmlformats.org/drawingml/2006/main" xmlns:r="http://schemas.openxmlformats.org/officeDocument/2006/relationships" xmlns:p="http://schemas.openxmlformats.org/presentationml/2006/main">
   <p:cSld>
+    <p:bg>
+      <p:bgPr>
+        <a:solidFill>
+          <a:schemeClr val="bg1"/>
+        </a:solidFill>
+        <a:effectLst/>
+      </p:bgPr>
+    </p:bg>
     <p:spTree>
       <p:nvGrpSpPr>
         <p:cNvPr id="1" name=""/>
@@ -3440,40 +6303,183 @@
           <a:chExt cx="0" cy="0"/>
         </a:xfrm>
       </p:grpSpPr>
+      <p:pic>
+        <p:nvPicPr>
+          <p:cNvPr id="4" name="Picture 4" descr="Icon&#10;&#10;Description automatically generated">
+            <a:extLst>
+              <a:ext uri="{FF2B5EF4-FFF2-40B4-BE49-F238E27FC236}">
+                <a16:creationId xmlns:a16="http://schemas.microsoft.com/office/drawing/2014/main" id="{7553ADFA-4735-BD0F-E619-40B626BF0006}"/>
+              </a:ext>
+            </a:extLst>
+          </p:cNvPr>
+          <p:cNvPicPr>
+            <a:picLocks noChangeAspect="1"/>
+          </p:cNvPicPr>
+          <p:nvPr/>
+        </p:nvPicPr>
+        <p:blipFill rotWithShape="1">
+          <a:blip r:embed="rId2"/>
+          <a:srcRect l="18475" r="20267"/>
+          <a:stretch/>
+        </p:blipFill>
+        <p:spPr>
+          <a:xfrm>
+            <a:off x="-1" y="10"/>
+            <a:ext cx="12192000" cy="6857990"/>
+          </a:xfrm>
+          <a:prstGeom prst="rect">
+            <a:avLst/>
+          </a:prstGeom>
+        </p:spPr>
+      </p:pic>
       <p:sp>
         <p:nvSpPr>
-          <p:cNvPr id="2" name="Title 1">
-            <a:extLst>
-              <a:ext uri="{FF2B5EF4-FFF2-40B4-BE49-F238E27FC236}">
-                <a16:creationId xmlns:a16="http://schemas.microsoft.com/office/drawing/2014/main" id="{AB078583-12CC-3854-D665-B9741DCCA2AB}"/>
+          <p:cNvPr id="9" name="Freeform 5">
+            <a:extLst>
+              <a:ext uri="{FF2B5EF4-FFF2-40B4-BE49-F238E27FC236}">
+                <a16:creationId xmlns:a16="http://schemas.microsoft.com/office/drawing/2014/main" id="{3CD9DF72-87A3-404E-A828-84CBF11A8303}"/>
+              </a:ext>
+              <a:ext uri="{C183D7F6-B498-43B3-948B-1728B52AA6E4}">
+                <adec:decorative xmlns:adec="http://schemas.microsoft.com/office/drawing/2017/decorative" val="1"/>
               </a:ext>
             </a:extLst>
           </p:cNvPr>
           <p:cNvSpPr>
-            <a:spLocks noGrp="1"/>
+            <a:spLocks noGrp="1" noRot="1" noChangeAspect="1" noMove="1" noResize="1" noEditPoints="1" noAdjustHandles="1" noChangeArrowheads="1" noChangeShapeType="1" noTextEdit="1"/>
           </p:cNvSpPr>
           <p:nvPr>
-            <p:ph type="title"/>
+            <p:extLst>
+              <p:ext uri="{386F3935-93C4-4BCD-93E2-E3B085C9AB24}">
+                <p16:designElem xmlns:p16="http://schemas.microsoft.com/office/powerpoint/2015/main" val="1"/>
+              </p:ext>
+            </p:extLst>
           </p:nvPr>
         </p:nvSpPr>
-        <p:spPr/>
+        <p:spPr bwMode="grayWhite">
+          <a:xfrm flipH="1">
+            <a:off x="0" y="998175"/>
+            <a:ext cx="6017172" cy="5859825"/>
+          </a:xfrm>
+          <a:custGeom>
+            <a:avLst/>
+            <a:gdLst>
+              <a:gd name="T0" fmla="*/ 1333 w 1333"/>
+              <a:gd name="T1" fmla="*/ 1031 h 1298"/>
+              <a:gd name="T2" fmla="*/ 1333 w 1333"/>
+              <a:gd name="T3" fmla="*/ 380 h 1298"/>
+              <a:gd name="T4" fmla="*/ 706 w 1333"/>
+              <a:gd name="T5" fmla="*/ 0 h 1298"/>
+              <a:gd name="T6" fmla="*/ 0 w 1333"/>
+              <a:gd name="T7" fmla="*/ 706 h 1298"/>
+              <a:gd name="T8" fmla="*/ 323 w 1333"/>
+              <a:gd name="T9" fmla="*/ 1298 h 1298"/>
+              <a:gd name="T10" fmla="*/ 1090 w 1333"/>
+              <a:gd name="T11" fmla="*/ 1298 h 1298"/>
+              <a:gd name="T12" fmla="*/ 1333 w 1333"/>
+              <a:gd name="T13" fmla="*/ 1031 h 1298"/>
+            </a:gdLst>
+            <a:ahLst/>
+            <a:cxnLst>
+              <a:cxn ang="0">
+                <a:pos x="T0" y="T1"/>
+              </a:cxn>
+              <a:cxn ang="0">
+                <a:pos x="T2" y="T3"/>
+              </a:cxn>
+              <a:cxn ang="0">
+                <a:pos x="T4" y="T5"/>
+              </a:cxn>
+              <a:cxn ang="0">
+                <a:pos x="T6" y="T7"/>
+              </a:cxn>
+              <a:cxn ang="0">
+                <a:pos x="T8" y="T9"/>
+              </a:cxn>
+              <a:cxn ang="0">
+                <a:pos x="T10" y="T11"/>
+              </a:cxn>
+              <a:cxn ang="0">
+                <a:pos x="T12" y="T13"/>
+              </a:cxn>
+            </a:cxnLst>
+            <a:rect l="0" t="0" r="r" b="b"/>
+            <a:pathLst>
+              <a:path w="1333" h="1298">
+                <a:moveTo>
+                  <a:pt x="1333" y="1031"/>
+                </a:moveTo>
+                <a:cubicBezTo>
+                  <a:pt x="1333" y="380"/>
+                  <a:pt x="1333" y="380"/>
+                  <a:pt x="1333" y="380"/>
+                </a:cubicBezTo>
+                <a:cubicBezTo>
+                  <a:pt x="1215" y="154"/>
+                  <a:pt x="979" y="0"/>
+                  <a:pt x="706" y="0"/>
+                </a:cubicBezTo>
+                <a:cubicBezTo>
+                  <a:pt x="317" y="0"/>
+                  <a:pt x="0" y="316"/>
+                  <a:pt x="0" y="706"/>
+                </a:cubicBezTo>
+                <a:cubicBezTo>
+                  <a:pt x="0" y="954"/>
+                  <a:pt x="129" y="1172"/>
+                  <a:pt x="323" y="1298"/>
+                </a:cubicBezTo>
+                <a:cubicBezTo>
+                  <a:pt x="1090" y="1298"/>
+                  <a:pt x="1090" y="1298"/>
+                  <a:pt x="1090" y="1298"/>
+                </a:cubicBezTo>
+                <a:cubicBezTo>
+                  <a:pt x="1193" y="1232"/>
+                  <a:pt x="1276" y="1140"/>
+                  <a:pt x="1333" y="1031"/>
+                </a:cubicBezTo>
+                <a:close/>
+              </a:path>
+            </a:pathLst>
+          </a:custGeom>
+          <a:solidFill>
+            <a:schemeClr val="bg1">
+              <a:alpha val="75000"/>
+            </a:schemeClr>
+          </a:solidFill>
+          <a:ln w="50800" cap="sq" cmpd="dbl">
+            <a:noFill/>
+            <a:miter lim="800000"/>
+          </a:ln>
+          <a:effectLst/>
+        </p:spPr>
         <p:txBody>
-          <a:bodyPr/>
+          <a:bodyPr vert="horz" lIns="91440" tIns="45720" rIns="91440" bIns="45720" rtlCol="0" anchor="t">
+            <a:normAutofit/>
+          </a:bodyPr>
           <a:lstStyle/>
           <a:p>
-            <a:r>
-              <a:rPr lang="en-GB" dirty="0"/>
-              <a:t>Imago</a:t>
-            </a:r>
+            <a:pPr algn="ctr">
+              <a:spcAft>
+                <a:spcPts val="1000"/>
+              </a:spcAft>
+              <a:buClr>
+                <a:schemeClr val="tx1"/>
+              </a:buClr>
+              <a:buSzPct val="100000"/>
+              <a:buFont typeface="Arial"/>
+              <a:buNone/>
+            </a:pPr>
+            <a:endParaRPr lang="en-US" sz="1600" cap="all"/>
           </a:p>
         </p:txBody>
       </p:sp>
       <p:sp>
         <p:nvSpPr>
-          <p:cNvPr id="3" name="Content Placeholder 2">
-            <a:extLst>
-              <a:ext uri="{FF2B5EF4-FFF2-40B4-BE49-F238E27FC236}">
-                <a16:creationId xmlns:a16="http://schemas.microsoft.com/office/drawing/2014/main" id="{D3267831-FFA9-147E-4D00-9C07ABA8FD70}"/>
+          <p:cNvPr id="2" name="Title 1">
+            <a:extLst>
+              <a:ext uri="{FF2B5EF4-FFF2-40B4-BE49-F238E27FC236}">
+                <a16:creationId xmlns:a16="http://schemas.microsoft.com/office/drawing/2014/main" id="{5D50E1A9-86EF-D8B4-1576-A1E7C079E112}"/>
               </a:ext>
             </a:extLst>
           </p:cNvPr>
@@ -3481,54 +6487,91 @@
             <a:spLocks noGrp="1"/>
           </p:cNvSpPr>
           <p:nvPr>
-            <p:ph idx="1"/>
+            <p:ph type="title"/>
           </p:nvPr>
         </p:nvSpPr>
-        <p:spPr/>
+        <p:spPr>
+          <a:xfrm>
+            <a:off x="709448" y="1913950"/>
+            <a:ext cx="4204137" cy="1342754"/>
+          </a:xfrm>
+        </p:spPr>
         <p:txBody>
-          <a:bodyPr/>
+          <a:bodyPr>
+            <a:normAutofit/>
+          </a:bodyPr>
           <a:lstStyle/>
           <a:p>
-            <a:endParaRPr lang="en-GB"/>
+            <a:pPr algn="ctr"/>
+            <a:r>
+              <a:rPr lang="en-GB" sz="3600"/>
+              <a:t>Imago Tokyo</a:t>
+            </a:r>
           </a:p>
         </p:txBody>
       </p:sp>
-    </p:spTree>
-    <p:extLst>
-      <p:ext uri="{BB962C8B-B14F-4D97-AF65-F5344CB8AC3E}">
-        <p14:creationId xmlns:p14="http://schemas.microsoft.com/office/powerpoint/2010/main" val="4041392485"/>
-      </p:ext>
-    </p:extLst>
-  </p:cSld>
-  <p:clrMapOvr>
-    <a:masterClrMapping/>
-  </p:clrMapOvr>
-</p:sld>
-</file>
-
-<file path=ppt/slides/slide3.xml><?xml version="1.0" encoding="utf-8"?>
-<p:sld xmlns:a="http://schemas.openxmlformats.org/drawingml/2006/main" xmlns:r="http://schemas.openxmlformats.org/officeDocument/2006/relationships" xmlns:p="http://schemas.openxmlformats.org/presentationml/2006/main">
-  <p:cSld>
-    <p:spTree>
-      <p:nvGrpSpPr>
-        <p:cNvPr id="1" name=""/>
-        <p:cNvGrpSpPr/>
-        <p:nvPr/>
-      </p:nvGrpSpPr>
-      <p:grpSpPr>
-        <a:xfrm>
-          <a:off x="0" y="0"/>
-          <a:ext cx="0" cy="0"/>
-          <a:chOff x="0" y="0"/>
-          <a:chExt cx="0" cy="0"/>
-        </a:xfrm>
-      </p:grpSpPr>
+      <p:cxnSp>
+        <p:nvCxnSpPr>
+          <p:cNvPr id="11" name="Straight Connector 10">
+            <a:extLst>
+              <a:ext uri="{FF2B5EF4-FFF2-40B4-BE49-F238E27FC236}">
+                <a16:creationId xmlns:a16="http://schemas.microsoft.com/office/drawing/2014/main" id="{20E3A342-4D61-4E3F-AF90-1AB42AEB96CC}"/>
+              </a:ext>
+              <a:ext uri="{C183D7F6-B498-43B3-948B-1728B52AA6E4}">
+                <adec:decorative xmlns:adec="http://schemas.microsoft.com/office/drawing/2017/decorative" val="1"/>
+              </a:ext>
+            </a:extLst>
+          </p:cNvPr>
+          <p:cNvCxnSpPr>
+            <a:cxnSpLocks noGrp="1" noRot="1" noChangeAspect="1" noMove="1" noResize="1" noEditPoints="1" noAdjustHandles="1" noChangeArrowheads="1" noChangeShapeType="1"/>
+          </p:cNvCxnSpPr>
+          <p:nvPr>
+            <p:extLst>
+              <p:ext uri="{386F3935-93C4-4BCD-93E2-E3B085C9AB24}">
+                <p16:designElem xmlns:p16="http://schemas.microsoft.com/office/powerpoint/2015/main" val="1"/>
+              </p:ext>
+            </p:extLst>
+          </p:nvPr>
+        </p:nvCxnSpPr>
+        <p:spPr>
+          <a:xfrm>
+            <a:off x="2287051" y="3337139"/>
+            <a:ext cx="935420" cy="0"/>
+          </a:xfrm>
+          <a:prstGeom prst="line">
+            <a:avLst/>
+          </a:prstGeom>
+          <a:ln w="25400" cap="sq">
+            <a:solidFill>
+              <a:schemeClr val="tx1">
+                <a:lumMod val="85000"/>
+                <a:lumOff val="15000"/>
+              </a:schemeClr>
+            </a:solidFill>
+            <a:bevel/>
+          </a:ln>
+        </p:spPr>
+        <p:style>
+          <a:lnRef idx="1">
+            <a:schemeClr val="accent1"/>
+          </a:lnRef>
+          <a:fillRef idx="0">
+            <a:schemeClr val="accent1"/>
+          </a:fillRef>
+          <a:effectRef idx="0">
+            <a:schemeClr val="accent1"/>
+          </a:effectRef>
+          <a:fontRef idx="minor">
+            <a:schemeClr val="tx1"/>
+          </a:fontRef>
+        </p:style>
+      </p:cxnSp>
       <p:sp>
         <p:nvSpPr>
-          <p:cNvPr id="2" name="Title 1">
-            <a:extLst>
-              <a:ext uri="{FF2B5EF4-FFF2-40B4-BE49-F238E27FC236}">
-                <a16:creationId xmlns:a16="http://schemas.microsoft.com/office/drawing/2014/main" id="{C61E00D3-3CA4-3434-7DB0-0811E009B00A}"/>
+          <p:cNvPr id="3" name="Content Placeholder 2">
+            <a:extLst>
+              <a:ext uri="{FF2B5EF4-FFF2-40B4-BE49-F238E27FC236}">
+                <a16:creationId xmlns:a16="http://schemas.microsoft.com/office/drawing/2014/main" id="{B96C3C72-22A5-5DDD-7136-2959CA82F998}"/>
               </a:ext>
             </a:extLst>
           </p:cNvPr>
@@ -3536,164 +6579,46 @@
             <a:spLocks noGrp="1"/>
           </p:cNvSpPr>
           <p:nvPr>
-            <p:ph type="title"/>
+            <p:ph idx="1"/>
           </p:nvPr>
         </p:nvSpPr>
-        <p:spPr/>
+        <p:spPr>
+          <a:xfrm>
+            <a:off x="525516" y="3417573"/>
+            <a:ext cx="4593021" cy="2619839"/>
+          </a:xfrm>
+        </p:spPr>
         <p:txBody>
-          <a:bodyPr/>
+          <a:bodyPr anchor="ctr">
+            <a:normAutofit/>
+          </a:bodyPr>
           <a:lstStyle/>
           <a:p>
             <a:r>
-              <a:rPr lang="en-GB" dirty="0"/>
-              <a:t>Imago </a:t>
-            </a:r>
-            <a:r>
-              <a:rPr lang="en-GB" dirty="0" err="1"/>
-              <a:t>Onderzoek</a:t>
-            </a:r>
-            <a:endParaRPr lang="en-GB" dirty="0"/>
-          </a:p>
-        </p:txBody>
-      </p:sp>
-      <p:sp>
-        <p:nvSpPr>
-          <p:cNvPr id="3" name="Content Placeholder 2">
-            <a:extLst>
-              <a:ext uri="{FF2B5EF4-FFF2-40B4-BE49-F238E27FC236}">
-                <a16:creationId xmlns:a16="http://schemas.microsoft.com/office/drawing/2014/main" id="{727BC788-5914-FE2F-C655-C2F244A1C26A}"/>
-              </a:ext>
-            </a:extLst>
-          </p:cNvPr>
-          <p:cNvSpPr>
-            <a:spLocks noGrp="1"/>
-          </p:cNvSpPr>
-          <p:nvPr>
-            <p:ph idx="1"/>
-          </p:nvPr>
-        </p:nvSpPr>
-        <p:spPr/>
-        <p:txBody>
-          <a:bodyPr/>
-          <a:lstStyle/>
-          <a:p>
-            <a:endParaRPr lang="en-GB"/>
-          </a:p>
-        </p:txBody>
-      </p:sp>
-    </p:spTree>
-    <p:extLst>
-      <p:ext uri="{BB962C8B-B14F-4D97-AF65-F5344CB8AC3E}">
-        <p14:creationId xmlns:p14="http://schemas.microsoft.com/office/powerpoint/2010/main" val="433251689"/>
-      </p:ext>
-    </p:extLst>
-  </p:cSld>
-  <p:clrMapOvr>
-    <a:masterClrMapping/>
-  </p:clrMapOvr>
-</p:sld>
-</file>
-
-<file path=ppt/slides/slide4.xml><?xml version="1.0" encoding="utf-8"?>
-<p:sld xmlns:a="http://schemas.openxmlformats.org/drawingml/2006/main" xmlns:r="http://schemas.openxmlformats.org/officeDocument/2006/relationships" xmlns:p="http://schemas.openxmlformats.org/presentationml/2006/main">
-  <p:cSld>
-    <p:spTree>
-      <p:nvGrpSpPr>
-        <p:cNvPr id="1" name=""/>
-        <p:cNvGrpSpPr/>
-        <p:nvPr/>
-      </p:nvGrpSpPr>
-      <p:grpSpPr>
-        <a:xfrm>
-          <a:off x="0" y="0"/>
-          <a:ext cx="0" cy="0"/>
-          <a:chOff x="0" y="0"/>
-          <a:chExt cx="0" cy="0"/>
-        </a:xfrm>
-      </p:grpSpPr>
-      <p:sp>
-        <p:nvSpPr>
-          <p:cNvPr id="2" name="Title 1">
-            <a:extLst>
-              <a:ext uri="{FF2B5EF4-FFF2-40B4-BE49-F238E27FC236}">
-                <a16:creationId xmlns:a16="http://schemas.microsoft.com/office/drawing/2014/main" id="{5D50E1A9-86EF-D8B4-1576-A1E7C079E112}"/>
-              </a:ext>
-            </a:extLst>
-          </p:cNvPr>
-          <p:cNvSpPr>
-            <a:spLocks noGrp="1"/>
-          </p:cNvSpPr>
-          <p:nvPr>
-            <p:ph type="title"/>
-          </p:nvPr>
-        </p:nvSpPr>
-        <p:spPr/>
-        <p:txBody>
-          <a:bodyPr/>
-          <a:lstStyle/>
-          <a:p>
-            <a:r>
-              <a:rPr lang="en-GB" dirty="0"/>
-              <a:t>Imago </a:t>
-            </a:r>
-            <a:r>
-              <a:rPr lang="en-GB" dirty="0" err="1"/>
-              <a:t>Tokio</a:t>
-            </a:r>
-            <a:endParaRPr lang="en-GB" dirty="0"/>
-          </a:p>
-        </p:txBody>
-      </p:sp>
-      <p:sp>
-        <p:nvSpPr>
-          <p:cNvPr id="3" name="Content Placeholder 2">
-            <a:extLst>
-              <a:ext uri="{FF2B5EF4-FFF2-40B4-BE49-F238E27FC236}">
-                <a16:creationId xmlns:a16="http://schemas.microsoft.com/office/drawing/2014/main" id="{B96C3C72-22A5-5DDD-7136-2959CA82F998}"/>
-              </a:ext>
-            </a:extLst>
-          </p:cNvPr>
-          <p:cNvSpPr>
-            <a:spLocks noGrp="1"/>
-          </p:cNvSpPr>
-          <p:nvPr>
-            <p:ph idx="1"/>
-          </p:nvPr>
-        </p:nvSpPr>
-        <p:spPr/>
-        <p:txBody>
-          <a:bodyPr/>
-          <a:lstStyle/>
-          <a:p>
-            <a:r>
-              <a:rPr lang="en-GB" dirty="0" err="1"/>
+              <a:rPr lang="en-GB" sz="1800"/>
               <a:t>Doelgroepen</a:t>
             </a:r>
-            <a:endParaRPr lang="en-GB" dirty="0"/>
           </a:p>
           <a:p>
             <a:pPr lvl="1"/>
             <a:r>
-              <a:rPr lang="en-GB" dirty="0" err="1"/>
+              <a:rPr lang="en-GB" sz="1800"/>
               <a:t>Bedrijven</a:t>
             </a:r>
-            <a:endParaRPr lang="en-GB" dirty="0"/>
           </a:p>
           <a:p>
             <a:pPr lvl="1"/>
             <a:r>
-              <a:rPr lang="en-GB" dirty="0" err="1"/>
+              <a:rPr lang="en-GB" sz="1800"/>
               <a:t>Toeristen</a:t>
             </a:r>
-            <a:endParaRPr lang="en-GB" dirty="0"/>
           </a:p>
           <a:p>
             <a:pPr lvl="1"/>
             <a:r>
-              <a:rPr lang="en-GB" dirty="0" err="1"/>
+              <a:rPr lang="en-GB" sz="1800"/>
               <a:t>Inwoners</a:t>
             </a:r>
-            <a:endParaRPr lang="en-GB" dirty="0"/>
           </a:p>
         </p:txBody>
       </p:sp>
@@ -3710,9 +6635,17 @@
 </p:sld>
 </file>
 
-<file path=ppt/slides/slide5.xml><?xml version="1.0" encoding="utf-8"?>
+<file path=ppt/slides/slide4.xml><?xml version="1.0" encoding="utf-8"?>
 <p:sld xmlns:a="http://schemas.openxmlformats.org/drawingml/2006/main" xmlns:r="http://schemas.openxmlformats.org/officeDocument/2006/relationships" xmlns:p="http://schemas.openxmlformats.org/presentationml/2006/main">
   <p:cSld>
+    <p:bg>
+      <p:bgPr>
+        <a:solidFill>
+          <a:schemeClr val="bg1"/>
+        </a:solidFill>
+        <a:effectLst/>
+      </p:bgPr>
+    </p:bg>
     <p:spTree>
       <p:nvGrpSpPr>
         <p:cNvPr id="1" name=""/>
@@ -3727,49 +6660,183 @@
           <a:chExt cx="0" cy="0"/>
         </a:xfrm>
       </p:grpSpPr>
+      <p:pic>
+        <p:nvPicPr>
+          <p:cNvPr id="4" name="Picture 4">
+            <a:extLst>
+              <a:ext uri="{FF2B5EF4-FFF2-40B4-BE49-F238E27FC236}">
+                <a16:creationId xmlns:a16="http://schemas.microsoft.com/office/drawing/2014/main" id="{984ACC6D-86DA-EF00-D6F1-9E449660F1B5}"/>
+              </a:ext>
+            </a:extLst>
+          </p:cNvPr>
+          <p:cNvPicPr>
+            <a:picLocks noChangeAspect="1"/>
+          </p:cNvPicPr>
+          <p:nvPr/>
+        </p:nvPicPr>
+        <p:blipFill rotWithShape="1">
+          <a:blip r:embed="rId2"/>
+          <a:srcRect l="5926" r="5185"/>
+          <a:stretch/>
+        </p:blipFill>
+        <p:spPr>
+          <a:xfrm>
+            <a:off x="-1" y="10"/>
+            <a:ext cx="12192000" cy="6857990"/>
+          </a:xfrm>
+          <a:prstGeom prst="rect">
+            <a:avLst/>
+          </a:prstGeom>
+        </p:spPr>
+      </p:pic>
       <p:sp>
         <p:nvSpPr>
-          <p:cNvPr id="2" name="Title 1">
-            <a:extLst>
-              <a:ext uri="{FF2B5EF4-FFF2-40B4-BE49-F238E27FC236}">
-                <a16:creationId xmlns:a16="http://schemas.microsoft.com/office/drawing/2014/main" id="{A13BC99A-1E38-07BB-BC9F-CC467A9938A1}"/>
+          <p:cNvPr id="16" name="Freeform 5">
+            <a:extLst>
+              <a:ext uri="{FF2B5EF4-FFF2-40B4-BE49-F238E27FC236}">
+                <a16:creationId xmlns:a16="http://schemas.microsoft.com/office/drawing/2014/main" id="{3CD9DF72-87A3-404E-A828-84CBF11A8303}"/>
+              </a:ext>
+              <a:ext uri="{C183D7F6-B498-43B3-948B-1728B52AA6E4}">
+                <adec:decorative xmlns:adec="http://schemas.microsoft.com/office/drawing/2017/decorative" val="1"/>
               </a:ext>
             </a:extLst>
           </p:cNvPr>
           <p:cNvSpPr>
-            <a:spLocks noGrp="1"/>
+            <a:spLocks noGrp="1" noRot="1" noChangeAspect="1" noMove="1" noResize="1" noEditPoints="1" noAdjustHandles="1" noChangeArrowheads="1" noChangeShapeType="1" noTextEdit="1"/>
           </p:cNvSpPr>
           <p:nvPr>
-            <p:ph type="title"/>
+            <p:extLst>
+              <p:ext uri="{386F3935-93C4-4BCD-93E2-E3B085C9AB24}">
+                <p16:designElem xmlns:p16="http://schemas.microsoft.com/office/powerpoint/2015/main" val="1"/>
+              </p:ext>
+            </p:extLst>
           </p:nvPr>
         </p:nvSpPr>
-        <p:spPr/>
+        <p:spPr bwMode="grayWhite">
+          <a:xfrm flipH="1">
+            <a:off x="0" y="998175"/>
+            <a:ext cx="6017172" cy="5859825"/>
+          </a:xfrm>
+          <a:custGeom>
+            <a:avLst/>
+            <a:gdLst>
+              <a:gd name="T0" fmla="*/ 1333 w 1333"/>
+              <a:gd name="T1" fmla="*/ 1031 h 1298"/>
+              <a:gd name="T2" fmla="*/ 1333 w 1333"/>
+              <a:gd name="T3" fmla="*/ 380 h 1298"/>
+              <a:gd name="T4" fmla="*/ 706 w 1333"/>
+              <a:gd name="T5" fmla="*/ 0 h 1298"/>
+              <a:gd name="T6" fmla="*/ 0 w 1333"/>
+              <a:gd name="T7" fmla="*/ 706 h 1298"/>
+              <a:gd name="T8" fmla="*/ 323 w 1333"/>
+              <a:gd name="T9" fmla="*/ 1298 h 1298"/>
+              <a:gd name="T10" fmla="*/ 1090 w 1333"/>
+              <a:gd name="T11" fmla="*/ 1298 h 1298"/>
+              <a:gd name="T12" fmla="*/ 1333 w 1333"/>
+              <a:gd name="T13" fmla="*/ 1031 h 1298"/>
+            </a:gdLst>
+            <a:ahLst/>
+            <a:cxnLst>
+              <a:cxn ang="0">
+                <a:pos x="T0" y="T1"/>
+              </a:cxn>
+              <a:cxn ang="0">
+                <a:pos x="T2" y="T3"/>
+              </a:cxn>
+              <a:cxn ang="0">
+                <a:pos x="T4" y="T5"/>
+              </a:cxn>
+              <a:cxn ang="0">
+                <a:pos x="T6" y="T7"/>
+              </a:cxn>
+              <a:cxn ang="0">
+                <a:pos x="T8" y="T9"/>
+              </a:cxn>
+              <a:cxn ang="0">
+                <a:pos x="T10" y="T11"/>
+              </a:cxn>
+              <a:cxn ang="0">
+                <a:pos x="T12" y="T13"/>
+              </a:cxn>
+            </a:cxnLst>
+            <a:rect l="0" t="0" r="r" b="b"/>
+            <a:pathLst>
+              <a:path w="1333" h="1298">
+                <a:moveTo>
+                  <a:pt x="1333" y="1031"/>
+                </a:moveTo>
+                <a:cubicBezTo>
+                  <a:pt x="1333" y="380"/>
+                  <a:pt x="1333" y="380"/>
+                  <a:pt x="1333" y="380"/>
+                </a:cubicBezTo>
+                <a:cubicBezTo>
+                  <a:pt x="1215" y="154"/>
+                  <a:pt x="979" y="0"/>
+                  <a:pt x="706" y="0"/>
+                </a:cubicBezTo>
+                <a:cubicBezTo>
+                  <a:pt x="317" y="0"/>
+                  <a:pt x="0" y="316"/>
+                  <a:pt x="0" y="706"/>
+                </a:cubicBezTo>
+                <a:cubicBezTo>
+                  <a:pt x="0" y="954"/>
+                  <a:pt x="129" y="1172"/>
+                  <a:pt x="323" y="1298"/>
+                </a:cubicBezTo>
+                <a:cubicBezTo>
+                  <a:pt x="1090" y="1298"/>
+                  <a:pt x="1090" y="1298"/>
+                  <a:pt x="1090" y="1298"/>
+                </a:cubicBezTo>
+                <a:cubicBezTo>
+                  <a:pt x="1193" y="1232"/>
+                  <a:pt x="1276" y="1140"/>
+                  <a:pt x="1333" y="1031"/>
+                </a:cubicBezTo>
+                <a:close/>
+              </a:path>
+            </a:pathLst>
+          </a:custGeom>
+          <a:solidFill>
+            <a:schemeClr val="bg1">
+              <a:alpha val="75000"/>
+            </a:schemeClr>
+          </a:solidFill>
+          <a:ln w="50800" cap="sq" cmpd="dbl">
+            <a:noFill/>
+            <a:miter lim="800000"/>
+          </a:ln>
+          <a:effectLst/>
+        </p:spPr>
         <p:txBody>
-          <a:bodyPr/>
+          <a:bodyPr vert="horz" lIns="91440" tIns="45720" rIns="91440" bIns="45720" rtlCol="0" anchor="t">
+            <a:normAutofit/>
+          </a:bodyPr>
           <a:lstStyle/>
           <a:p>
-            <a:r>
-              <a:rPr lang="en-GB" dirty="0" err="1"/>
-              <a:t>Doelgroep</a:t>
-            </a:r>
-            <a:r>
-              <a:rPr lang="en-GB" dirty="0"/>
-              <a:t>: </a:t>
-            </a:r>
-            <a:r>
-              <a:rPr lang="en-GB" dirty="0" err="1"/>
-              <a:t>Bedrijven</a:t>
-            </a:r>
-            <a:endParaRPr lang="en-GB" dirty="0"/>
+            <a:pPr algn="ctr">
+              <a:spcAft>
+                <a:spcPts val="1000"/>
+              </a:spcAft>
+              <a:buClr>
+                <a:schemeClr val="tx1"/>
+              </a:buClr>
+              <a:buSzPct val="100000"/>
+              <a:buFont typeface="Arial"/>
+              <a:buNone/>
+            </a:pPr>
+            <a:endParaRPr lang="en-US" sz="1600" cap="all"/>
           </a:p>
         </p:txBody>
       </p:sp>
       <p:sp>
         <p:nvSpPr>
-          <p:cNvPr id="3" name="Content Placeholder 2">
-            <a:extLst>
-              <a:ext uri="{FF2B5EF4-FFF2-40B4-BE49-F238E27FC236}">
-                <a16:creationId xmlns:a16="http://schemas.microsoft.com/office/drawing/2014/main" id="{02ED6487-F693-9CC8-E1EC-089A7DC1A2B8}"/>
+          <p:cNvPr id="2" name="Title 1">
+            <a:extLst>
+              <a:ext uri="{FF2B5EF4-FFF2-40B4-BE49-F238E27FC236}">
+                <a16:creationId xmlns:a16="http://schemas.microsoft.com/office/drawing/2014/main" id="{A13BC99A-1E38-07BB-BC9F-CC467A9938A1}"/>
               </a:ext>
             </a:extLst>
           </p:cNvPr>
@@ -3777,15 +6844,151 @@
             <a:spLocks noGrp="1"/>
           </p:cNvSpPr>
           <p:nvPr>
+            <p:ph type="title"/>
+          </p:nvPr>
+        </p:nvSpPr>
+        <p:spPr>
+          <a:xfrm>
+            <a:off x="709448" y="1913950"/>
+            <a:ext cx="4204137" cy="1342754"/>
+          </a:xfrm>
+        </p:spPr>
+        <p:txBody>
+          <a:bodyPr>
+            <a:normAutofit/>
+          </a:bodyPr>
+          <a:lstStyle/>
+          <a:p>
+            <a:pPr algn="ctr"/>
+            <a:r>
+              <a:rPr lang="en-GB" sz="3600"/>
+              <a:t>Doelgroep: Bedrijven</a:t>
+            </a:r>
+          </a:p>
+        </p:txBody>
+      </p:sp>
+      <p:cxnSp>
+        <p:nvCxnSpPr>
+          <p:cNvPr id="17" name="Straight Connector 10">
+            <a:extLst>
+              <a:ext uri="{FF2B5EF4-FFF2-40B4-BE49-F238E27FC236}">
+                <a16:creationId xmlns:a16="http://schemas.microsoft.com/office/drawing/2014/main" id="{20E3A342-4D61-4E3F-AF90-1AB42AEB96CC}"/>
+              </a:ext>
+              <a:ext uri="{C183D7F6-B498-43B3-948B-1728B52AA6E4}">
+                <adec:decorative xmlns:adec="http://schemas.microsoft.com/office/drawing/2017/decorative" val="1"/>
+              </a:ext>
+            </a:extLst>
+          </p:cNvPr>
+          <p:cNvCxnSpPr>
+            <a:cxnSpLocks noGrp="1" noRot="1" noChangeAspect="1" noMove="1" noResize="1" noEditPoints="1" noAdjustHandles="1" noChangeArrowheads="1" noChangeShapeType="1"/>
+          </p:cNvCxnSpPr>
+          <p:nvPr>
+            <p:extLst>
+              <p:ext uri="{386F3935-93C4-4BCD-93E2-E3B085C9AB24}">
+                <p16:designElem xmlns:p16="http://schemas.microsoft.com/office/powerpoint/2015/main" val="1"/>
+              </p:ext>
+            </p:extLst>
+          </p:nvPr>
+        </p:nvCxnSpPr>
+        <p:spPr>
+          <a:xfrm>
+            <a:off x="2287051" y="3337139"/>
+            <a:ext cx="935420" cy="0"/>
+          </a:xfrm>
+          <a:prstGeom prst="line">
+            <a:avLst/>
+          </a:prstGeom>
+          <a:ln w="25400" cap="sq">
+            <a:solidFill>
+              <a:schemeClr val="tx1">
+                <a:lumMod val="85000"/>
+                <a:lumOff val="15000"/>
+              </a:schemeClr>
+            </a:solidFill>
+            <a:bevel/>
+          </a:ln>
+        </p:spPr>
+        <p:style>
+          <a:lnRef idx="1">
+            <a:schemeClr val="accent1"/>
+          </a:lnRef>
+          <a:fillRef idx="0">
+            <a:schemeClr val="accent1"/>
+          </a:fillRef>
+          <a:effectRef idx="0">
+            <a:schemeClr val="accent1"/>
+          </a:effectRef>
+          <a:fontRef idx="minor">
+            <a:schemeClr val="tx1"/>
+          </a:fontRef>
+        </p:style>
+      </p:cxnSp>
+      <p:sp>
+        <p:nvSpPr>
+          <p:cNvPr id="3" name="Content Placeholder 2">
+            <a:extLst>
+              <a:ext uri="{FF2B5EF4-FFF2-40B4-BE49-F238E27FC236}">
+                <a16:creationId xmlns:a16="http://schemas.microsoft.com/office/drawing/2014/main" id="{02ED6487-F693-9CC8-E1EC-089A7DC1A2B8}"/>
+              </a:ext>
+            </a:extLst>
+          </p:cNvPr>
+          <p:cNvSpPr>
+            <a:spLocks noGrp="1"/>
+          </p:cNvSpPr>
+          <p:nvPr>
             <p:ph idx="1"/>
           </p:nvPr>
         </p:nvSpPr>
-        <p:spPr/>
+        <p:spPr>
+          <a:xfrm>
+            <a:off x="525516" y="3417573"/>
+            <a:ext cx="4593021" cy="2619839"/>
+          </a:xfrm>
+        </p:spPr>
         <p:txBody>
-          <a:bodyPr/>
+          <a:bodyPr vert="horz" lIns="91440" tIns="45720" rIns="91440" bIns="45720" rtlCol="0" anchor="ctr">
+            <a:normAutofit/>
+          </a:bodyPr>
           <a:lstStyle/>
           <a:p>
-            <a:endParaRPr lang="en-GB"/>
+            <a:r>
+              <a:rPr lang="en-GB" sz="1800">
+                <a:cs typeface="Calibri"/>
+              </a:rPr>
+              <a:t>Kleine markt (vergeleken met china/US)</a:t>
+            </a:r>
+          </a:p>
+          <a:p>
+            <a:r>
+              <a:rPr lang="en-GB" sz="1800">
+                <a:cs typeface="Calibri"/>
+              </a:rPr>
+              <a:t>Bedrijf opstarten duurt lang</a:t>
+            </a:r>
+          </a:p>
+          <a:p>
+            <a:r>
+              <a:rPr lang="en-GB" sz="1800">
+                <a:cs typeface="Calibri"/>
+              </a:rPr>
+              <a:t>1 locatie nodig (greater Tokyo)</a:t>
+            </a:r>
+          </a:p>
+          <a:p>
+            <a:r>
+              <a:rPr lang="en-GB" sz="1800">
+                <a:cs typeface="Calibri"/>
+              </a:rPr>
+              <a:t>Veilig</a:t>
+            </a:r>
+          </a:p>
+          <a:p>
+            <a:r>
+              <a:rPr lang="en-GB" sz="1800">
+                <a:cs typeface="Calibri"/>
+              </a:rPr>
+              <a:t>Goedkoop</a:t>
+            </a:r>
           </a:p>
         </p:txBody>
       </p:sp>
@@ -3802,9 +7005,17 @@
 </p:sld>
 </file>
 
-<file path=ppt/slides/slide6.xml><?xml version="1.0" encoding="utf-8"?>
+<file path=ppt/slides/slide5.xml><?xml version="1.0" encoding="utf-8"?>
 <p:sld xmlns:a="http://schemas.openxmlformats.org/drawingml/2006/main" xmlns:r="http://schemas.openxmlformats.org/officeDocument/2006/relationships" xmlns:p="http://schemas.openxmlformats.org/presentationml/2006/main">
   <p:cSld>
+    <p:bg>
+      <p:bgPr>
+        <a:solidFill>
+          <a:schemeClr val="bg1"/>
+        </a:solidFill>
+        <a:effectLst/>
+      </p:bgPr>
+    </p:bg>
     <p:spTree>
       <p:nvGrpSpPr>
         <p:cNvPr id="1" name=""/>
@@ -3819,49 +7030,183 @@
           <a:chExt cx="0" cy="0"/>
         </a:xfrm>
       </p:grpSpPr>
+      <p:pic>
+        <p:nvPicPr>
+          <p:cNvPr id="5" name="Picture 5" descr="A picture containing building, outdoor, city&#10;&#10;Description automatically generated">
+            <a:extLst>
+              <a:ext uri="{FF2B5EF4-FFF2-40B4-BE49-F238E27FC236}">
+                <a16:creationId xmlns:a16="http://schemas.microsoft.com/office/drawing/2014/main" id="{A451641C-6010-B98C-0009-1111706CFFAF}"/>
+              </a:ext>
+            </a:extLst>
+          </p:cNvPr>
+          <p:cNvPicPr>
+            <a:picLocks noChangeAspect="1"/>
+          </p:cNvPicPr>
+          <p:nvPr/>
+        </p:nvPicPr>
+        <p:blipFill rotWithShape="1">
+          <a:blip r:embed="rId2"/>
+          <a:srcRect t="11840" b="3891"/>
+          <a:stretch/>
+        </p:blipFill>
+        <p:spPr>
+          <a:xfrm>
+            <a:off x="-1" y="10"/>
+            <a:ext cx="12192000" cy="6857990"/>
+          </a:xfrm>
+          <a:prstGeom prst="rect">
+            <a:avLst/>
+          </a:prstGeom>
+        </p:spPr>
+      </p:pic>
       <p:sp>
         <p:nvSpPr>
-          <p:cNvPr id="2" name="Title 1">
-            <a:extLst>
-              <a:ext uri="{FF2B5EF4-FFF2-40B4-BE49-F238E27FC236}">
-                <a16:creationId xmlns:a16="http://schemas.microsoft.com/office/drawing/2014/main" id="{58ACC8AA-9A17-15F1-CF68-9C9C7400B84E}"/>
+          <p:cNvPr id="10" name="Freeform 5">
+            <a:extLst>
+              <a:ext uri="{FF2B5EF4-FFF2-40B4-BE49-F238E27FC236}">
+                <a16:creationId xmlns:a16="http://schemas.microsoft.com/office/drawing/2014/main" id="{3CD9DF72-87A3-404E-A828-84CBF11A8303}"/>
+              </a:ext>
+              <a:ext uri="{C183D7F6-B498-43B3-948B-1728B52AA6E4}">
+                <adec:decorative xmlns:adec="http://schemas.microsoft.com/office/drawing/2017/decorative" val="1"/>
               </a:ext>
             </a:extLst>
           </p:cNvPr>
           <p:cNvSpPr>
-            <a:spLocks noGrp="1"/>
+            <a:spLocks noGrp="1" noRot="1" noChangeAspect="1" noMove="1" noResize="1" noEditPoints="1" noAdjustHandles="1" noChangeArrowheads="1" noChangeShapeType="1" noTextEdit="1"/>
           </p:cNvSpPr>
           <p:nvPr>
-            <p:ph type="title"/>
+            <p:extLst>
+              <p:ext uri="{386F3935-93C4-4BCD-93E2-E3B085C9AB24}">
+                <p16:designElem xmlns:p16="http://schemas.microsoft.com/office/powerpoint/2015/main" val="1"/>
+              </p:ext>
+            </p:extLst>
           </p:nvPr>
         </p:nvSpPr>
-        <p:spPr/>
+        <p:spPr bwMode="grayWhite">
+          <a:xfrm flipH="1">
+            <a:off x="0" y="998175"/>
+            <a:ext cx="6017172" cy="5859825"/>
+          </a:xfrm>
+          <a:custGeom>
+            <a:avLst/>
+            <a:gdLst>
+              <a:gd name="T0" fmla="*/ 1333 w 1333"/>
+              <a:gd name="T1" fmla="*/ 1031 h 1298"/>
+              <a:gd name="T2" fmla="*/ 1333 w 1333"/>
+              <a:gd name="T3" fmla="*/ 380 h 1298"/>
+              <a:gd name="T4" fmla="*/ 706 w 1333"/>
+              <a:gd name="T5" fmla="*/ 0 h 1298"/>
+              <a:gd name="T6" fmla="*/ 0 w 1333"/>
+              <a:gd name="T7" fmla="*/ 706 h 1298"/>
+              <a:gd name="T8" fmla="*/ 323 w 1333"/>
+              <a:gd name="T9" fmla="*/ 1298 h 1298"/>
+              <a:gd name="T10" fmla="*/ 1090 w 1333"/>
+              <a:gd name="T11" fmla="*/ 1298 h 1298"/>
+              <a:gd name="T12" fmla="*/ 1333 w 1333"/>
+              <a:gd name="T13" fmla="*/ 1031 h 1298"/>
+            </a:gdLst>
+            <a:ahLst/>
+            <a:cxnLst>
+              <a:cxn ang="0">
+                <a:pos x="T0" y="T1"/>
+              </a:cxn>
+              <a:cxn ang="0">
+                <a:pos x="T2" y="T3"/>
+              </a:cxn>
+              <a:cxn ang="0">
+                <a:pos x="T4" y="T5"/>
+              </a:cxn>
+              <a:cxn ang="0">
+                <a:pos x="T6" y="T7"/>
+              </a:cxn>
+              <a:cxn ang="0">
+                <a:pos x="T8" y="T9"/>
+              </a:cxn>
+              <a:cxn ang="0">
+                <a:pos x="T10" y="T11"/>
+              </a:cxn>
+              <a:cxn ang="0">
+                <a:pos x="T12" y="T13"/>
+              </a:cxn>
+            </a:cxnLst>
+            <a:rect l="0" t="0" r="r" b="b"/>
+            <a:pathLst>
+              <a:path w="1333" h="1298">
+                <a:moveTo>
+                  <a:pt x="1333" y="1031"/>
+                </a:moveTo>
+                <a:cubicBezTo>
+                  <a:pt x="1333" y="380"/>
+                  <a:pt x="1333" y="380"/>
+                  <a:pt x="1333" y="380"/>
+                </a:cubicBezTo>
+                <a:cubicBezTo>
+                  <a:pt x="1215" y="154"/>
+                  <a:pt x="979" y="0"/>
+                  <a:pt x="706" y="0"/>
+                </a:cubicBezTo>
+                <a:cubicBezTo>
+                  <a:pt x="317" y="0"/>
+                  <a:pt x="0" y="316"/>
+                  <a:pt x="0" y="706"/>
+                </a:cubicBezTo>
+                <a:cubicBezTo>
+                  <a:pt x="0" y="954"/>
+                  <a:pt x="129" y="1172"/>
+                  <a:pt x="323" y="1298"/>
+                </a:cubicBezTo>
+                <a:cubicBezTo>
+                  <a:pt x="1090" y="1298"/>
+                  <a:pt x="1090" y="1298"/>
+                  <a:pt x="1090" y="1298"/>
+                </a:cubicBezTo>
+                <a:cubicBezTo>
+                  <a:pt x="1193" y="1232"/>
+                  <a:pt x="1276" y="1140"/>
+                  <a:pt x="1333" y="1031"/>
+                </a:cubicBezTo>
+                <a:close/>
+              </a:path>
+            </a:pathLst>
+          </a:custGeom>
+          <a:solidFill>
+            <a:schemeClr val="bg1">
+              <a:alpha val="75000"/>
+            </a:schemeClr>
+          </a:solidFill>
+          <a:ln w="50800" cap="sq" cmpd="dbl">
+            <a:noFill/>
+            <a:miter lim="800000"/>
+          </a:ln>
+          <a:effectLst/>
+        </p:spPr>
         <p:txBody>
-          <a:bodyPr/>
+          <a:bodyPr vert="horz" lIns="91440" tIns="45720" rIns="91440" bIns="45720" rtlCol="0" anchor="t">
+            <a:normAutofit/>
+          </a:bodyPr>
           <a:lstStyle/>
           <a:p>
-            <a:r>
-              <a:rPr lang="en-GB" dirty="0" err="1"/>
-              <a:t>Doelgroep</a:t>
-            </a:r>
-            <a:r>
-              <a:rPr lang="en-GB" dirty="0"/>
-              <a:t>: </a:t>
-            </a:r>
-            <a:r>
-              <a:rPr lang="en-GB" dirty="0" err="1"/>
-              <a:t>Toeristen</a:t>
-            </a:r>
-            <a:endParaRPr lang="en-GB" dirty="0"/>
+            <a:pPr algn="ctr">
+              <a:spcAft>
+                <a:spcPts val="1000"/>
+              </a:spcAft>
+              <a:buClr>
+                <a:schemeClr val="tx1"/>
+              </a:buClr>
+              <a:buSzPct val="100000"/>
+              <a:buFont typeface="Arial"/>
+              <a:buNone/>
+            </a:pPr>
+            <a:endParaRPr lang="en-US" sz="1600" cap="all"/>
           </a:p>
         </p:txBody>
       </p:sp>
       <p:sp>
         <p:nvSpPr>
-          <p:cNvPr id="3" name="Content Placeholder 2">
-            <a:extLst>
-              <a:ext uri="{FF2B5EF4-FFF2-40B4-BE49-F238E27FC236}">
-                <a16:creationId xmlns:a16="http://schemas.microsoft.com/office/drawing/2014/main" id="{9ECE8A83-A6F9-EC21-D1C8-E016A4C8FCC7}"/>
+          <p:cNvPr id="2" name="Title 1">
+            <a:extLst>
+              <a:ext uri="{FF2B5EF4-FFF2-40B4-BE49-F238E27FC236}">
+                <a16:creationId xmlns:a16="http://schemas.microsoft.com/office/drawing/2014/main" id="{58ACC8AA-9A17-15F1-CF68-9C9C7400B84E}"/>
               </a:ext>
             </a:extLst>
           </p:cNvPr>
@@ -3869,15 +7214,164 @@
             <a:spLocks noGrp="1"/>
           </p:cNvSpPr>
           <p:nvPr>
+            <p:ph type="title"/>
+          </p:nvPr>
+        </p:nvSpPr>
+        <p:spPr>
+          <a:xfrm>
+            <a:off x="709448" y="1913950"/>
+            <a:ext cx="4204137" cy="1342754"/>
+          </a:xfrm>
+        </p:spPr>
+        <p:txBody>
+          <a:bodyPr>
+            <a:normAutofit/>
+          </a:bodyPr>
+          <a:lstStyle/>
+          <a:p>
+            <a:pPr algn="ctr"/>
+            <a:r>
+              <a:rPr lang="en-GB" sz="3600"/>
+              <a:t>Doelgroep: Toeristen</a:t>
+            </a:r>
+          </a:p>
+        </p:txBody>
+      </p:sp>
+      <p:cxnSp>
+        <p:nvCxnSpPr>
+          <p:cNvPr id="12" name="Straight Connector 11">
+            <a:extLst>
+              <a:ext uri="{FF2B5EF4-FFF2-40B4-BE49-F238E27FC236}">
+                <a16:creationId xmlns:a16="http://schemas.microsoft.com/office/drawing/2014/main" id="{20E3A342-4D61-4E3F-AF90-1AB42AEB96CC}"/>
+              </a:ext>
+              <a:ext uri="{C183D7F6-B498-43B3-948B-1728B52AA6E4}">
+                <adec:decorative xmlns:adec="http://schemas.microsoft.com/office/drawing/2017/decorative" val="1"/>
+              </a:ext>
+            </a:extLst>
+          </p:cNvPr>
+          <p:cNvCxnSpPr>
+            <a:cxnSpLocks noGrp="1" noRot="1" noChangeAspect="1" noMove="1" noResize="1" noEditPoints="1" noAdjustHandles="1" noChangeArrowheads="1" noChangeShapeType="1"/>
+          </p:cNvCxnSpPr>
+          <p:nvPr>
+            <p:extLst>
+              <p:ext uri="{386F3935-93C4-4BCD-93E2-E3B085C9AB24}">
+                <p16:designElem xmlns:p16="http://schemas.microsoft.com/office/powerpoint/2015/main" val="1"/>
+              </p:ext>
+            </p:extLst>
+          </p:nvPr>
+        </p:nvCxnSpPr>
+        <p:spPr>
+          <a:xfrm>
+            <a:off x="2287051" y="3337139"/>
+            <a:ext cx="935420" cy="0"/>
+          </a:xfrm>
+          <a:prstGeom prst="line">
+            <a:avLst/>
+          </a:prstGeom>
+          <a:ln w="25400" cap="sq">
+            <a:solidFill>
+              <a:schemeClr val="tx1">
+                <a:lumMod val="85000"/>
+                <a:lumOff val="15000"/>
+              </a:schemeClr>
+            </a:solidFill>
+            <a:bevel/>
+          </a:ln>
+        </p:spPr>
+        <p:style>
+          <a:lnRef idx="1">
+            <a:schemeClr val="accent1"/>
+          </a:lnRef>
+          <a:fillRef idx="0">
+            <a:schemeClr val="accent1"/>
+          </a:fillRef>
+          <a:effectRef idx="0">
+            <a:schemeClr val="accent1"/>
+          </a:effectRef>
+          <a:fontRef idx="minor">
+            <a:schemeClr val="tx1"/>
+          </a:fontRef>
+        </p:style>
+      </p:cxnSp>
+      <p:sp>
+        <p:nvSpPr>
+          <p:cNvPr id="3" name="Content Placeholder 2">
+            <a:extLst>
+              <a:ext uri="{FF2B5EF4-FFF2-40B4-BE49-F238E27FC236}">
+                <a16:creationId xmlns:a16="http://schemas.microsoft.com/office/drawing/2014/main" id="{9ECE8A83-A6F9-EC21-D1C8-E016A4C8FCC7}"/>
+              </a:ext>
+            </a:extLst>
+          </p:cNvPr>
+          <p:cNvSpPr>
+            <a:spLocks noGrp="1"/>
+          </p:cNvSpPr>
+          <p:nvPr>
             <p:ph idx="1"/>
           </p:nvPr>
         </p:nvSpPr>
-        <p:spPr/>
+        <p:spPr>
+          <a:xfrm>
+            <a:off x="525516" y="3417573"/>
+            <a:ext cx="4593021" cy="2619839"/>
+          </a:xfrm>
+        </p:spPr>
         <p:txBody>
-          <a:bodyPr/>
+          <a:bodyPr vert="horz" lIns="91440" tIns="45720" rIns="91440" bIns="45720" rtlCol="0" anchor="ctr">
+            <a:normAutofit/>
+          </a:bodyPr>
           <a:lstStyle/>
           <a:p>
-            <a:endParaRPr lang="en-GB"/>
+            <a:r>
+              <a:rPr lang="en-GB" sz="1800">
+                <a:cs typeface="Calibri"/>
+              </a:rPr>
+              <a:t>Groot</a:t>
+            </a:r>
+          </a:p>
+          <a:p>
+            <a:r>
+              <a:rPr lang="en-GB" sz="1800">
+                <a:cs typeface="Calibri"/>
+              </a:rPr>
+              <a:t>Vereist veel planning</a:t>
+            </a:r>
+          </a:p>
+          <a:p>
+            <a:r>
+              <a:rPr lang="en-GB" sz="1800">
+                <a:cs typeface="Calibri"/>
+              </a:rPr>
+              <a:t>Schoon</a:t>
+            </a:r>
+          </a:p>
+          <a:p>
+            <a:r>
+              <a:rPr lang="en-GB" sz="1800">
+                <a:cs typeface="Calibri"/>
+              </a:rPr>
+              <a:t>Vriendelijke inwoners</a:t>
+            </a:r>
+          </a:p>
+          <a:p>
+            <a:r>
+              <a:rPr lang="en-GB" sz="1800">
+                <a:cs typeface="Calibri"/>
+              </a:rPr>
+              <a:t>Eten</a:t>
+            </a:r>
+          </a:p>
+          <a:p>
+            <a:r>
+              <a:rPr lang="en-GB" sz="1800">
+                <a:cs typeface="Calibri"/>
+              </a:rPr>
+              <a:t>Goed bereikbaar</a:t>
+            </a:r>
+          </a:p>
+          <a:p>
+            <a:endParaRPr lang="en-GB" sz="1800">
+              <a:cs typeface="Calibri"/>
+            </a:endParaRPr>
           </a:p>
         </p:txBody>
       </p:sp>
@@ -3894,9 +7388,17 @@
 </p:sld>
 </file>
 
-<file path=ppt/slides/slide7.xml><?xml version="1.0" encoding="utf-8"?>
+<file path=ppt/slides/slide6.xml><?xml version="1.0" encoding="utf-8"?>
 <p:sld xmlns:a="http://schemas.openxmlformats.org/drawingml/2006/main" xmlns:r="http://schemas.openxmlformats.org/officeDocument/2006/relationships" xmlns:p="http://schemas.openxmlformats.org/presentationml/2006/main">
   <p:cSld>
+    <p:bg>
+      <p:bgPr>
+        <a:solidFill>
+          <a:schemeClr val="bg1"/>
+        </a:solidFill>
+        <a:effectLst/>
+      </p:bgPr>
+    </p:bg>
     <p:spTree>
       <p:nvGrpSpPr>
         <p:cNvPr id="1" name=""/>
@@ -3911,49 +7413,183 @@
           <a:chExt cx="0" cy="0"/>
         </a:xfrm>
       </p:grpSpPr>
+      <p:pic>
+        <p:nvPicPr>
+          <p:cNvPr id="4" name="Picture 4" descr="A picture containing tree, grass, outdoor, nature&#10;&#10;Description automatically generated">
+            <a:extLst>
+              <a:ext uri="{FF2B5EF4-FFF2-40B4-BE49-F238E27FC236}">
+                <a16:creationId xmlns:a16="http://schemas.microsoft.com/office/drawing/2014/main" id="{7A65076B-AF37-FFA7-9E97-701CEB5807B5}"/>
+              </a:ext>
+            </a:extLst>
+          </p:cNvPr>
+          <p:cNvPicPr>
+            <a:picLocks noChangeAspect="1"/>
+          </p:cNvPicPr>
+          <p:nvPr/>
+        </p:nvPicPr>
+        <p:blipFill rotWithShape="1">
+          <a:blip r:embed="rId2"/>
+          <a:srcRect l="11111"/>
+          <a:stretch/>
+        </p:blipFill>
+        <p:spPr>
+          <a:xfrm>
+            <a:off x="-1" y="10"/>
+            <a:ext cx="12192000" cy="6857990"/>
+          </a:xfrm>
+          <a:prstGeom prst="rect">
+            <a:avLst/>
+          </a:prstGeom>
+        </p:spPr>
+      </p:pic>
       <p:sp>
         <p:nvSpPr>
-          <p:cNvPr id="2" name="Title 1">
-            <a:extLst>
-              <a:ext uri="{FF2B5EF4-FFF2-40B4-BE49-F238E27FC236}">
-                <a16:creationId xmlns:a16="http://schemas.microsoft.com/office/drawing/2014/main" id="{1AE8FACD-4940-0C7A-6F0A-ED83028CE7A9}"/>
+          <p:cNvPr id="9" name="Freeform 5">
+            <a:extLst>
+              <a:ext uri="{FF2B5EF4-FFF2-40B4-BE49-F238E27FC236}">
+                <a16:creationId xmlns:a16="http://schemas.microsoft.com/office/drawing/2014/main" id="{3CD9DF72-87A3-404E-A828-84CBF11A8303}"/>
+              </a:ext>
+              <a:ext uri="{C183D7F6-B498-43B3-948B-1728B52AA6E4}">
+                <adec:decorative xmlns:adec="http://schemas.microsoft.com/office/drawing/2017/decorative" val="1"/>
               </a:ext>
             </a:extLst>
           </p:cNvPr>
           <p:cNvSpPr>
-            <a:spLocks noGrp="1"/>
+            <a:spLocks noGrp="1" noRot="1" noChangeAspect="1" noMove="1" noResize="1" noEditPoints="1" noAdjustHandles="1" noChangeArrowheads="1" noChangeShapeType="1" noTextEdit="1"/>
           </p:cNvSpPr>
           <p:nvPr>
-            <p:ph type="title"/>
+            <p:extLst>
+              <p:ext uri="{386F3935-93C4-4BCD-93E2-E3B085C9AB24}">
+                <p16:designElem xmlns:p16="http://schemas.microsoft.com/office/powerpoint/2015/main" val="1"/>
+              </p:ext>
+            </p:extLst>
           </p:nvPr>
         </p:nvSpPr>
-        <p:spPr/>
+        <p:spPr bwMode="grayWhite">
+          <a:xfrm flipH="1">
+            <a:off x="0" y="998175"/>
+            <a:ext cx="6017172" cy="5859825"/>
+          </a:xfrm>
+          <a:custGeom>
+            <a:avLst/>
+            <a:gdLst>
+              <a:gd name="T0" fmla="*/ 1333 w 1333"/>
+              <a:gd name="T1" fmla="*/ 1031 h 1298"/>
+              <a:gd name="T2" fmla="*/ 1333 w 1333"/>
+              <a:gd name="T3" fmla="*/ 380 h 1298"/>
+              <a:gd name="T4" fmla="*/ 706 w 1333"/>
+              <a:gd name="T5" fmla="*/ 0 h 1298"/>
+              <a:gd name="T6" fmla="*/ 0 w 1333"/>
+              <a:gd name="T7" fmla="*/ 706 h 1298"/>
+              <a:gd name="T8" fmla="*/ 323 w 1333"/>
+              <a:gd name="T9" fmla="*/ 1298 h 1298"/>
+              <a:gd name="T10" fmla="*/ 1090 w 1333"/>
+              <a:gd name="T11" fmla="*/ 1298 h 1298"/>
+              <a:gd name="T12" fmla="*/ 1333 w 1333"/>
+              <a:gd name="T13" fmla="*/ 1031 h 1298"/>
+            </a:gdLst>
+            <a:ahLst/>
+            <a:cxnLst>
+              <a:cxn ang="0">
+                <a:pos x="T0" y="T1"/>
+              </a:cxn>
+              <a:cxn ang="0">
+                <a:pos x="T2" y="T3"/>
+              </a:cxn>
+              <a:cxn ang="0">
+                <a:pos x="T4" y="T5"/>
+              </a:cxn>
+              <a:cxn ang="0">
+                <a:pos x="T6" y="T7"/>
+              </a:cxn>
+              <a:cxn ang="0">
+                <a:pos x="T8" y="T9"/>
+              </a:cxn>
+              <a:cxn ang="0">
+                <a:pos x="T10" y="T11"/>
+              </a:cxn>
+              <a:cxn ang="0">
+                <a:pos x="T12" y="T13"/>
+              </a:cxn>
+            </a:cxnLst>
+            <a:rect l="0" t="0" r="r" b="b"/>
+            <a:pathLst>
+              <a:path w="1333" h="1298">
+                <a:moveTo>
+                  <a:pt x="1333" y="1031"/>
+                </a:moveTo>
+                <a:cubicBezTo>
+                  <a:pt x="1333" y="380"/>
+                  <a:pt x="1333" y="380"/>
+                  <a:pt x="1333" y="380"/>
+                </a:cubicBezTo>
+                <a:cubicBezTo>
+                  <a:pt x="1215" y="154"/>
+                  <a:pt x="979" y="0"/>
+                  <a:pt x="706" y="0"/>
+                </a:cubicBezTo>
+                <a:cubicBezTo>
+                  <a:pt x="317" y="0"/>
+                  <a:pt x="0" y="316"/>
+                  <a:pt x="0" y="706"/>
+                </a:cubicBezTo>
+                <a:cubicBezTo>
+                  <a:pt x="0" y="954"/>
+                  <a:pt x="129" y="1172"/>
+                  <a:pt x="323" y="1298"/>
+                </a:cubicBezTo>
+                <a:cubicBezTo>
+                  <a:pt x="1090" y="1298"/>
+                  <a:pt x="1090" y="1298"/>
+                  <a:pt x="1090" y="1298"/>
+                </a:cubicBezTo>
+                <a:cubicBezTo>
+                  <a:pt x="1193" y="1232"/>
+                  <a:pt x="1276" y="1140"/>
+                  <a:pt x="1333" y="1031"/>
+                </a:cubicBezTo>
+                <a:close/>
+              </a:path>
+            </a:pathLst>
+          </a:custGeom>
+          <a:solidFill>
+            <a:schemeClr val="bg1">
+              <a:alpha val="75000"/>
+            </a:schemeClr>
+          </a:solidFill>
+          <a:ln w="50800" cap="sq" cmpd="dbl">
+            <a:noFill/>
+            <a:miter lim="800000"/>
+          </a:ln>
+          <a:effectLst/>
+        </p:spPr>
         <p:txBody>
-          <a:bodyPr/>
+          <a:bodyPr vert="horz" lIns="91440" tIns="45720" rIns="91440" bIns="45720" rtlCol="0" anchor="t">
+            <a:normAutofit/>
+          </a:bodyPr>
           <a:lstStyle/>
           <a:p>
-            <a:r>
-              <a:rPr lang="en-GB" dirty="0" err="1"/>
-              <a:t>Doelgroep</a:t>
-            </a:r>
-            <a:r>
-              <a:rPr lang="en-GB" dirty="0"/>
-              <a:t>: </a:t>
-            </a:r>
-            <a:r>
-              <a:rPr lang="en-GB" dirty="0" err="1"/>
-              <a:t>Inwoners</a:t>
-            </a:r>
-            <a:endParaRPr lang="en-GB" dirty="0"/>
+            <a:pPr algn="ctr">
+              <a:spcAft>
+                <a:spcPts val="1000"/>
+              </a:spcAft>
+              <a:buClr>
+                <a:schemeClr val="tx1"/>
+              </a:buClr>
+              <a:buSzPct val="100000"/>
+              <a:buFont typeface="Arial"/>
+              <a:buNone/>
+            </a:pPr>
+            <a:endParaRPr lang="en-US" sz="1600" cap="all"/>
           </a:p>
         </p:txBody>
       </p:sp>
       <p:sp>
         <p:nvSpPr>
-          <p:cNvPr id="3" name="Content Placeholder 2">
-            <a:extLst>
-              <a:ext uri="{FF2B5EF4-FFF2-40B4-BE49-F238E27FC236}">
-                <a16:creationId xmlns:a16="http://schemas.microsoft.com/office/drawing/2014/main" id="{9324A287-14F6-232B-44E9-3F027F5E9594}"/>
+          <p:cNvPr id="2" name="Title 1">
+            <a:extLst>
+              <a:ext uri="{FF2B5EF4-FFF2-40B4-BE49-F238E27FC236}">
+                <a16:creationId xmlns:a16="http://schemas.microsoft.com/office/drawing/2014/main" id="{1AE8FACD-4940-0C7A-6F0A-ED83028CE7A9}"/>
               </a:ext>
             </a:extLst>
           </p:cNvPr>
@@ -3961,15 +7597,199 @@
             <a:spLocks noGrp="1"/>
           </p:cNvSpPr>
           <p:nvPr>
+            <p:ph type="title"/>
+          </p:nvPr>
+        </p:nvSpPr>
+        <p:spPr>
+          <a:xfrm>
+            <a:off x="709448" y="1913950"/>
+            <a:ext cx="4204137" cy="1342754"/>
+          </a:xfrm>
+        </p:spPr>
+        <p:txBody>
+          <a:bodyPr>
+            <a:normAutofit/>
+          </a:bodyPr>
+          <a:lstStyle/>
+          <a:p>
+            <a:pPr algn="ctr"/>
+            <a:r>
+              <a:rPr lang="en-GB" sz="3600"/>
+              <a:t>Doelgroep: Inwoners</a:t>
+            </a:r>
+          </a:p>
+        </p:txBody>
+      </p:sp>
+      <p:cxnSp>
+        <p:nvCxnSpPr>
+          <p:cNvPr id="11" name="Straight Connector 10">
+            <a:extLst>
+              <a:ext uri="{FF2B5EF4-FFF2-40B4-BE49-F238E27FC236}">
+                <a16:creationId xmlns:a16="http://schemas.microsoft.com/office/drawing/2014/main" id="{20E3A342-4D61-4E3F-AF90-1AB42AEB96CC}"/>
+              </a:ext>
+              <a:ext uri="{C183D7F6-B498-43B3-948B-1728B52AA6E4}">
+                <adec:decorative xmlns:adec="http://schemas.microsoft.com/office/drawing/2017/decorative" val="1"/>
+              </a:ext>
+            </a:extLst>
+          </p:cNvPr>
+          <p:cNvCxnSpPr>
+            <a:cxnSpLocks noGrp="1" noRot="1" noChangeAspect="1" noMove="1" noResize="1" noEditPoints="1" noAdjustHandles="1" noChangeArrowheads="1" noChangeShapeType="1"/>
+          </p:cNvCxnSpPr>
+          <p:nvPr>
+            <p:extLst>
+              <p:ext uri="{386F3935-93C4-4BCD-93E2-E3B085C9AB24}">
+                <p16:designElem xmlns:p16="http://schemas.microsoft.com/office/powerpoint/2015/main" val="1"/>
+              </p:ext>
+            </p:extLst>
+          </p:nvPr>
+        </p:nvCxnSpPr>
+        <p:spPr>
+          <a:xfrm>
+            <a:off x="2287051" y="3337139"/>
+            <a:ext cx="935420" cy="0"/>
+          </a:xfrm>
+          <a:prstGeom prst="line">
+            <a:avLst/>
+          </a:prstGeom>
+          <a:ln w="25400" cap="sq">
+            <a:solidFill>
+              <a:schemeClr val="tx1">
+                <a:lumMod val="85000"/>
+                <a:lumOff val="15000"/>
+              </a:schemeClr>
+            </a:solidFill>
+            <a:bevel/>
+          </a:ln>
+        </p:spPr>
+        <p:style>
+          <a:lnRef idx="1">
+            <a:schemeClr val="accent1"/>
+          </a:lnRef>
+          <a:fillRef idx="0">
+            <a:schemeClr val="accent1"/>
+          </a:fillRef>
+          <a:effectRef idx="0">
+            <a:schemeClr val="accent1"/>
+          </a:effectRef>
+          <a:fontRef idx="minor">
+            <a:schemeClr val="tx1"/>
+          </a:fontRef>
+        </p:style>
+      </p:cxnSp>
+      <p:sp>
+        <p:nvSpPr>
+          <p:cNvPr id="3" name="Content Placeholder 2">
+            <a:extLst>
+              <a:ext uri="{FF2B5EF4-FFF2-40B4-BE49-F238E27FC236}">
+                <a16:creationId xmlns:a16="http://schemas.microsoft.com/office/drawing/2014/main" id="{9324A287-14F6-232B-44E9-3F027F5E9594}"/>
+              </a:ext>
+            </a:extLst>
+          </p:cNvPr>
+          <p:cNvSpPr>
+            <a:spLocks noGrp="1"/>
+          </p:cNvSpPr>
+          <p:nvPr>
             <p:ph idx="1"/>
           </p:nvPr>
         </p:nvSpPr>
-        <p:spPr/>
+        <p:spPr>
+          <a:xfrm>
+            <a:off x="525516" y="3417573"/>
+            <a:ext cx="4593021" cy="2619839"/>
+          </a:xfrm>
+        </p:spPr>
         <p:txBody>
-          <a:bodyPr/>
+          <a:bodyPr vert="horz" lIns="91440" tIns="45720" rIns="91440" bIns="45720" rtlCol="0" anchor="ctr">
+            <a:normAutofit/>
+          </a:bodyPr>
           <a:lstStyle/>
           <a:p>
-            <a:endParaRPr lang="en-GB"/>
+            <a:r>
+              <a:rPr lang="en-GB" sz="1800">
+                <a:cs typeface="Calibri"/>
+              </a:rPr>
+              <a:t>Geen </a:t>
+            </a:r>
+            <a:r>
+              <a:rPr lang="en-GB" sz="1800" err="1">
+                <a:cs typeface="Calibri"/>
+              </a:rPr>
+              <a:t>tekorten</a:t>
+            </a:r>
+          </a:p>
+          <a:p>
+            <a:r>
+              <a:rPr lang="en-GB" sz="1800" err="1">
+                <a:cs typeface="Calibri"/>
+              </a:rPr>
+              <a:t>Lastige</a:t>
+            </a:r>
+            <a:r>
+              <a:rPr lang="en-GB" sz="1800">
+                <a:cs typeface="Calibri"/>
+              </a:rPr>
+              <a:t> taal</a:t>
+            </a:r>
+          </a:p>
+          <a:p>
+            <a:r>
+              <a:rPr lang="en-GB" sz="1800">
+                <a:cs typeface="Calibri"/>
+              </a:rPr>
+              <a:t>Groot</a:t>
+            </a:r>
+          </a:p>
+          <a:p>
+            <a:r>
+              <a:rPr lang="en-GB" sz="1800" err="1">
+                <a:cs typeface="Calibri"/>
+              </a:rPr>
+              <a:t>Weinig</a:t>
+            </a:r>
+            <a:r>
+              <a:rPr lang="en-GB" sz="1800">
+                <a:cs typeface="Calibri"/>
+              </a:rPr>
+              <a:t> </a:t>
+            </a:r>
+            <a:r>
+              <a:rPr lang="en-GB" sz="1800" err="1">
+                <a:cs typeface="Calibri"/>
+              </a:rPr>
+              <a:t>vrienden</a:t>
+            </a:r>
+          </a:p>
+          <a:p>
+            <a:r>
+              <a:rPr lang="en-GB" sz="1800" err="1">
+                <a:cs typeface="Calibri"/>
+              </a:rPr>
+              <a:t>Weinig</a:t>
+            </a:r>
+            <a:r>
+              <a:rPr lang="en-GB" sz="1800">
+                <a:cs typeface="Calibri"/>
+              </a:rPr>
+              <a:t> </a:t>
+            </a:r>
+            <a:r>
+              <a:rPr lang="en-GB" sz="1800" err="1">
+                <a:cs typeface="Calibri"/>
+              </a:rPr>
+              <a:t>baan</a:t>
+            </a:r>
+            <a:r>
+              <a:rPr lang="en-GB" sz="1800">
+                <a:cs typeface="Calibri"/>
+              </a:rPr>
+              <a:t> </a:t>
+            </a:r>
+            <a:r>
+              <a:rPr lang="en-GB" sz="1800" err="1">
+                <a:cs typeface="Calibri"/>
+              </a:rPr>
+              <a:t>kansen</a:t>
+            </a:r>
           </a:p>
         </p:txBody>
       </p:sp>
@@ -3977,6 +7797,474 @@
     <p:extLst>
       <p:ext uri="{BB962C8B-B14F-4D97-AF65-F5344CB8AC3E}">
         <p14:creationId xmlns:p14="http://schemas.microsoft.com/office/powerpoint/2010/main" val="2630600080"/>
+      </p:ext>
+    </p:extLst>
+  </p:cSld>
+  <p:clrMapOvr>
+    <a:masterClrMapping/>
+  </p:clrMapOvr>
+</p:sld>
+</file>
+
+<file path=ppt/slides/slide7.xml><?xml version="1.0" encoding="utf-8"?>
+<p:sld xmlns:a="http://schemas.openxmlformats.org/drawingml/2006/main" xmlns:r="http://schemas.openxmlformats.org/officeDocument/2006/relationships" xmlns:p="http://schemas.openxmlformats.org/presentationml/2006/main">
+  <p:cSld>
+    <p:bg>
+      <p:bgPr>
+        <a:solidFill>
+          <a:schemeClr val="bg1"/>
+        </a:solidFill>
+        <a:effectLst/>
+      </p:bgPr>
+    </p:bg>
+    <p:spTree>
+      <p:nvGrpSpPr>
+        <p:cNvPr id="1" name=""/>
+        <p:cNvGrpSpPr/>
+        <p:nvPr/>
+      </p:nvGrpSpPr>
+      <p:grpSpPr>
+        <a:xfrm>
+          <a:off x="0" y="0"/>
+          <a:ext cx="0" cy="0"/>
+          <a:chOff x="0" y="0"/>
+          <a:chExt cx="0" cy="0"/>
+        </a:xfrm>
+      </p:grpSpPr>
+      <p:sp useBgFill="1">
+        <p:nvSpPr>
+          <p:cNvPr id="8" name="Rectangle 7">
+            <a:extLst>
+              <a:ext uri="{FF2B5EF4-FFF2-40B4-BE49-F238E27FC236}">
+                <a16:creationId xmlns:a16="http://schemas.microsoft.com/office/drawing/2014/main" id="{907EF6B7-1338-4443-8C46-6A318D952DFD}"/>
+              </a:ext>
+              <a:ext uri="{C183D7F6-B498-43B3-948B-1728B52AA6E4}">
+                <adec:decorative xmlns:adec="http://schemas.microsoft.com/office/drawing/2017/decorative" val="1"/>
+              </a:ext>
+            </a:extLst>
+          </p:cNvPr>
+          <p:cNvSpPr>
+            <a:spLocks noGrp="1" noRot="1" noChangeAspect="1" noMove="1" noResize="1" noEditPoints="1" noAdjustHandles="1" noChangeArrowheads="1" noChangeShapeType="1" noTextEdit="1"/>
+          </p:cNvSpPr>
+          <p:nvPr>
+            <p:extLst>
+              <p:ext uri="{386F3935-93C4-4BCD-93E2-E3B085C9AB24}">
+                <p16:designElem xmlns:p16="http://schemas.microsoft.com/office/powerpoint/2015/main" val="1"/>
+              </p:ext>
+            </p:extLst>
+          </p:nvPr>
+        </p:nvSpPr>
+        <p:spPr>
+          <a:xfrm>
+            <a:off x="3048" y="0"/>
+            <a:ext cx="12188952" cy="6858000"/>
+          </a:xfrm>
+          <a:prstGeom prst="rect">
+            <a:avLst/>
+          </a:prstGeom>
+          <a:ln>
+            <a:noFill/>
+          </a:ln>
+        </p:spPr>
+        <p:style>
+          <a:lnRef idx="2">
+            <a:schemeClr val="accent1">
+              <a:shade val="50000"/>
+            </a:schemeClr>
+          </a:lnRef>
+          <a:fillRef idx="1">
+            <a:schemeClr val="accent1"/>
+          </a:fillRef>
+          <a:effectRef idx="0">
+            <a:schemeClr val="accent1"/>
+          </a:effectRef>
+          <a:fontRef idx="minor">
+            <a:schemeClr val="lt1"/>
+          </a:fontRef>
+        </p:style>
+        <p:txBody>
+          <a:bodyPr rtlCol="0" anchor="ctr"/>
+          <a:lstStyle/>
+          <a:p>
+            <a:pPr algn="ctr"/>
+            <a:endParaRPr lang="en-US"/>
+          </a:p>
+        </p:txBody>
+      </p:sp>
+      <p:sp>
+        <p:nvSpPr>
+          <p:cNvPr id="10" name="Freeform: Shape 9">
+            <a:extLst>
+              <a:ext uri="{FF2B5EF4-FFF2-40B4-BE49-F238E27FC236}">
+                <a16:creationId xmlns:a16="http://schemas.microsoft.com/office/drawing/2014/main" id="{DAAE4CDD-124C-4DCF-9584-B6033B545DD5}"/>
+              </a:ext>
+              <a:ext uri="{C183D7F6-B498-43B3-948B-1728B52AA6E4}">
+                <adec:decorative xmlns:adec="http://schemas.microsoft.com/office/drawing/2017/decorative" val="1"/>
+              </a:ext>
+            </a:extLst>
+          </p:cNvPr>
+          <p:cNvSpPr>
+            <a:spLocks noGrp="1" noRot="1" noChangeAspect="1" noMove="1" noResize="1" noEditPoints="1" noAdjustHandles="1" noChangeArrowheads="1" noChangeShapeType="1" noTextEdit="1"/>
+          </p:cNvSpPr>
+          <p:nvPr>
+            <p:extLst>
+              <p:ext uri="{386F3935-93C4-4BCD-93E2-E3B085C9AB24}">
+                <p16:designElem xmlns:p16="http://schemas.microsoft.com/office/powerpoint/2015/main" val="1"/>
+              </p:ext>
+            </p:extLst>
+          </p:nvPr>
+        </p:nvSpPr>
+        <p:spPr>
+          <a:xfrm>
+            <a:off x="1" y="0"/>
+            <a:ext cx="4167271" cy="6858000"/>
+          </a:xfrm>
+          <a:custGeom>
+            <a:avLst/>
+            <a:gdLst>
+              <a:gd name="connsiteX0" fmla="*/ 0 w 4167271"/>
+              <a:gd name="connsiteY0" fmla="*/ 0 h 6858000"/>
+              <a:gd name="connsiteX1" fmla="*/ 2259550 w 4167271"/>
+              <a:gd name="connsiteY1" fmla="*/ 0 h 6858000"/>
+              <a:gd name="connsiteX2" fmla="*/ 2387803 w 4167271"/>
+              <a:gd name="connsiteY2" fmla="*/ 82222 h 6858000"/>
+              <a:gd name="connsiteX3" fmla="*/ 4167271 w 4167271"/>
+              <a:gd name="connsiteY3" fmla="*/ 3429000 h 6858000"/>
+              <a:gd name="connsiteX4" fmla="*/ 2387803 w 4167271"/>
+              <a:gd name="connsiteY4" fmla="*/ 6775779 h 6858000"/>
+              <a:gd name="connsiteX5" fmla="*/ 2259550 w 4167271"/>
+              <a:gd name="connsiteY5" fmla="*/ 6858000 h 6858000"/>
+              <a:gd name="connsiteX6" fmla="*/ 0 w 4167271"/>
+              <a:gd name="connsiteY6" fmla="*/ 6858000 h 6858000"/>
+            </a:gdLst>
+            <a:ahLst/>
+            <a:cxnLst>
+              <a:cxn ang="0">
+                <a:pos x="connsiteX0" y="connsiteY0"/>
+              </a:cxn>
+              <a:cxn ang="0">
+                <a:pos x="connsiteX1" y="connsiteY1"/>
+              </a:cxn>
+              <a:cxn ang="0">
+                <a:pos x="connsiteX2" y="connsiteY2"/>
+              </a:cxn>
+              <a:cxn ang="0">
+                <a:pos x="connsiteX3" y="connsiteY3"/>
+              </a:cxn>
+              <a:cxn ang="0">
+                <a:pos x="connsiteX4" y="connsiteY4"/>
+              </a:cxn>
+              <a:cxn ang="0">
+                <a:pos x="connsiteX5" y="connsiteY5"/>
+              </a:cxn>
+              <a:cxn ang="0">
+                <a:pos x="connsiteX6" y="connsiteY6"/>
+              </a:cxn>
+            </a:cxnLst>
+            <a:rect l="l" t="t" r="r" b="b"/>
+            <a:pathLst>
+              <a:path w="4167271" h="6858000">
+                <a:moveTo>
+                  <a:pt x="0" y="0"/>
+                </a:moveTo>
+                <a:lnTo>
+                  <a:pt x="2259550" y="0"/>
+                </a:lnTo>
+                <a:lnTo>
+                  <a:pt x="2387803" y="82222"/>
+                </a:lnTo>
+                <a:cubicBezTo>
+                  <a:pt x="3461407" y="807534"/>
+                  <a:pt x="4167271" y="2035835"/>
+                  <a:pt x="4167271" y="3429000"/>
+                </a:cubicBezTo>
+                <a:cubicBezTo>
+                  <a:pt x="4167271" y="4822165"/>
+                  <a:pt x="3461407" y="6050467"/>
+                  <a:pt x="2387803" y="6775779"/>
+                </a:cubicBezTo>
+                <a:lnTo>
+                  <a:pt x="2259550" y="6858000"/>
+                </a:lnTo>
+                <a:lnTo>
+                  <a:pt x="0" y="6858000"/>
+                </a:lnTo>
+                <a:close/>
+              </a:path>
+            </a:pathLst>
+          </a:custGeom>
+          <a:solidFill>
+            <a:schemeClr val="accent2"/>
+          </a:solidFill>
+          <a:ln>
+            <a:noFill/>
+          </a:ln>
+        </p:spPr>
+        <p:style>
+          <a:lnRef idx="2">
+            <a:schemeClr val="accent1">
+              <a:shade val="50000"/>
+            </a:schemeClr>
+          </a:lnRef>
+          <a:fillRef idx="1">
+            <a:schemeClr val="accent1"/>
+          </a:fillRef>
+          <a:effectRef idx="0">
+            <a:schemeClr val="accent1"/>
+          </a:effectRef>
+          <a:fontRef idx="minor">
+            <a:schemeClr val="lt1"/>
+          </a:fontRef>
+        </p:style>
+        <p:txBody>
+          <a:bodyPr rtlCol="0" anchor="ctr"/>
+          <a:lstStyle/>
+          <a:p>
+            <a:pPr algn="ctr"/>
+            <a:endParaRPr lang="en-US"/>
+          </a:p>
+        </p:txBody>
+      </p:sp>
+      <p:sp>
+        <p:nvSpPr>
+          <p:cNvPr id="2" name="Title 1">
+            <a:extLst>
+              <a:ext uri="{FF2B5EF4-FFF2-40B4-BE49-F238E27FC236}">
+                <a16:creationId xmlns:a16="http://schemas.microsoft.com/office/drawing/2014/main" id="{D6CA1673-74EC-6E11-5459-3B0515A15F06}"/>
+              </a:ext>
+            </a:extLst>
+          </p:cNvPr>
+          <p:cNvSpPr>
+            <a:spLocks noGrp="1"/>
+          </p:cNvSpPr>
+          <p:nvPr>
+            <p:ph type="title"/>
+          </p:nvPr>
+        </p:nvSpPr>
+        <p:spPr>
+          <a:xfrm>
+            <a:off x="686834" y="1153572"/>
+            <a:ext cx="3200400" cy="4461163"/>
+          </a:xfrm>
+        </p:spPr>
+        <p:txBody>
+          <a:bodyPr>
+            <a:normAutofit/>
+          </a:bodyPr>
+          <a:lstStyle/>
+          <a:p>
+            <a:r>
+              <a:rPr lang="en-GB">
+                <a:solidFill>
+                  <a:srgbClr val="FFFFFF"/>
+                </a:solidFill>
+                <a:cs typeface="Calibri Light"/>
+              </a:rPr>
+              <a:t>Bronnen</a:t>
+            </a:r>
+            <a:endParaRPr lang="en-GB">
+              <a:solidFill>
+                <a:srgbClr val="FFFFFF"/>
+              </a:solidFill>
+            </a:endParaRPr>
+          </a:p>
+        </p:txBody>
+      </p:sp>
+      <p:sp>
+        <p:nvSpPr>
+          <p:cNvPr id="12" name="Arc 11">
+            <a:extLst>
+              <a:ext uri="{FF2B5EF4-FFF2-40B4-BE49-F238E27FC236}">
+                <a16:creationId xmlns:a16="http://schemas.microsoft.com/office/drawing/2014/main" id="{081E4A58-353D-44AE-B2FC-2A74E2E400F7}"/>
+              </a:ext>
+              <a:ext uri="{C183D7F6-B498-43B3-948B-1728B52AA6E4}">
+                <adec:decorative xmlns:adec="http://schemas.microsoft.com/office/drawing/2017/decorative" val="1"/>
+              </a:ext>
+            </a:extLst>
+          </p:cNvPr>
+          <p:cNvSpPr>
+            <a:spLocks noGrp="1" noRot="1" noChangeAspect="1" noMove="1" noResize="1" noEditPoints="1" noAdjustHandles="1" noChangeArrowheads="1" noChangeShapeType="1" noTextEdit="1"/>
+          </p:cNvSpPr>
+          <p:nvPr>
+            <p:extLst>
+              <p:ext uri="{386F3935-93C4-4BCD-93E2-E3B085C9AB24}">
+                <p16:designElem xmlns:p16="http://schemas.microsoft.com/office/powerpoint/2015/main" val="1"/>
+              </p:ext>
+            </p:extLst>
+          </p:nvPr>
+        </p:nvSpPr>
+        <p:spPr>
+          <a:xfrm flipV="1">
+            <a:off x="7550402" y="2455479"/>
+            <a:ext cx="4083433" cy="4083433"/>
+          </a:xfrm>
+          <a:prstGeom prst="arc">
+            <a:avLst/>
+          </a:prstGeom>
+          <a:ln w="127000" cap="rnd">
+            <a:solidFill>
+              <a:schemeClr val="accent4"/>
+            </a:solidFill>
+            <a:prstDash val="dash"/>
+          </a:ln>
+        </p:spPr>
+        <p:style>
+          <a:lnRef idx="1">
+            <a:schemeClr val="accent1"/>
+          </a:lnRef>
+          <a:fillRef idx="0">
+            <a:schemeClr val="accent1"/>
+          </a:fillRef>
+          <a:effectRef idx="0">
+            <a:schemeClr val="accent1"/>
+          </a:effectRef>
+          <a:fontRef idx="minor">
+            <a:schemeClr val="tx1"/>
+          </a:fontRef>
+        </p:style>
+        <p:txBody>
+          <a:bodyPr rtlCol="0" anchor="ctr"/>
+          <a:lstStyle/>
+          <a:p>
+            <a:pPr algn="ctr"/>
+            <a:endParaRPr lang="en-US"/>
+          </a:p>
+        </p:txBody>
+      </p:sp>
+      <p:sp>
+        <p:nvSpPr>
+          <p:cNvPr id="3" name="Content Placeholder 2">
+            <a:extLst>
+              <a:ext uri="{FF2B5EF4-FFF2-40B4-BE49-F238E27FC236}">
+                <a16:creationId xmlns:a16="http://schemas.microsoft.com/office/drawing/2014/main" id="{66327507-7800-B3E5-6AC2-42FBB8131065}"/>
+              </a:ext>
+            </a:extLst>
+          </p:cNvPr>
+          <p:cNvSpPr>
+            <a:spLocks noGrp="1"/>
+          </p:cNvSpPr>
+          <p:nvPr>
+            <p:ph idx="1"/>
+          </p:nvPr>
+        </p:nvSpPr>
+        <p:spPr>
+          <a:xfrm>
+            <a:off x="4447308" y="591344"/>
+            <a:ext cx="6906491" cy="5585619"/>
+          </a:xfrm>
+        </p:spPr>
+        <p:txBody>
+          <a:bodyPr vert="horz" lIns="91440" tIns="45720" rIns="91440" bIns="45720" rtlCol="0" anchor="ctr">
+            <a:normAutofit/>
+          </a:bodyPr>
+          <a:lstStyle/>
+          <a:p>
+            <a:r>
+              <a:rPr lang="en-GB" sz="2000">
+                <a:ea typeface="+mn-lt"/>
+                <a:cs typeface="+mn-lt"/>
+                <a:hlinkClick r:id="rId2"/>
+              </a:rPr>
+              <a:t>https://www.internations.org/tokyo-expats/guide/living-short</a:t>
+            </a:r>
+            <a:r>
+              <a:rPr lang="en-GB" sz="2000">
+                <a:ea typeface="+mn-lt"/>
+                <a:cs typeface="+mn-lt"/>
+              </a:rPr>
+              <a:t> </a:t>
+            </a:r>
+          </a:p>
+          <a:p>
+            <a:r>
+              <a:rPr lang="en-GB" sz="2000">
+                <a:ea typeface="+mn-lt"/>
+                <a:cs typeface="+mn-lt"/>
+                <a:hlinkClick r:id="rId3"/>
+              </a:rPr>
+              <a:t>https://www.expatarrivals.com/asia-pacific/japan/tokyo/pros-and-cons-moving-tokyo</a:t>
+            </a:r>
+          </a:p>
+          <a:p>
+            <a:r>
+              <a:rPr lang="en-GB" sz="2000">
+                <a:ea typeface="+mn-lt"/>
+                <a:cs typeface="+mn-lt"/>
+                <a:hlinkClick r:id="rId4"/>
+              </a:rPr>
+              <a:t>https://www.timeout.com/tokyo/city-life/your-guide-to-living-in-tokyo</a:t>
+            </a:r>
+          </a:p>
+          <a:p>
+            <a:r>
+              <a:rPr lang="en-GB" sz="2000">
+                <a:ea typeface="+mn-lt"/>
+                <a:cs typeface="+mn-lt"/>
+                <a:hlinkClick r:id="rId5"/>
+              </a:rPr>
+              <a:t>https://coralcap.co/2019/09/why-tokyo-is-a-great-place-to-startup/?lang=en#:~:text=Tokyo%20is%20a%20great%20place%20to%20startup.,heart%20of%20Japan%27s%20startup%20ecosystem</a:t>
+            </a:r>
+          </a:p>
+          <a:p>
+            <a:r>
+              <a:rPr lang="en-GB" sz="2000">
+                <a:ea typeface="+mn-lt"/>
+                <a:cs typeface="+mn-lt"/>
+                <a:hlinkClick r:id="rId6"/>
+              </a:rPr>
+              <a:t>https://www.expatolife.com/living-in-tokyo/</a:t>
+            </a:r>
+          </a:p>
+          <a:p>
+            <a:r>
+              <a:rPr lang="en-GB" sz="2000">
+                <a:ea typeface="+mn-lt"/>
+                <a:cs typeface="+mn-lt"/>
+                <a:hlinkClick r:id="rId7"/>
+              </a:rPr>
+              <a:t>https://theforeignrational.com/2021/06/08/top-5-downsides-of-living-in-tokyo-as-a-foreign-white-guy/</a:t>
+            </a:r>
+          </a:p>
+          <a:p>
+            <a:r>
+              <a:rPr lang="en-GB" sz="2000">
+                <a:ea typeface="+mn-lt"/>
+                <a:cs typeface="+mn-lt"/>
+                <a:hlinkClick r:id="rId8"/>
+              </a:rPr>
+              <a:t>https://www.transitionsabroad.com/listings/living/articles/living-in-tokyo-japan-culture-shock.shtml</a:t>
+            </a:r>
+            <a:endParaRPr lang="en-GB" sz="2000">
+              <a:ea typeface="+mn-lt"/>
+              <a:cs typeface="+mn-lt"/>
+            </a:endParaRPr>
+          </a:p>
+          <a:p>
+            <a:r>
+              <a:rPr lang="en-GB" sz="2000">
+                <a:ea typeface="+mn-lt"/>
+                <a:cs typeface="+mn-lt"/>
+                <a:hlinkClick r:id="rId9"/>
+              </a:rPr>
+              <a:t>https://www.quora.com/What-is-your-review-of-Tokyo</a:t>
+            </a:r>
+            <a:endParaRPr lang="en-GB" sz="2000">
+              <a:ea typeface="+mn-lt"/>
+              <a:cs typeface="+mn-lt"/>
+            </a:endParaRPr>
+          </a:p>
+          <a:p>
+            <a:endParaRPr lang="en-GB" sz="2000">
+              <a:ea typeface="+mn-lt"/>
+              <a:cs typeface="+mn-lt"/>
+            </a:endParaRPr>
+          </a:p>
+        </p:txBody>
+      </p:sp>
+    </p:spTree>
+    <p:extLst>
+      <p:ext uri="{BB962C8B-B14F-4D97-AF65-F5344CB8AC3E}">
+        <p14:creationId xmlns:p14="http://schemas.microsoft.com/office/powerpoint/2010/main" val="2800776961"/>
       </p:ext>
     </p:extLst>
   </p:cSld>
